--- a/Think in EFW④EFWとスクリプト開発v0.1.pptx
+++ b/Think in EFW④EFWとスクリプト開発v0.1.pptx
@@ -8220,14 +8220,14 @@
           <p:nvPr>
             <p:extLst>
               <p:ext uri="{D42A27DB-BD31-4B8C-83A1-F6EECF244321}">
-                <p14:modId xmlns:p14="http://schemas.microsoft.com/office/powerpoint/2010/main" val="4221165086"/>
+                <p14:modId xmlns:p14="http://schemas.microsoft.com/office/powerpoint/2010/main" val="2901864323"/>
               </p:ext>
             </p:extLst>
           </p:nvPr>
         </p:nvGraphicFramePr>
         <p:xfrm>
           <a:off x="307974" y="1336324"/>
-          <a:ext cx="8573190" cy="2438400"/>
+          <a:ext cx="8573190" cy="2743200"/>
         </p:xfrm>
         <a:graphic>
           <a:graphicData uri="http://schemas.openxmlformats.org/drawingml/2006/table">
@@ -8236,21 +8236,21 @@
                 <a:tableStyleId>{5C22544A-7EE6-4342-B048-85BDC9FD1C3A}</a:tableStyleId>
               </a:tblPr>
               <a:tblGrid>
-                <a:gridCol w="1787526">
+                <a:gridCol w="2116819">
                   <a:extLst>
                     <a:ext uri="{9D8B030D-6E8A-4147-A177-3AD203B41FA5}">
                       <a16:colId xmlns:a16="http://schemas.microsoft.com/office/drawing/2014/main" val="1269148698"/>
                     </a:ext>
                   </a:extLst>
                 </a:gridCol>
-                <a:gridCol w="3244850">
+                <a:gridCol w="3453493">
                   <a:extLst>
                     <a:ext uri="{9D8B030D-6E8A-4147-A177-3AD203B41FA5}">
                       <a16:colId xmlns:a16="http://schemas.microsoft.com/office/drawing/2014/main" val="1541164166"/>
                     </a:ext>
                   </a:extLst>
                 </a:gridCol>
-                <a:gridCol w="3540814">
+                <a:gridCol w="3002878">
                   <a:extLst>
                     <a:ext uri="{9D8B030D-6E8A-4147-A177-3AD203B41FA5}">
                       <a16:colId xmlns:a16="http://schemas.microsoft.com/office/drawing/2014/main" val="1265032748"/>
@@ -8347,7 +8347,7 @@
                           <a:latin typeface="Meiryo UI" panose="020B0604030504040204" pitchFamily="50" charset="-128"/>
                           <a:ea typeface="Meiryo UI" panose="020B0604030504040204" pitchFamily="50" charset="-128"/>
                         </a:rPr>
-                        <a:t>8.1KL</a:t>
+                        <a:t>4.0KL</a:t>
                       </a:r>
                       <a:endParaRPr kumimoji="1" lang="ja-JP" altLang="en-US" sz="1400" dirty="0">
                         <a:latin typeface="Meiryo UI" panose="020B0604030504040204" pitchFamily="50" charset="-128"/>
@@ -8357,7 +8357,7 @@
                   </a:txBody>
                   <a:tcPr/>
                 </a:tc>
-                <a:tc rowSpan="2">
+                <a:tc rowSpan="3">
                   <a:txBody>
                     <a:bodyPr/>
                     <a:lstStyle/>
@@ -8374,7 +8374,7 @@
                           <a:latin typeface="Meiryo UI" panose="020B0604030504040204" pitchFamily="50" charset="-128"/>
                           <a:ea typeface="Meiryo UI" panose="020B0604030504040204" pitchFamily="50" charset="-128"/>
                         </a:rPr>
-                        <a:t>12.3KL</a:t>
+                        <a:t>8.4KL</a:t>
                       </a:r>
                       <a:endParaRPr kumimoji="1" lang="ja-JP" altLang="en-US" sz="1400" dirty="0">
                         <a:latin typeface="Meiryo UI" panose="020B0604030504040204" pitchFamily="50" charset="-128"/>
@@ -8390,7 +8390,7 @@
                   </a:ext>
                 </a:extLst>
               </a:tr>
-              <a:tr h="297943">
+              <a:tr h="152400">
                 <a:tc>
                   <a:txBody>
                     <a:bodyPr/>
@@ -8454,6 +8454,66 @@
                 <a:extLst>
                   <a:ext uri="{0D108BD9-81ED-4DB2-BD59-A6C34878D82A}">
                     <a16:rowId xmlns:a16="http://schemas.microsoft.com/office/drawing/2014/main" val="3736938860"/>
+                  </a:ext>
+                </a:extLst>
+              </a:tr>
+              <a:tr h="152400">
+                <a:tc>
+                  <a:txBody>
+                    <a:bodyPr/>
+                    <a:lstStyle/>
+                    <a:p>
+                      <a:r>
+                        <a:rPr kumimoji="1" lang="en-US" altLang="ja-JP" sz="1400" dirty="0" err="1">
+                          <a:latin typeface="Meiryo UI" panose="020B0604030504040204" pitchFamily="50" charset="-128"/>
+                          <a:ea typeface="Meiryo UI" panose="020B0604030504040204" pitchFamily="50" charset="-128"/>
+                        </a:rPr>
+                        <a:t>sh</a:t>
+                      </a:r>
+                      <a:r>
+                        <a:rPr kumimoji="1" lang="ja-JP" altLang="en-US" sz="1400" dirty="0">
+                          <a:latin typeface="Meiryo UI" panose="020B0604030504040204" pitchFamily="50" charset="-128"/>
+                          <a:ea typeface="Meiryo UI" panose="020B0604030504040204" pitchFamily="50" charset="-128"/>
+                        </a:rPr>
+                        <a:t>ファイル</a:t>
+                      </a:r>
+                    </a:p>
+                  </a:txBody>
+                  <a:tcPr/>
+                </a:tc>
+                <a:tc>
+                  <a:txBody>
+                    <a:bodyPr/>
+                    <a:lstStyle/>
+                    <a:p>
+                      <a:r>
+                        <a:rPr kumimoji="1" lang="en-US" altLang="ja-JP" sz="1400" dirty="0">
+                          <a:latin typeface="Meiryo UI" panose="020B0604030504040204" pitchFamily="50" charset="-128"/>
+                          <a:ea typeface="Meiryo UI" panose="020B0604030504040204" pitchFamily="50" charset="-128"/>
+                        </a:rPr>
+                        <a:t>0.2KL</a:t>
+                      </a:r>
+                      <a:endParaRPr kumimoji="1" lang="ja-JP" altLang="en-US" sz="1400" dirty="0">
+                        <a:latin typeface="Meiryo UI" panose="020B0604030504040204" pitchFamily="50" charset="-128"/>
+                        <a:ea typeface="Meiryo UI" panose="020B0604030504040204" pitchFamily="50" charset="-128"/>
+                      </a:endParaRPr>
+                    </a:p>
+                  </a:txBody>
+                  <a:tcPr/>
+                </a:tc>
+                <a:tc vMerge="1">
+                  <a:txBody>
+                    <a:bodyPr/>
+                    <a:lstStyle/>
+                    <a:p>
+                      <a:endParaRPr kumimoji="1" lang="ja-JP" altLang="en-US"/>
+                    </a:p>
+                  </a:txBody>
+                  <a:tcPr/>
+                </a:tc>
+                <a:extLst>
+                  <a:ext uri="{0D108BD9-81ED-4DB2-BD59-A6C34878D82A}">
+                    <a16:rowId xmlns:a16="http://schemas.microsoft.com/office/drawing/2014/main" val="1321671845"/>
                   </a:ext>
                 </a:extLst>
               </a:tr>
@@ -8791,7 +8851,7 @@
         </p:nvSpPr>
         <p:spPr>
           <a:xfrm>
-            <a:off x="307974" y="3813337"/>
+            <a:off x="307974" y="4107251"/>
             <a:ext cx="8573192" cy="307777"/>
           </a:xfrm>
           <a:prstGeom prst="rect">
@@ -8834,13 +8894,13 @@
           <p:nvPr>
             <p:extLst>
               <p:ext uri="{D42A27DB-BD31-4B8C-83A1-F6EECF244321}">
-                <p14:modId xmlns:p14="http://schemas.microsoft.com/office/powerpoint/2010/main" val="2015833267"/>
+                <p14:modId xmlns:p14="http://schemas.microsoft.com/office/powerpoint/2010/main" val="190000900"/>
               </p:ext>
             </p:extLst>
           </p:nvPr>
         </p:nvGraphicFramePr>
         <p:xfrm>
-          <a:off x="307974" y="4146915"/>
+          <a:off x="307974" y="4391843"/>
           <a:ext cx="8573190" cy="2200957"/>
         </p:xfrm>
         <a:graphic>

--- a/Think in EFW④EFWとスクリプト開発v0.1.pptx
+++ b/Think in EFW④EFWとスクリプト開発v0.1.pptx
@@ -5,10 +5,10 @@
     <p:sldMasterId id="2147483651" r:id="rId1"/>
   </p:sldMasterIdLst>
   <p:notesMasterIdLst>
-    <p:notesMasterId r:id="rId7"/>
+    <p:notesMasterId r:id="rId9"/>
   </p:notesMasterIdLst>
   <p:handoutMasterIdLst>
-    <p:handoutMasterId r:id="rId8"/>
+    <p:handoutMasterId r:id="rId10"/>
   </p:handoutMasterIdLst>
   <p:sldIdLst>
     <p:sldId id="392" r:id="rId2"/>
@@ -16,11 +16,13 @@
     <p:sldId id="467" r:id="rId4"/>
     <p:sldId id="468" r:id="rId5"/>
     <p:sldId id="469" r:id="rId6"/>
+    <p:sldId id="470" r:id="rId7"/>
+    <p:sldId id="471" r:id="rId8"/>
   </p:sldIdLst>
   <p:sldSz cx="9144000" cy="6858000" type="screen4x3"/>
   <p:notesSz cx="7099300" cy="10234613"/>
   <p:custDataLst>
-    <p:tags r:id="rId9"/>
+    <p:tags r:id="rId11"/>
   </p:custDataLst>
   <p:defaultTextStyle>
     <a:defPPr>
@@ -2399,6 +2401,544 @@
     <p:extLst>
       <p:ext uri="{BB962C8B-B14F-4D97-AF65-F5344CB8AC3E}">
         <p14:creationId xmlns:p14="http://schemas.microsoft.com/office/powerpoint/2010/main" val="3278420020"/>
+      </p:ext>
+    </p:extLst>
+  </p:cSld>
+  <p:clrMapOvr>
+    <a:masterClrMapping/>
+  </p:clrMapOvr>
+</p:notes>
+</file>
+
+<file path=ppt/notesSlides/notesSlide6.xml><?xml version="1.0" encoding="utf-8"?>
+<p:notes xmlns:a="http://schemas.openxmlformats.org/drawingml/2006/main" xmlns:r="http://schemas.openxmlformats.org/officeDocument/2006/relationships" xmlns:p="http://schemas.openxmlformats.org/presentationml/2006/main">
+  <p:cSld>
+    <p:spTree>
+      <p:nvGrpSpPr>
+        <p:cNvPr id="1" name=""/>
+        <p:cNvGrpSpPr/>
+        <p:nvPr/>
+      </p:nvGrpSpPr>
+      <p:grpSpPr>
+        <a:xfrm>
+          <a:off x="0" y="0"/>
+          <a:ext cx="0" cy="0"/>
+          <a:chOff x="0" y="0"/>
+          <a:chExt cx="0" cy="0"/>
+        </a:xfrm>
+      </p:grpSpPr>
+      <p:sp>
+        <p:nvSpPr>
+          <p:cNvPr id="14338" name="スライド イメージ プレースホルダー 1"/>
+          <p:cNvSpPr>
+            <a:spLocks noGrp="1" noRot="1" noChangeAspect="1" noTextEdit="1"/>
+          </p:cNvSpPr>
+          <p:nvPr>
+            <p:ph type="sldImg"/>
+          </p:nvPr>
+        </p:nvSpPr>
+        <p:spPr bwMode="auto">
+          <a:xfrm>
+            <a:off x="992188" y="768350"/>
+            <a:ext cx="5114925" cy="3836988"/>
+          </a:xfrm>
+          <a:noFill/>
+          <a:ln>
+            <a:solidFill>
+              <a:srgbClr val="000000"/>
+            </a:solidFill>
+            <a:miter lim="800000"/>
+            <a:headEnd/>
+            <a:tailEnd/>
+          </a:ln>
+          <a:extLst>
+            <a:ext uri="{909E8E84-426E-40DD-AFC4-6F175D3DCCD1}">
+              <a14:hiddenFill xmlns:a14="http://schemas.microsoft.com/office/drawing/2010/main">
+                <a:solidFill>
+                  <a:srgbClr val="FFFFFF"/>
+                </a:solidFill>
+              </a14:hiddenFill>
+            </a:ext>
+          </a:extLst>
+        </p:spPr>
+      </p:sp>
+      <p:sp>
+        <p:nvSpPr>
+          <p:cNvPr id="14339" name="ノート プレースホルダー 2"/>
+          <p:cNvSpPr>
+            <a:spLocks noGrp="1"/>
+          </p:cNvSpPr>
+          <p:nvPr>
+            <p:ph type="body" idx="1"/>
+          </p:nvPr>
+        </p:nvSpPr>
+        <p:spPr>
+          <a:noFill/>
+        </p:spPr>
+        <p:txBody>
+          <a:bodyPr/>
+          <a:lstStyle/>
+          <a:p>
+            <a:endParaRPr lang="ja-JP" altLang="en-US"/>
+          </a:p>
+        </p:txBody>
+      </p:sp>
+      <p:sp>
+        <p:nvSpPr>
+          <p:cNvPr id="14340" name="スライド番号プレースホルダー 3"/>
+          <p:cNvSpPr txBox="1">
+            <a:spLocks noGrp="1"/>
+          </p:cNvSpPr>
+          <p:nvPr/>
+        </p:nvSpPr>
+        <p:spPr bwMode="auto">
+          <a:xfrm>
+            <a:off x="4021138" y="9721850"/>
+            <a:ext cx="3076575" cy="511175"/>
+          </a:xfrm>
+          <a:prstGeom prst="rect">
+            <a:avLst/>
+          </a:prstGeom>
+          <a:noFill/>
+          <a:ln>
+            <a:noFill/>
+          </a:ln>
+          <a:extLst>
+            <a:ext uri="{909E8E84-426E-40DD-AFC4-6F175D3DCCD1}">
+              <a14:hiddenFill xmlns:a14="http://schemas.microsoft.com/office/drawing/2010/main">
+                <a:solidFill>
+                  <a:srgbClr val="FFFFFF"/>
+                </a:solidFill>
+              </a14:hiddenFill>
+            </a:ext>
+            <a:ext uri="{91240B29-F687-4F45-9708-019B960494DF}">
+              <a14:hiddenLine xmlns:a14="http://schemas.microsoft.com/office/drawing/2010/main" w="9525">
+                <a:solidFill>
+                  <a:srgbClr val="000000"/>
+                </a:solidFill>
+                <a:miter lim="800000"/>
+                <a:headEnd/>
+                <a:tailEnd/>
+              </a14:hiddenLine>
+            </a:ext>
+          </a:extLst>
+        </p:spPr>
+        <p:txBody>
+          <a:bodyPr lIns="94640" tIns="47320" rIns="94640" bIns="47320" anchor="b"/>
+          <a:lstStyle>
+            <a:lvl1pPr defTabSz="946150">
+              <a:spcBef>
+                <a:spcPct val="30000"/>
+              </a:spcBef>
+              <a:defRPr kumimoji="1" sz="1200">
+                <a:solidFill>
+                  <a:schemeClr val="tx1"/>
+                </a:solidFill>
+                <a:latin typeface="Calibri" pitchFamily="34" charset="0"/>
+                <a:ea typeface="ＭＳ Ｐゴシック" pitchFamily="50" charset="-128"/>
+              </a:defRPr>
+            </a:lvl1pPr>
+            <a:lvl2pPr marL="768350" indent="-295275" defTabSz="946150">
+              <a:spcBef>
+                <a:spcPct val="30000"/>
+              </a:spcBef>
+              <a:defRPr kumimoji="1" sz="1200">
+                <a:solidFill>
+                  <a:schemeClr val="tx1"/>
+                </a:solidFill>
+                <a:latin typeface="Calibri" pitchFamily="34" charset="0"/>
+                <a:ea typeface="ＭＳ Ｐゴシック" pitchFamily="50" charset="-128"/>
+              </a:defRPr>
+            </a:lvl2pPr>
+            <a:lvl3pPr marL="1182688" indent="-236538" defTabSz="946150">
+              <a:spcBef>
+                <a:spcPct val="30000"/>
+              </a:spcBef>
+              <a:defRPr kumimoji="1" sz="1200">
+                <a:solidFill>
+                  <a:schemeClr val="tx1"/>
+                </a:solidFill>
+                <a:latin typeface="Calibri" pitchFamily="34" charset="0"/>
+                <a:ea typeface="ＭＳ Ｐゴシック" pitchFamily="50" charset="-128"/>
+              </a:defRPr>
+            </a:lvl3pPr>
+            <a:lvl4pPr marL="1655763" indent="-236538" defTabSz="946150">
+              <a:spcBef>
+                <a:spcPct val="30000"/>
+              </a:spcBef>
+              <a:defRPr kumimoji="1" sz="1200">
+                <a:solidFill>
+                  <a:schemeClr val="tx1"/>
+                </a:solidFill>
+                <a:latin typeface="Calibri" pitchFamily="34" charset="0"/>
+                <a:ea typeface="ＭＳ Ｐゴシック" pitchFamily="50" charset="-128"/>
+              </a:defRPr>
+            </a:lvl4pPr>
+            <a:lvl5pPr marL="2128838" indent="-236538" defTabSz="946150">
+              <a:spcBef>
+                <a:spcPct val="30000"/>
+              </a:spcBef>
+              <a:defRPr kumimoji="1" sz="1200">
+                <a:solidFill>
+                  <a:schemeClr val="tx1"/>
+                </a:solidFill>
+                <a:latin typeface="Calibri" pitchFamily="34" charset="0"/>
+                <a:ea typeface="ＭＳ Ｐゴシック" pitchFamily="50" charset="-128"/>
+              </a:defRPr>
+            </a:lvl5pPr>
+            <a:lvl6pPr marL="2586038" indent="-236538" defTabSz="946150" eaLnBrk="0" fontAlgn="base" hangingPunct="0">
+              <a:spcBef>
+                <a:spcPct val="30000"/>
+              </a:spcBef>
+              <a:spcAft>
+                <a:spcPct val="0"/>
+              </a:spcAft>
+              <a:defRPr kumimoji="1" sz="1200">
+                <a:solidFill>
+                  <a:schemeClr val="tx1"/>
+                </a:solidFill>
+                <a:latin typeface="Calibri" pitchFamily="34" charset="0"/>
+                <a:ea typeface="ＭＳ Ｐゴシック" pitchFamily="50" charset="-128"/>
+              </a:defRPr>
+            </a:lvl6pPr>
+            <a:lvl7pPr marL="3043238" indent="-236538" defTabSz="946150" eaLnBrk="0" fontAlgn="base" hangingPunct="0">
+              <a:spcBef>
+                <a:spcPct val="30000"/>
+              </a:spcBef>
+              <a:spcAft>
+                <a:spcPct val="0"/>
+              </a:spcAft>
+              <a:defRPr kumimoji="1" sz="1200">
+                <a:solidFill>
+                  <a:schemeClr val="tx1"/>
+                </a:solidFill>
+                <a:latin typeface="Calibri" pitchFamily="34" charset="0"/>
+                <a:ea typeface="ＭＳ Ｐゴシック" pitchFamily="50" charset="-128"/>
+              </a:defRPr>
+            </a:lvl7pPr>
+            <a:lvl8pPr marL="3500438" indent="-236538" defTabSz="946150" eaLnBrk="0" fontAlgn="base" hangingPunct="0">
+              <a:spcBef>
+                <a:spcPct val="30000"/>
+              </a:spcBef>
+              <a:spcAft>
+                <a:spcPct val="0"/>
+              </a:spcAft>
+              <a:defRPr kumimoji="1" sz="1200">
+                <a:solidFill>
+                  <a:schemeClr val="tx1"/>
+                </a:solidFill>
+                <a:latin typeface="Calibri" pitchFamily="34" charset="0"/>
+                <a:ea typeface="ＭＳ Ｐゴシック" pitchFamily="50" charset="-128"/>
+              </a:defRPr>
+            </a:lvl8pPr>
+            <a:lvl9pPr marL="3957638" indent="-236538" defTabSz="946150" eaLnBrk="0" fontAlgn="base" hangingPunct="0">
+              <a:spcBef>
+                <a:spcPct val="30000"/>
+              </a:spcBef>
+              <a:spcAft>
+                <a:spcPct val="0"/>
+              </a:spcAft>
+              <a:defRPr kumimoji="1" sz="1200">
+                <a:solidFill>
+                  <a:schemeClr val="tx1"/>
+                </a:solidFill>
+                <a:latin typeface="Calibri" pitchFamily="34" charset="0"/>
+                <a:ea typeface="ＭＳ Ｐゴシック" pitchFamily="50" charset="-128"/>
+              </a:defRPr>
+            </a:lvl9pPr>
+          </a:lstStyle>
+          <a:p>
+            <a:pPr algn="r" eaLnBrk="1" hangingPunct="1">
+              <a:spcBef>
+                <a:spcPct val="0"/>
+              </a:spcBef>
+            </a:pPr>
+            <a:fld id="{8B9EDEEC-12B0-467D-849C-FC255EDD81CA}" type="slidenum">
+              <a:rPr lang="ja-JP" altLang="en-US"/>
+              <a:pPr algn="r" eaLnBrk="1" hangingPunct="1">
+                <a:spcBef>
+                  <a:spcPct val="0"/>
+                </a:spcBef>
+              </a:pPr>
+              <a:t>5</a:t>
+            </a:fld>
+            <a:endParaRPr lang="en-US" altLang="ja-JP"/>
+          </a:p>
+        </p:txBody>
+      </p:sp>
+    </p:spTree>
+    <p:extLst>
+      <p:ext uri="{BB962C8B-B14F-4D97-AF65-F5344CB8AC3E}">
+        <p14:creationId xmlns:p14="http://schemas.microsoft.com/office/powerpoint/2010/main" val="458324072"/>
+      </p:ext>
+    </p:extLst>
+  </p:cSld>
+  <p:clrMapOvr>
+    <a:masterClrMapping/>
+  </p:clrMapOvr>
+</p:notes>
+</file>
+
+<file path=ppt/notesSlides/notesSlide7.xml><?xml version="1.0" encoding="utf-8"?>
+<p:notes xmlns:a="http://schemas.openxmlformats.org/drawingml/2006/main" xmlns:r="http://schemas.openxmlformats.org/officeDocument/2006/relationships" xmlns:p="http://schemas.openxmlformats.org/presentationml/2006/main">
+  <p:cSld>
+    <p:spTree>
+      <p:nvGrpSpPr>
+        <p:cNvPr id="1" name=""/>
+        <p:cNvGrpSpPr/>
+        <p:nvPr/>
+      </p:nvGrpSpPr>
+      <p:grpSpPr>
+        <a:xfrm>
+          <a:off x="0" y="0"/>
+          <a:ext cx="0" cy="0"/>
+          <a:chOff x="0" y="0"/>
+          <a:chExt cx="0" cy="0"/>
+        </a:xfrm>
+      </p:grpSpPr>
+      <p:sp>
+        <p:nvSpPr>
+          <p:cNvPr id="14338" name="スライド イメージ プレースホルダー 1"/>
+          <p:cNvSpPr>
+            <a:spLocks noGrp="1" noRot="1" noChangeAspect="1" noTextEdit="1"/>
+          </p:cNvSpPr>
+          <p:nvPr>
+            <p:ph type="sldImg"/>
+          </p:nvPr>
+        </p:nvSpPr>
+        <p:spPr bwMode="auto">
+          <a:xfrm>
+            <a:off x="992188" y="768350"/>
+            <a:ext cx="5114925" cy="3836988"/>
+          </a:xfrm>
+          <a:noFill/>
+          <a:ln>
+            <a:solidFill>
+              <a:srgbClr val="000000"/>
+            </a:solidFill>
+            <a:miter lim="800000"/>
+            <a:headEnd/>
+            <a:tailEnd/>
+          </a:ln>
+          <a:extLst>
+            <a:ext uri="{909E8E84-426E-40DD-AFC4-6F175D3DCCD1}">
+              <a14:hiddenFill xmlns:a14="http://schemas.microsoft.com/office/drawing/2010/main">
+                <a:solidFill>
+                  <a:srgbClr val="FFFFFF"/>
+                </a:solidFill>
+              </a14:hiddenFill>
+            </a:ext>
+          </a:extLst>
+        </p:spPr>
+      </p:sp>
+      <p:sp>
+        <p:nvSpPr>
+          <p:cNvPr id="14339" name="ノート プレースホルダー 2"/>
+          <p:cNvSpPr>
+            <a:spLocks noGrp="1"/>
+          </p:cNvSpPr>
+          <p:nvPr>
+            <p:ph type="body" idx="1"/>
+          </p:nvPr>
+        </p:nvSpPr>
+        <p:spPr>
+          <a:noFill/>
+        </p:spPr>
+        <p:txBody>
+          <a:bodyPr/>
+          <a:lstStyle/>
+          <a:p>
+            <a:endParaRPr lang="ja-JP" altLang="en-US"/>
+          </a:p>
+        </p:txBody>
+      </p:sp>
+      <p:sp>
+        <p:nvSpPr>
+          <p:cNvPr id="14340" name="スライド番号プレースホルダー 3"/>
+          <p:cNvSpPr txBox="1">
+            <a:spLocks noGrp="1"/>
+          </p:cNvSpPr>
+          <p:nvPr/>
+        </p:nvSpPr>
+        <p:spPr bwMode="auto">
+          <a:xfrm>
+            <a:off x="4021138" y="9721850"/>
+            <a:ext cx="3076575" cy="511175"/>
+          </a:xfrm>
+          <a:prstGeom prst="rect">
+            <a:avLst/>
+          </a:prstGeom>
+          <a:noFill/>
+          <a:ln>
+            <a:noFill/>
+          </a:ln>
+          <a:extLst>
+            <a:ext uri="{909E8E84-426E-40DD-AFC4-6F175D3DCCD1}">
+              <a14:hiddenFill xmlns:a14="http://schemas.microsoft.com/office/drawing/2010/main">
+                <a:solidFill>
+                  <a:srgbClr val="FFFFFF"/>
+                </a:solidFill>
+              </a14:hiddenFill>
+            </a:ext>
+            <a:ext uri="{91240B29-F687-4F45-9708-019B960494DF}">
+              <a14:hiddenLine xmlns:a14="http://schemas.microsoft.com/office/drawing/2010/main" w="9525">
+                <a:solidFill>
+                  <a:srgbClr val="000000"/>
+                </a:solidFill>
+                <a:miter lim="800000"/>
+                <a:headEnd/>
+                <a:tailEnd/>
+              </a14:hiddenLine>
+            </a:ext>
+          </a:extLst>
+        </p:spPr>
+        <p:txBody>
+          <a:bodyPr lIns="94640" tIns="47320" rIns="94640" bIns="47320" anchor="b"/>
+          <a:lstStyle>
+            <a:lvl1pPr defTabSz="946150">
+              <a:spcBef>
+                <a:spcPct val="30000"/>
+              </a:spcBef>
+              <a:defRPr kumimoji="1" sz="1200">
+                <a:solidFill>
+                  <a:schemeClr val="tx1"/>
+                </a:solidFill>
+                <a:latin typeface="Calibri" pitchFamily="34" charset="0"/>
+                <a:ea typeface="ＭＳ Ｐゴシック" pitchFamily="50" charset="-128"/>
+              </a:defRPr>
+            </a:lvl1pPr>
+            <a:lvl2pPr marL="768350" indent="-295275" defTabSz="946150">
+              <a:spcBef>
+                <a:spcPct val="30000"/>
+              </a:spcBef>
+              <a:defRPr kumimoji="1" sz="1200">
+                <a:solidFill>
+                  <a:schemeClr val="tx1"/>
+                </a:solidFill>
+                <a:latin typeface="Calibri" pitchFamily="34" charset="0"/>
+                <a:ea typeface="ＭＳ Ｐゴシック" pitchFamily="50" charset="-128"/>
+              </a:defRPr>
+            </a:lvl2pPr>
+            <a:lvl3pPr marL="1182688" indent="-236538" defTabSz="946150">
+              <a:spcBef>
+                <a:spcPct val="30000"/>
+              </a:spcBef>
+              <a:defRPr kumimoji="1" sz="1200">
+                <a:solidFill>
+                  <a:schemeClr val="tx1"/>
+                </a:solidFill>
+                <a:latin typeface="Calibri" pitchFamily="34" charset="0"/>
+                <a:ea typeface="ＭＳ Ｐゴシック" pitchFamily="50" charset="-128"/>
+              </a:defRPr>
+            </a:lvl3pPr>
+            <a:lvl4pPr marL="1655763" indent="-236538" defTabSz="946150">
+              <a:spcBef>
+                <a:spcPct val="30000"/>
+              </a:spcBef>
+              <a:defRPr kumimoji="1" sz="1200">
+                <a:solidFill>
+                  <a:schemeClr val="tx1"/>
+                </a:solidFill>
+                <a:latin typeface="Calibri" pitchFamily="34" charset="0"/>
+                <a:ea typeface="ＭＳ Ｐゴシック" pitchFamily="50" charset="-128"/>
+              </a:defRPr>
+            </a:lvl4pPr>
+            <a:lvl5pPr marL="2128838" indent="-236538" defTabSz="946150">
+              <a:spcBef>
+                <a:spcPct val="30000"/>
+              </a:spcBef>
+              <a:defRPr kumimoji="1" sz="1200">
+                <a:solidFill>
+                  <a:schemeClr val="tx1"/>
+                </a:solidFill>
+                <a:latin typeface="Calibri" pitchFamily="34" charset="0"/>
+                <a:ea typeface="ＭＳ Ｐゴシック" pitchFamily="50" charset="-128"/>
+              </a:defRPr>
+            </a:lvl5pPr>
+            <a:lvl6pPr marL="2586038" indent="-236538" defTabSz="946150" eaLnBrk="0" fontAlgn="base" hangingPunct="0">
+              <a:spcBef>
+                <a:spcPct val="30000"/>
+              </a:spcBef>
+              <a:spcAft>
+                <a:spcPct val="0"/>
+              </a:spcAft>
+              <a:defRPr kumimoji="1" sz="1200">
+                <a:solidFill>
+                  <a:schemeClr val="tx1"/>
+                </a:solidFill>
+                <a:latin typeface="Calibri" pitchFamily="34" charset="0"/>
+                <a:ea typeface="ＭＳ Ｐゴシック" pitchFamily="50" charset="-128"/>
+              </a:defRPr>
+            </a:lvl6pPr>
+            <a:lvl7pPr marL="3043238" indent="-236538" defTabSz="946150" eaLnBrk="0" fontAlgn="base" hangingPunct="0">
+              <a:spcBef>
+                <a:spcPct val="30000"/>
+              </a:spcBef>
+              <a:spcAft>
+                <a:spcPct val="0"/>
+              </a:spcAft>
+              <a:defRPr kumimoji="1" sz="1200">
+                <a:solidFill>
+                  <a:schemeClr val="tx1"/>
+                </a:solidFill>
+                <a:latin typeface="Calibri" pitchFamily="34" charset="0"/>
+                <a:ea typeface="ＭＳ Ｐゴシック" pitchFamily="50" charset="-128"/>
+              </a:defRPr>
+            </a:lvl7pPr>
+            <a:lvl8pPr marL="3500438" indent="-236538" defTabSz="946150" eaLnBrk="0" fontAlgn="base" hangingPunct="0">
+              <a:spcBef>
+                <a:spcPct val="30000"/>
+              </a:spcBef>
+              <a:spcAft>
+                <a:spcPct val="0"/>
+              </a:spcAft>
+              <a:defRPr kumimoji="1" sz="1200">
+                <a:solidFill>
+                  <a:schemeClr val="tx1"/>
+                </a:solidFill>
+                <a:latin typeface="Calibri" pitchFamily="34" charset="0"/>
+                <a:ea typeface="ＭＳ Ｐゴシック" pitchFamily="50" charset="-128"/>
+              </a:defRPr>
+            </a:lvl8pPr>
+            <a:lvl9pPr marL="3957638" indent="-236538" defTabSz="946150" eaLnBrk="0" fontAlgn="base" hangingPunct="0">
+              <a:spcBef>
+                <a:spcPct val="30000"/>
+              </a:spcBef>
+              <a:spcAft>
+                <a:spcPct val="0"/>
+              </a:spcAft>
+              <a:defRPr kumimoji="1" sz="1200">
+                <a:solidFill>
+                  <a:schemeClr val="tx1"/>
+                </a:solidFill>
+                <a:latin typeface="Calibri" pitchFamily="34" charset="0"/>
+                <a:ea typeface="ＭＳ Ｐゴシック" pitchFamily="50" charset="-128"/>
+              </a:defRPr>
+            </a:lvl9pPr>
+          </a:lstStyle>
+          <a:p>
+            <a:pPr algn="r" eaLnBrk="1" hangingPunct="1">
+              <a:spcBef>
+                <a:spcPct val="0"/>
+              </a:spcBef>
+            </a:pPr>
+            <a:fld id="{8B9EDEEC-12B0-467D-849C-FC255EDD81CA}" type="slidenum">
+              <a:rPr lang="ja-JP" altLang="en-US"/>
+              <a:pPr algn="r" eaLnBrk="1" hangingPunct="1">
+                <a:spcBef>
+                  <a:spcPct val="0"/>
+                </a:spcBef>
+              </a:pPr>
+              <a:t>6</a:t>
+            </a:fld>
+            <a:endParaRPr lang="en-US" altLang="ja-JP"/>
+          </a:p>
+        </p:txBody>
+      </p:sp>
+    </p:spTree>
+    <p:extLst>
+      <p:ext uri="{BB962C8B-B14F-4D97-AF65-F5344CB8AC3E}">
+        <p14:creationId xmlns:p14="http://schemas.microsoft.com/office/powerpoint/2010/main" val="2658288388"/>
       </p:ext>
     </p:extLst>
   </p:cSld>
@@ -3570,6 +4110,389 @@
       </p:grpSpPr>
       <p:sp>
         <p:nvSpPr>
+          <p:cNvPr id="4" name="タイトル 1">
+            <a:extLst>
+              <a:ext uri="{FF2B5EF4-FFF2-40B4-BE49-F238E27FC236}">
+                <a16:creationId xmlns:a16="http://schemas.microsoft.com/office/drawing/2014/main" id="{431F148E-8120-479E-BE34-50E1215860F3}"/>
+              </a:ext>
+            </a:extLst>
+          </p:cNvPr>
+          <p:cNvSpPr txBox="1">
+            <a:spLocks/>
+          </p:cNvSpPr>
+          <p:nvPr/>
+        </p:nvSpPr>
+        <p:spPr bwMode="auto">
+          <a:xfrm>
+            <a:off x="109058" y="4743450"/>
+            <a:ext cx="3181149" cy="1997103"/>
+          </a:xfrm>
+          <a:prstGeom prst="rect">
+            <a:avLst/>
+          </a:prstGeom>
+          <a:noFill/>
+          <a:ln w="9525">
+            <a:solidFill>
+              <a:srgbClr val="000000"/>
+            </a:solidFill>
+            <a:miter lim="800000"/>
+            <a:headEnd/>
+            <a:tailEnd/>
+          </a:ln>
+          <a:extLst>
+            <a:ext uri="{909E8E84-426E-40DD-AFC4-6F175D3DCCD1}">
+              <a14:hiddenFill xmlns:a14="http://schemas.microsoft.com/office/drawing/2010/main">
+                <a:solidFill>
+                  <a:srgbClr val="FFFFFF"/>
+                </a:solidFill>
+              </a14:hiddenFill>
+            </a:ext>
+          </a:extLst>
+        </p:spPr>
+        <p:txBody>
+          <a:bodyPr vert="horz" wrap="square" lIns="91440" tIns="45720" rIns="91440" bIns="45720" numCol="1" anchor="ctr" anchorCtr="0" compatLnSpc="1">
+            <a:prstTxWarp prst="textNoShape">
+              <a:avLst/>
+            </a:prstTxWarp>
+          </a:bodyPr>
+          <a:lstStyle>
+            <a:lvl1pPr algn="ctr" rtl="0" eaLnBrk="0" fontAlgn="base" hangingPunct="0">
+              <a:spcBef>
+                <a:spcPct val="0"/>
+              </a:spcBef>
+              <a:spcAft>
+                <a:spcPct val="0"/>
+              </a:spcAft>
+              <a:defRPr kumimoji="1" sz="4400" kern="1200">
+                <a:solidFill>
+                  <a:schemeClr val="tx1"/>
+                </a:solidFill>
+                <a:latin typeface="Arial" charset="0"/>
+                <a:ea typeface="+mj-ea"/>
+                <a:cs typeface="+mj-cs"/>
+              </a:defRPr>
+            </a:lvl1pPr>
+            <a:lvl2pPr algn="ctr" rtl="0" eaLnBrk="0" fontAlgn="base" hangingPunct="0">
+              <a:spcBef>
+                <a:spcPct val="0"/>
+              </a:spcBef>
+              <a:spcAft>
+                <a:spcPct val="0"/>
+              </a:spcAft>
+              <a:defRPr kumimoji="1" sz="4400">
+                <a:solidFill>
+                  <a:schemeClr val="tx1"/>
+                </a:solidFill>
+                <a:latin typeface="Arial" charset="0"/>
+                <a:ea typeface="ＭＳ Ｐゴシック" charset="-128"/>
+              </a:defRPr>
+            </a:lvl2pPr>
+            <a:lvl3pPr algn="ctr" rtl="0" eaLnBrk="0" fontAlgn="base" hangingPunct="0">
+              <a:spcBef>
+                <a:spcPct val="0"/>
+              </a:spcBef>
+              <a:spcAft>
+                <a:spcPct val="0"/>
+              </a:spcAft>
+              <a:defRPr kumimoji="1" sz="4400">
+                <a:solidFill>
+                  <a:schemeClr val="tx1"/>
+                </a:solidFill>
+                <a:latin typeface="Arial" charset="0"/>
+                <a:ea typeface="ＭＳ Ｐゴシック" charset="-128"/>
+              </a:defRPr>
+            </a:lvl3pPr>
+            <a:lvl4pPr algn="ctr" rtl="0" eaLnBrk="0" fontAlgn="base" hangingPunct="0">
+              <a:spcBef>
+                <a:spcPct val="0"/>
+              </a:spcBef>
+              <a:spcAft>
+                <a:spcPct val="0"/>
+              </a:spcAft>
+              <a:defRPr kumimoji="1" sz="4400">
+                <a:solidFill>
+                  <a:schemeClr val="tx1"/>
+                </a:solidFill>
+                <a:latin typeface="Arial" charset="0"/>
+                <a:ea typeface="ＭＳ Ｐゴシック" charset="-128"/>
+              </a:defRPr>
+            </a:lvl4pPr>
+            <a:lvl5pPr algn="ctr" rtl="0" eaLnBrk="0" fontAlgn="base" hangingPunct="0">
+              <a:spcBef>
+                <a:spcPct val="0"/>
+              </a:spcBef>
+              <a:spcAft>
+                <a:spcPct val="0"/>
+              </a:spcAft>
+              <a:defRPr kumimoji="1" sz="4400">
+                <a:solidFill>
+                  <a:schemeClr val="tx1"/>
+                </a:solidFill>
+                <a:latin typeface="Arial" charset="0"/>
+                <a:ea typeface="ＭＳ Ｐゴシック" charset="-128"/>
+              </a:defRPr>
+            </a:lvl5pPr>
+            <a:lvl6pPr marL="457200" algn="ctr" rtl="0" fontAlgn="base">
+              <a:spcBef>
+                <a:spcPct val="0"/>
+              </a:spcBef>
+              <a:spcAft>
+                <a:spcPct val="0"/>
+              </a:spcAft>
+              <a:defRPr kumimoji="1" sz="4400">
+                <a:solidFill>
+                  <a:schemeClr val="tx1"/>
+                </a:solidFill>
+                <a:latin typeface="Calibri" pitchFamily="34" charset="0"/>
+                <a:ea typeface="ＭＳ Ｐゴシック" charset="-128"/>
+              </a:defRPr>
+            </a:lvl6pPr>
+            <a:lvl7pPr marL="914400" algn="ctr" rtl="0" fontAlgn="base">
+              <a:spcBef>
+                <a:spcPct val="0"/>
+              </a:spcBef>
+              <a:spcAft>
+                <a:spcPct val="0"/>
+              </a:spcAft>
+              <a:defRPr kumimoji="1" sz="4400">
+                <a:solidFill>
+                  <a:schemeClr val="tx1"/>
+                </a:solidFill>
+                <a:latin typeface="Calibri" pitchFamily="34" charset="0"/>
+                <a:ea typeface="ＭＳ Ｐゴシック" charset="-128"/>
+              </a:defRPr>
+            </a:lvl7pPr>
+            <a:lvl8pPr marL="1371600" algn="ctr" rtl="0" fontAlgn="base">
+              <a:spcBef>
+                <a:spcPct val="0"/>
+              </a:spcBef>
+              <a:spcAft>
+                <a:spcPct val="0"/>
+              </a:spcAft>
+              <a:defRPr kumimoji="1" sz="4400">
+                <a:solidFill>
+                  <a:schemeClr val="tx1"/>
+                </a:solidFill>
+                <a:latin typeface="Calibri" pitchFamily="34" charset="0"/>
+                <a:ea typeface="ＭＳ Ｐゴシック" charset="-128"/>
+              </a:defRPr>
+            </a:lvl8pPr>
+            <a:lvl9pPr marL="1828800" algn="ctr" rtl="0" fontAlgn="base">
+              <a:spcBef>
+                <a:spcPct val="0"/>
+              </a:spcBef>
+              <a:spcAft>
+                <a:spcPct val="0"/>
+              </a:spcAft>
+              <a:defRPr kumimoji="1" sz="4400">
+                <a:solidFill>
+                  <a:schemeClr val="tx1"/>
+                </a:solidFill>
+                <a:latin typeface="Calibri" pitchFamily="34" charset="0"/>
+                <a:ea typeface="ＭＳ Ｐゴシック" charset="-128"/>
+              </a:defRPr>
+            </a:lvl9pPr>
+          </a:lstStyle>
+          <a:p>
+            <a:pPr marL="457200" indent="-457200" algn="l">
+              <a:lnSpc>
+                <a:spcPct val="150000"/>
+              </a:lnSpc>
+              <a:buFont typeface="Wingdings" panose="05000000000000000000" pitchFamily="2" charset="2"/>
+              <a:buChar char="Ø"/>
+            </a:pPr>
+            <a:r>
+              <a:rPr lang="ja-JP" altLang="en-US" sz="1500" dirty="0">
+                <a:latin typeface="Meiryo UI" pitchFamily="50" charset="-128"/>
+                <a:ea typeface="Meiryo UI" pitchFamily="50" charset="-128"/>
+                <a:cs typeface="Meiryo UI" pitchFamily="50" charset="-128"/>
+              </a:rPr>
+              <a:t>１、スクリプト言語の流行</a:t>
+            </a:r>
+            <a:endParaRPr lang="en-US" altLang="ja-JP" sz="1500" dirty="0">
+              <a:latin typeface="Meiryo UI" pitchFamily="50" charset="-128"/>
+              <a:ea typeface="Meiryo UI" pitchFamily="50" charset="-128"/>
+              <a:cs typeface="Meiryo UI" pitchFamily="50" charset="-128"/>
+            </a:endParaRPr>
+          </a:p>
+          <a:p>
+            <a:pPr marL="457200" indent="-457200" algn="l">
+              <a:lnSpc>
+                <a:spcPct val="150000"/>
+              </a:lnSpc>
+              <a:buFont typeface="Wingdings" panose="05000000000000000000" pitchFamily="2" charset="2"/>
+              <a:buChar char="Ø"/>
+            </a:pPr>
+            <a:r>
+              <a:rPr lang="ja-JP" altLang="en-US" sz="1500" dirty="0">
+                <a:latin typeface="Meiryo UI" pitchFamily="50" charset="-128"/>
+                <a:ea typeface="Meiryo UI" pitchFamily="50" charset="-128"/>
+                <a:cs typeface="Meiryo UI" pitchFamily="50" charset="-128"/>
+              </a:rPr>
+              <a:t>２、 </a:t>
+            </a:r>
+            <a:r>
+              <a:rPr lang="en-US" altLang="ja-JP" sz="1500" dirty="0">
+                <a:latin typeface="Meiryo UI" pitchFamily="50" charset="-128"/>
+                <a:ea typeface="Meiryo UI" pitchFamily="50" charset="-128"/>
+                <a:cs typeface="Meiryo UI" pitchFamily="50" charset="-128"/>
+              </a:rPr>
+              <a:t>EFW</a:t>
+            </a:r>
+            <a:r>
+              <a:rPr lang="ja-JP" altLang="en-US" sz="1500" dirty="0">
+                <a:latin typeface="Meiryo UI" pitchFamily="50" charset="-128"/>
+                <a:ea typeface="Meiryo UI" pitchFamily="50" charset="-128"/>
+                <a:cs typeface="Meiryo UI" pitchFamily="50" charset="-128"/>
+              </a:rPr>
+              <a:t>の補足</a:t>
+            </a:r>
+            <a:endParaRPr lang="en-US" altLang="ja-JP" sz="1500" dirty="0">
+              <a:latin typeface="Meiryo UI" pitchFamily="50" charset="-128"/>
+              <a:ea typeface="Meiryo UI" pitchFamily="50" charset="-128"/>
+              <a:cs typeface="Meiryo UI" pitchFamily="50" charset="-128"/>
+            </a:endParaRPr>
+          </a:p>
+          <a:p>
+            <a:pPr marL="457200" indent="-457200" algn="l">
+              <a:lnSpc>
+                <a:spcPct val="150000"/>
+              </a:lnSpc>
+              <a:buFont typeface="Wingdings" panose="05000000000000000000" pitchFamily="2" charset="2"/>
+              <a:buChar char="Ø"/>
+            </a:pPr>
+            <a:r>
+              <a:rPr lang="ja-JP" altLang="en-US" sz="1500" dirty="0">
+                <a:latin typeface="Meiryo UI" pitchFamily="50" charset="-128"/>
+                <a:ea typeface="Meiryo UI" pitchFamily="50" charset="-128"/>
+                <a:cs typeface="Meiryo UI" pitchFamily="50" charset="-128"/>
+              </a:rPr>
+              <a:t>３、</a:t>
+            </a:r>
+            <a:r>
+              <a:rPr lang="en-US" altLang="ja-JP" sz="1500" dirty="0">
+                <a:latin typeface="Meiryo UI" pitchFamily="50" charset="-128"/>
+                <a:ea typeface="Meiryo UI" pitchFamily="50" charset="-128"/>
+                <a:cs typeface="Meiryo UI" pitchFamily="50" charset="-128"/>
+              </a:rPr>
+              <a:t> EFW</a:t>
+            </a:r>
+            <a:r>
+              <a:rPr lang="ja-JP" altLang="en-US" sz="1500" dirty="0">
+                <a:latin typeface="Meiryo UI" pitchFamily="50" charset="-128"/>
+                <a:ea typeface="Meiryo UI" pitchFamily="50" charset="-128"/>
+                <a:cs typeface="Meiryo UI" pitchFamily="50" charset="-128"/>
+              </a:rPr>
+              <a:t>と</a:t>
+            </a:r>
+            <a:r>
+              <a:rPr lang="en-US" altLang="ja-JP" sz="1500" dirty="0">
+                <a:latin typeface="Meiryo UI" pitchFamily="50" charset="-128"/>
+                <a:ea typeface="Meiryo UI" pitchFamily="50" charset="-128"/>
+                <a:cs typeface="Meiryo UI" pitchFamily="50" charset="-128"/>
+              </a:rPr>
+              <a:t>Node.js</a:t>
+            </a:r>
+            <a:r>
+              <a:rPr lang="ja-JP" altLang="en-US" sz="1500" dirty="0">
+                <a:latin typeface="Meiryo UI" pitchFamily="50" charset="-128"/>
+                <a:ea typeface="Meiryo UI" pitchFamily="50" charset="-128"/>
+                <a:cs typeface="Meiryo UI" pitchFamily="50" charset="-128"/>
+              </a:rPr>
+              <a:t>の比較</a:t>
+            </a:r>
+            <a:endParaRPr lang="en-US" altLang="ja-JP" sz="1500" dirty="0">
+              <a:latin typeface="Meiryo UI" pitchFamily="50" charset="-128"/>
+              <a:ea typeface="Meiryo UI" pitchFamily="50" charset="-128"/>
+              <a:cs typeface="Meiryo UI" pitchFamily="50" charset="-128"/>
+            </a:endParaRPr>
+          </a:p>
+          <a:p>
+            <a:pPr marL="457200" indent="-457200" algn="l">
+              <a:lnSpc>
+                <a:spcPct val="150000"/>
+              </a:lnSpc>
+              <a:buFont typeface="Wingdings" panose="05000000000000000000" pitchFamily="2" charset="2"/>
+              <a:buChar char="Ø"/>
+            </a:pPr>
+            <a:r>
+              <a:rPr lang="ja-JP" altLang="en-US" sz="1500" dirty="0">
+                <a:latin typeface="Meiryo UI" pitchFamily="50" charset="-128"/>
+                <a:ea typeface="Meiryo UI" pitchFamily="50" charset="-128"/>
+                <a:cs typeface="Meiryo UI" pitchFamily="50" charset="-128"/>
+              </a:rPr>
+              <a:t>４、 複雑バッチ機能の実績紹介</a:t>
+            </a:r>
+            <a:endParaRPr lang="en-US" altLang="ja-JP" sz="1500" dirty="0">
+              <a:latin typeface="Meiryo UI" pitchFamily="50" charset="-128"/>
+              <a:ea typeface="Meiryo UI" pitchFamily="50" charset="-128"/>
+              <a:cs typeface="Meiryo UI" pitchFamily="50" charset="-128"/>
+            </a:endParaRPr>
+          </a:p>
+          <a:p>
+            <a:pPr marL="457200" indent="-457200" algn="l">
+              <a:lnSpc>
+                <a:spcPct val="150000"/>
+              </a:lnSpc>
+              <a:buFont typeface="Wingdings" panose="05000000000000000000" pitchFamily="2" charset="2"/>
+              <a:buChar char="Ø"/>
+            </a:pPr>
+            <a:r>
+              <a:rPr lang="ja-JP" altLang="en-US" sz="1500" dirty="0">
+                <a:latin typeface="Meiryo UI" pitchFamily="50" charset="-128"/>
+                <a:ea typeface="Meiryo UI" pitchFamily="50" charset="-128"/>
+                <a:cs typeface="Meiryo UI" pitchFamily="50" charset="-128"/>
+              </a:rPr>
+              <a:t>５、 </a:t>
+            </a:r>
+            <a:r>
+              <a:rPr lang="en-US" altLang="ja-JP" sz="1500" dirty="0">
+                <a:latin typeface="Meiryo UI" pitchFamily="50" charset="-128"/>
+                <a:ea typeface="Meiryo UI" pitchFamily="50" charset="-128"/>
+                <a:cs typeface="Meiryo UI" pitchFamily="50" charset="-128"/>
+              </a:rPr>
+              <a:t>EFW</a:t>
+            </a:r>
+            <a:r>
+              <a:rPr lang="ja-JP" altLang="en-US" sz="1500" dirty="0">
+                <a:latin typeface="Meiryo UI" pitchFamily="50" charset="-128"/>
+                <a:ea typeface="Meiryo UI" pitchFamily="50" charset="-128"/>
+                <a:cs typeface="Meiryo UI" pitchFamily="50" charset="-128"/>
+              </a:rPr>
+              <a:t>アプリのパッケージ化</a:t>
+            </a:r>
+            <a:endParaRPr lang="en-US" altLang="ja-JP" sz="1500" dirty="0">
+              <a:latin typeface="Meiryo UI" pitchFamily="50" charset="-128"/>
+              <a:ea typeface="Meiryo UI" pitchFamily="50" charset="-128"/>
+              <a:cs typeface="Meiryo UI" pitchFamily="50" charset="-128"/>
+            </a:endParaRPr>
+          </a:p>
+          <a:p>
+            <a:pPr marL="457200" indent="-457200" algn="l">
+              <a:lnSpc>
+                <a:spcPct val="150000"/>
+              </a:lnSpc>
+              <a:buFont typeface="Wingdings" panose="05000000000000000000" pitchFamily="2" charset="2"/>
+              <a:buChar char="Ø"/>
+            </a:pPr>
+            <a:r>
+              <a:rPr lang="ja-JP" altLang="en-US" sz="1500" dirty="0">
+                <a:latin typeface="Meiryo UI" pitchFamily="50" charset="-128"/>
+                <a:ea typeface="Meiryo UI" pitchFamily="50" charset="-128"/>
+                <a:cs typeface="Meiryo UI" pitchFamily="50" charset="-128"/>
+              </a:rPr>
+              <a:t>６、パッケージのカスタマイズ</a:t>
+            </a:r>
+            <a:endParaRPr lang="en-US" altLang="ja-JP" sz="1500" dirty="0">
+              <a:latin typeface="Meiryo UI" pitchFamily="50" charset="-128"/>
+              <a:ea typeface="Meiryo UI" pitchFamily="50" charset="-128"/>
+              <a:cs typeface="Meiryo UI" pitchFamily="50" charset="-128"/>
+            </a:endParaRPr>
+          </a:p>
+        </p:txBody>
+      </p:sp>
+      <p:sp>
+        <p:nvSpPr>
           <p:cNvPr id="7" name="タイトル 1"/>
           <p:cNvSpPr txBox="1">
             <a:spLocks/>
@@ -3815,7 +4738,7 @@
         </p:nvSpPr>
         <p:spPr bwMode="auto">
           <a:xfrm>
-            <a:off x="0" y="4365625"/>
+            <a:off x="0" y="3949245"/>
             <a:ext cx="9144000" cy="1257300"/>
           </a:xfrm>
           <a:prstGeom prst="rect">
@@ -4029,329 +4952,6 @@
               <a:latin typeface="Meiryo UI" panose="020B0604030504040204" pitchFamily="50" charset="-128"/>
               <a:ea typeface="Meiryo UI" panose="020B0604030504040204" pitchFamily="50" charset="-128"/>
               <a:cs typeface="Meiryo UI" panose="020B0604030504040204" pitchFamily="50" charset="-128"/>
-            </a:endParaRPr>
-          </a:p>
-        </p:txBody>
-      </p:sp>
-      <p:sp>
-        <p:nvSpPr>
-          <p:cNvPr id="4" name="タイトル 1">
-            <a:extLst>
-              <a:ext uri="{FF2B5EF4-FFF2-40B4-BE49-F238E27FC236}">
-                <a16:creationId xmlns:a16="http://schemas.microsoft.com/office/drawing/2014/main" id="{431F148E-8120-479E-BE34-50E1215860F3}"/>
-              </a:ext>
-            </a:extLst>
-          </p:cNvPr>
-          <p:cNvSpPr txBox="1">
-            <a:spLocks/>
-          </p:cNvSpPr>
-          <p:nvPr/>
-        </p:nvSpPr>
-        <p:spPr bwMode="auto">
-          <a:xfrm>
-            <a:off x="109058" y="5339442"/>
-            <a:ext cx="3218342" cy="1401111"/>
-          </a:xfrm>
-          <a:prstGeom prst="rect">
-            <a:avLst/>
-          </a:prstGeom>
-          <a:noFill/>
-          <a:ln w="9525">
-            <a:solidFill>
-              <a:srgbClr val="000000"/>
-            </a:solidFill>
-            <a:miter lim="800000"/>
-            <a:headEnd/>
-            <a:tailEnd/>
-          </a:ln>
-          <a:extLst>
-            <a:ext uri="{909E8E84-426E-40DD-AFC4-6F175D3DCCD1}">
-              <a14:hiddenFill xmlns:a14="http://schemas.microsoft.com/office/drawing/2010/main">
-                <a:solidFill>
-                  <a:srgbClr val="FFFFFF"/>
-                </a:solidFill>
-              </a14:hiddenFill>
-            </a:ext>
-          </a:extLst>
-        </p:spPr>
-        <p:txBody>
-          <a:bodyPr vert="horz" wrap="square" lIns="91440" tIns="45720" rIns="91440" bIns="45720" numCol="1" anchor="ctr" anchorCtr="0" compatLnSpc="1">
-            <a:prstTxWarp prst="textNoShape">
-              <a:avLst/>
-            </a:prstTxWarp>
-          </a:bodyPr>
-          <a:lstStyle>
-            <a:lvl1pPr algn="ctr" rtl="0" eaLnBrk="0" fontAlgn="base" hangingPunct="0">
-              <a:spcBef>
-                <a:spcPct val="0"/>
-              </a:spcBef>
-              <a:spcAft>
-                <a:spcPct val="0"/>
-              </a:spcAft>
-              <a:defRPr kumimoji="1" sz="4400" kern="1200">
-                <a:solidFill>
-                  <a:schemeClr val="tx1"/>
-                </a:solidFill>
-                <a:latin typeface="Arial" charset="0"/>
-                <a:ea typeface="+mj-ea"/>
-                <a:cs typeface="+mj-cs"/>
-              </a:defRPr>
-            </a:lvl1pPr>
-            <a:lvl2pPr algn="ctr" rtl="0" eaLnBrk="0" fontAlgn="base" hangingPunct="0">
-              <a:spcBef>
-                <a:spcPct val="0"/>
-              </a:spcBef>
-              <a:spcAft>
-                <a:spcPct val="0"/>
-              </a:spcAft>
-              <a:defRPr kumimoji="1" sz="4400">
-                <a:solidFill>
-                  <a:schemeClr val="tx1"/>
-                </a:solidFill>
-                <a:latin typeface="Arial" charset="0"/>
-                <a:ea typeface="ＭＳ Ｐゴシック" charset="-128"/>
-              </a:defRPr>
-            </a:lvl2pPr>
-            <a:lvl3pPr algn="ctr" rtl="0" eaLnBrk="0" fontAlgn="base" hangingPunct="0">
-              <a:spcBef>
-                <a:spcPct val="0"/>
-              </a:spcBef>
-              <a:spcAft>
-                <a:spcPct val="0"/>
-              </a:spcAft>
-              <a:defRPr kumimoji="1" sz="4400">
-                <a:solidFill>
-                  <a:schemeClr val="tx1"/>
-                </a:solidFill>
-                <a:latin typeface="Arial" charset="0"/>
-                <a:ea typeface="ＭＳ Ｐゴシック" charset="-128"/>
-              </a:defRPr>
-            </a:lvl3pPr>
-            <a:lvl4pPr algn="ctr" rtl="0" eaLnBrk="0" fontAlgn="base" hangingPunct="0">
-              <a:spcBef>
-                <a:spcPct val="0"/>
-              </a:spcBef>
-              <a:spcAft>
-                <a:spcPct val="0"/>
-              </a:spcAft>
-              <a:defRPr kumimoji="1" sz="4400">
-                <a:solidFill>
-                  <a:schemeClr val="tx1"/>
-                </a:solidFill>
-                <a:latin typeface="Arial" charset="0"/>
-                <a:ea typeface="ＭＳ Ｐゴシック" charset="-128"/>
-              </a:defRPr>
-            </a:lvl4pPr>
-            <a:lvl5pPr algn="ctr" rtl="0" eaLnBrk="0" fontAlgn="base" hangingPunct="0">
-              <a:spcBef>
-                <a:spcPct val="0"/>
-              </a:spcBef>
-              <a:spcAft>
-                <a:spcPct val="0"/>
-              </a:spcAft>
-              <a:defRPr kumimoji="1" sz="4400">
-                <a:solidFill>
-                  <a:schemeClr val="tx1"/>
-                </a:solidFill>
-                <a:latin typeface="Arial" charset="0"/>
-                <a:ea typeface="ＭＳ Ｐゴシック" charset="-128"/>
-              </a:defRPr>
-            </a:lvl5pPr>
-            <a:lvl6pPr marL="457200" algn="ctr" rtl="0" fontAlgn="base">
-              <a:spcBef>
-                <a:spcPct val="0"/>
-              </a:spcBef>
-              <a:spcAft>
-                <a:spcPct val="0"/>
-              </a:spcAft>
-              <a:defRPr kumimoji="1" sz="4400">
-                <a:solidFill>
-                  <a:schemeClr val="tx1"/>
-                </a:solidFill>
-                <a:latin typeface="Calibri" pitchFamily="34" charset="0"/>
-                <a:ea typeface="ＭＳ Ｐゴシック" charset="-128"/>
-              </a:defRPr>
-            </a:lvl6pPr>
-            <a:lvl7pPr marL="914400" algn="ctr" rtl="0" fontAlgn="base">
-              <a:spcBef>
-                <a:spcPct val="0"/>
-              </a:spcBef>
-              <a:spcAft>
-                <a:spcPct val="0"/>
-              </a:spcAft>
-              <a:defRPr kumimoji="1" sz="4400">
-                <a:solidFill>
-                  <a:schemeClr val="tx1"/>
-                </a:solidFill>
-                <a:latin typeface="Calibri" pitchFamily="34" charset="0"/>
-                <a:ea typeface="ＭＳ Ｐゴシック" charset="-128"/>
-              </a:defRPr>
-            </a:lvl7pPr>
-            <a:lvl8pPr marL="1371600" algn="ctr" rtl="0" fontAlgn="base">
-              <a:spcBef>
-                <a:spcPct val="0"/>
-              </a:spcBef>
-              <a:spcAft>
-                <a:spcPct val="0"/>
-              </a:spcAft>
-              <a:defRPr kumimoji="1" sz="4400">
-                <a:solidFill>
-                  <a:schemeClr val="tx1"/>
-                </a:solidFill>
-                <a:latin typeface="Calibri" pitchFamily="34" charset="0"/>
-                <a:ea typeface="ＭＳ Ｐゴシック" charset="-128"/>
-              </a:defRPr>
-            </a:lvl8pPr>
-            <a:lvl9pPr marL="1828800" algn="ctr" rtl="0" fontAlgn="base">
-              <a:spcBef>
-                <a:spcPct val="0"/>
-              </a:spcBef>
-              <a:spcAft>
-                <a:spcPct val="0"/>
-              </a:spcAft>
-              <a:defRPr kumimoji="1" sz="4400">
-                <a:solidFill>
-                  <a:schemeClr val="tx1"/>
-                </a:solidFill>
-                <a:latin typeface="Calibri" pitchFamily="34" charset="0"/>
-                <a:ea typeface="ＭＳ Ｐゴシック" charset="-128"/>
-              </a:defRPr>
-            </a:lvl9pPr>
-          </a:lstStyle>
-          <a:p>
-            <a:pPr marL="457200" indent="-457200" algn="l">
-              <a:lnSpc>
-                <a:spcPct val="150000"/>
-              </a:lnSpc>
-              <a:buFont typeface="Wingdings" panose="05000000000000000000" pitchFamily="2" charset="2"/>
-              <a:buChar char="Ø"/>
-            </a:pPr>
-            <a:r>
-              <a:rPr lang="ja-JP" altLang="en-US" sz="1500" dirty="0">
-                <a:latin typeface="Meiryo UI" pitchFamily="50" charset="-128"/>
-                <a:ea typeface="Meiryo UI" pitchFamily="50" charset="-128"/>
-                <a:cs typeface="Meiryo UI" pitchFamily="50" charset="-128"/>
-              </a:rPr>
-              <a:t>１、スクリプト言語の流行</a:t>
-            </a:r>
-            <a:endParaRPr lang="en-US" altLang="ja-JP" sz="1500" dirty="0">
-              <a:latin typeface="Meiryo UI" pitchFamily="50" charset="-128"/>
-              <a:ea typeface="Meiryo UI" pitchFamily="50" charset="-128"/>
-              <a:cs typeface="Meiryo UI" pitchFamily="50" charset="-128"/>
-            </a:endParaRPr>
-          </a:p>
-          <a:p>
-            <a:pPr marL="457200" indent="-457200" algn="l">
-              <a:lnSpc>
-                <a:spcPct val="150000"/>
-              </a:lnSpc>
-              <a:buFont typeface="Wingdings" panose="05000000000000000000" pitchFamily="2" charset="2"/>
-              <a:buChar char="Ø"/>
-            </a:pPr>
-            <a:r>
-              <a:rPr lang="ja-JP" altLang="en-US" sz="1500" dirty="0">
-                <a:latin typeface="Meiryo UI" pitchFamily="50" charset="-128"/>
-                <a:ea typeface="Meiryo UI" pitchFamily="50" charset="-128"/>
-                <a:cs typeface="Meiryo UI" pitchFamily="50" charset="-128"/>
-              </a:rPr>
-              <a:t>２、 </a:t>
-            </a:r>
-            <a:r>
-              <a:rPr lang="en-US" altLang="ja-JP" sz="1500" dirty="0">
-                <a:latin typeface="Meiryo UI" pitchFamily="50" charset="-128"/>
-                <a:ea typeface="Meiryo UI" pitchFamily="50" charset="-128"/>
-                <a:cs typeface="Meiryo UI" pitchFamily="50" charset="-128"/>
-              </a:rPr>
-              <a:t>EFW</a:t>
-            </a:r>
-            <a:r>
-              <a:rPr lang="ja-JP" altLang="en-US" sz="1500" dirty="0">
-                <a:latin typeface="Meiryo UI" pitchFamily="50" charset="-128"/>
-                <a:ea typeface="Meiryo UI" pitchFamily="50" charset="-128"/>
-                <a:cs typeface="Meiryo UI" pitchFamily="50" charset="-128"/>
-              </a:rPr>
-              <a:t>の補足</a:t>
-            </a:r>
-            <a:endParaRPr lang="en-US" altLang="ja-JP" sz="1500" dirty="0">
-              <a:latin typeface="Meiryo UI" pitchFamily="50" charset="-128"/>
-              <a:ea typeface="Meiryo UI" pitchFamily="50" charset="-128"/>
-              <a:cs typeface="Meiryo UI" pitchFamily="50" charset="-128"/>
-            </a:endParaRPr>
-          </a:p>
-          <a:p>
-            <a:pPr marL="457200" indent="-457200" algn="l">
-              <a:lnSpc>
-                <a:spcPct val="150000"/>
-              </a:lnSpc>
-              <a:buFont typeface="Wingdings" panose="05000000000000000000" pitchFamily="2" charset="2"/>
-              <a:buChar char="Ø"/>
-            </a:pPr>
-            <a:r>
-              <a:rPr lang="ja-JP" altLang="en-US" sz="1500" dirty="0">
-                <a:latin typeface="Meiryo UI" pitchFamily="50" charset="-128"/>
-                <a:ea typeface="Meiryo UI" pitchFamily="50" charset="-128"/>
-                <a:cs typeface="Meiryo UI" pitchFamily="50" charset="-128"/>
-              </a:rPr>
-              <a:t>３、</a:t>
-            </a:r>
-            <a:r>
-              <a:rPr lang="en-US" altLang="ja-JP" sz="1500" dirty="0">
-                <a:latin typeface="Meiryo UI" pitchFamily="50" charset="-128"/>
-                <a:ea typeface="Meiryo UI" pitchFamily="50" charset="-128"/>
-                <a:cs typeface="Meiryo UI" pitchFamily="50" charset="-128"/>
-              </a:rPr>
-              <a:t> EFW</a:t>
-            </a:r>
-            <a:r>
-              <a:rPr lang="ja-JP" altLang="en-US" sz="1500" dirty="0">
-                <a:latin typeface="Meiryo UI" pitchFamily="50" charset="-128"/>
-                <a:ea typeface="Meiryo UI" pitchFamily="50" charset="-128"/>
-                <a:cs typeface="Meiryo UI" pitchFamily="50" charset="-128"/>
-              </a:rPr>
-              <a:t>と</a:t>
-            </a:r>
-            <a:r>
-              <a:rPr lang="en-US" altLang="ja-JP" sz="1500" dirty="0">
-                <a:latin typeface="Meiryo UI" pitchFamily="50" charset="-128"/>
-                <a:ea typeface="Meiryo UI" pitchFamily="50" charset="-128"/>
-                <a:cs typeface="Meiryo UI" pitchFamily="50" charset="-128"/>
-              </a:rPr>
-              <a:t>Node.js</a:t>
-            </a:r>
-            <a:r>
-              <a:rPr lang="ja-JP" altLang="en-US" sz="1500" dirty="0">
-                <a:latin typeface="Meiryo UI" pitchFamily="50" charset="-128"/>
-                <a:ea typeface="Meiryo UI" pitchFamily="50" charset="-128"/>
-                <a:cs typeface="Meiryo UI" pitchFamily="50" charset="-128"/>
-              </a:rPr>
-              <a:t>の比較</a:t>
-            </a:r>
-            <a:endParaRPr lang="en-US" altLang="ja-JP" sz="1500" dirty="0">
-              <a:latin typeface="Meiryo UI" pitchFamily="50" charset="-128"/>
-              <a:ea typeface="Meiryo UI" pitchFamily="50" charset="-128"/>
-              <a:cs typeface="Meiryo UI" pitchFamily="50" charset="-128"/>
-            </a:endParaRPr>
-          </a:p>
-          <a:p>
-            <a:pPr marL="457200" indent="-457200" algn="l">
-              <a:lnSpc>
-                <a:spcPct val="150000"/>
-              </a:lnSpc>
-              <a:buFont typeface="Wingdings" panose="05000000000000000000" pitchFamily="2" charset="2"/>
-              <a:buChar char="Ø"/>
-            </a:pPr>
-            <a:r>
-              <a:rPr lang="ja-JP" altLang="en-US" sz="1500" dirty="0">
-                <a:latin typeface="Meiryo UI" pitchFamily="50" charset="-128"/>
-                <a:ea typeface="Meiryo UI" pitchFamily="50" charset="-128"/>
-                <a:cs typeface="Meiryo UI" pitchFamily="50" charset="-128"/>
-              </a:rPr>
-              <a:t>４、 複雑バッチ機能の実績紹介</a:t>
-            </a:r>
-            <a:endParaRPr lang="en-US" altLang="ja-JP" sz="1500" dirty="0">
-              <a:latin typeface="Meiryo UI" pitchFamily="50" charset="-128"/>
-              <a:ea typeface="Meiryo UI" pitchFamily="50" charset="-128"/>
-              <a:cs typeface="Meiryo UI" pitchFamily="50" charset="-128"/>
             </a:endParaRPr>
           </a:p>
         </p:txBody>
@@ -9503,6 +10103,3434 @@
 </p:sld>
 </file>
 
+<file path=ppt/slides/slide6.xml><?xml version="1.0" encoding="utf-8"?>
+<p:sld xmlns:a="http://schemas.openxmlformats.org/drawingml/2006/main" xmlns:r="http://schemas.openxmlformats.org/officeDocument/2006/relationships" xmlns:p="http://schemas.openxmlformats.org/presentationml/2006/main">
+  <p:cSld>
+    <p:spTree>
+      <p:nvGrpSpPr>
+        <p:cNvPr id="1" name=""/>
+        <p:cNvGrpSpPr/>
+        <p:nvPr/>
+      </p:nvGrpSpPr>
+      <p:grpSpPr>
+        <a:xfrm>
+          <a:off x="0" y="0"/>
+          <a:ext cx="0" cy="0"/>
+          <a:chOff x="0" y="0"/>
+          <a:chExt cx="0" cy="0"/>
+        </a:xfrm>
+      </p:grpSpPr>
+      <p:sp>
+        <p:nvSpPr>
+          <p:cNvPr id="4098" name="タイトル 1"/>
+          <p:cNvSpPr>
+            <a:spLocks noGrp="1"/>
+          </p:cNvSpPr>
+          <p:nvPr>
+            <p:ph type="title" idx="4294967295"/>
+          </p:nvPr>
+        </p:nvSpPr>
+        <p:spPr>
+          <a:xfrm>
+            <a:off x="276894" y="273922"/>
+            <a:ext cx="8229600" cy="561975"/>
+          </a:xfrm>
+          <a:noFill/>
+          <a:ln>
+            <a:noFill/>
+          </a:ln>
+          <a:extLst>
+            <a:ext uri="{909E8E84-426E-40DD-AFC4-6F175D3DCCD1}">
+              <a14:hiddenFill xmlns:a14="http://schemas.microsoft.com/office/drawing/2010/main">
+                <a:solidFill>
+                  <a:srgbClr val="FFFFFF"/>
+                </a:solidFill>
+              </a14:hiddenFill>
+            </a:ext>
+            <a:ext uri="{91240B29-F687-4F45-9708-019B960494DF}">
+              <a14:hiddenLine xmlns:a14="http://schemas.microsoft.com/office/drawing/2010/main" w="9525">
+                <a:solidFill>
+                  <a:srgbClr val="000000"/>
+                </a:solidFill>
+                <a:miter lim="800000"/>
+                <a:headEnd/>
+                <a:tailEnd/>
+              </a14:hiddenLine>
+            </a:ext>
+          </a:extLst>
+        </p:spPr>
+        <p:txBody>
+          <a:bodyPr vert="horz" wrap="square" lIns="91440" tIns="45720" rIns="91440" bIns="45720" numCol="1" anchor="ctr" anchorCtr="0" compatLnSpc="1">
+            <a:prstTxWarp prst="textNoShape">
+              <a:avLst/>
+            </a:prstTxWarp>
+          </a:bodyPr>
+          <a:lstStyle/>
+          <a:p>
+            <a:pPr algn="l" eaLnBrk="1" latinLnBrk="1" hangingPunct="1">
+              <a:lnSpc>
+                <a:spcPct val="110000"/>
+              </a:lnSpc>
+              <a:spcBef>
+                <a:spcPct val="25000"/>
+              </a:spcBef>
+            </a:pPr>
+            <a:r>
+              <a:rPr lang="ja-JP" altLang="en-US" sz="2800" dirty="0">
+                <a:solidFill>
+                  <a:schemeClr val="tx2"/>
+                </a:solidFill>
+                <a:latin typeface="Meiryo UI" pitchFamily="50" charset="-128"/>
+                <a:ea typeface="Meiryo UI" pitchFamily="50" charset="-128"/>
+                <a:cs typeface="Meiryo UI" pitchFamily="50" charset="-128"/>
+              </a:rPr>
+              <a:t>５．</a:t>
+            </a:r>
+            <a:r>
+              <a:rPr lang="en-US" altLang="ja-JP" sz="2800" dirty="0">
+                <a:solidFill>
+                  <a:schemeClr val="tx2"/>
+                </a:solidFill>
+                <a:latin typeface="Meiryo UI" pitchFamily="50" charset="-128"/>
+                <a:ea typeface="Meiryo UI" pitchFamily="50" charset="-128"/>
+                <a:cs typeface="Meiryo UI" pitchFamily="50" charset="-128"/>
+              </a:rPr>
+              <a:t>EFW</a:t>
+            </a:r>
+            <a:r>
+              <a:rPr lang="ja-JP" altLang="en-US" sz="2800" dirty="0">
+                <a:solidFill>
+                  <a:schemeClr val="tx2"/>
+                </a:solidFill>
+                <a:latin typeface="Meiryo UI" pitchFamily="50" charset="-128"/>
+                <a:ea typeface="Meiryo UI" pitchFamily="50" charset="-128"/>
+                <a:cs typeface="Meiryo UI" pitchFamily="50" charset="-128"/>
+              </a:rPr>
+              <a:t>アプリのパッケージ化</a:t>
+            </a:r>
+            <a:endParaRPr lang="ja-JP" altLang="en-US" sz="1600" dirty="0">
+              <a:solidFill>
+                <a:schemeClr val="tx2"/>
+              </a:solidFill>
+              <a:latin typeface="Meiryo UI" pitchFamily="50" charset="-128"/>
+              <a:ea typeface="Meiryo UI" pitchFamily="50" charset="-128"/>
+              <a:cs typeface="Meiryo UI" pitchFamily="50" charset="-128"/>
+            </a:endParaRPr>
+          </a:p>
+        </p:txBody>
+      </p:sp>
+      <p:sp>
+        <p:nvSpPr>
+          <p:cNvPr id="4099" name="スライド番号プレースホルダー 3"/>
+          <p:cNvSpPr txBox="1">
+            <a:spLocks/>
+          </p:cNvSpPr>
+          <p:nvPr/>
+        </p:nvSpPr>
+        <p:spPr bwMode="auto">
+          <a:xfrm>
+            <a:off x="6948488" y="6492875"/>
+            <a:ext cx="2133600" cy="365125"/>
+          </a:xfrm>
+          <a:prstGeom prst="rect">
+            <a:avLst/>
+          </a:prstGeom>
+          <a:noFill/>
+          <a:ln>
+            <a:noFill/>
+          </a:ln>
+          <a:extLst>
+            <a:ext uri="{909E8E84-426E-40DD-AFC4-6F175D3DCCD1}">
+              <a14:hiddenFill xmlns:a14="http://schemas.microsoft.com/office/drawing/2010/main">
+                <a:solidFill>
+                  <a:srgbClr val="FFFFFF"/>
+                </a:solidFill>
+              </a14:hiddenFill>
+            </a:ext>
+            <a:ext uri="{91240B29-F687-4F45-9708-019B960494DF}">
+              <a14:hiddenLine xmlns:a14="http://schemas.microsoft.com/office/drawing/2010/main" w="9525">
+                <a:solidFill>
+                  <a:srgbClr val="000000"/>
+                </a:solidFill>
+                <a:miter lim="800000"/>
+                <a:headEnd/>
+                <a:tailEnd/>
+              </a14:hiddenLine>
+            </a:ext>
+          </a:extLst>
+        </p:spPr>
+        <p:txBody>
+          <a:bodyPr anchor="ctr"/>
+          <a:lstStyle>
+            <a:lvl1pPr>
+              <a:spcBef>
+                <a:spcPct val="20000"/>
+              </a:spcBef>
+              <a:buFont typeface="Arial" charset="0"/>
+              <a:buChar char="•"/>
+              <a:defRPr kumimoji="1" sz="3200">
+                <a:solidFill>
+                  <a:schemeClr val="tx1"/>
+                </a:solidFill>
+                <a:latin typeface="Arial" charset="0"/>
+              </a:defRPr>
+            </a:lvl1pPr>
+            <a:lvl2pPr marL="742950" indent="-285750">
+              <a:spcBef>
+                <a:spcPct val="20000"/>
+              </a:spcBef>
+              <a:buFont typeface="Arial" charset="0"/>
+              <a:buChar char="–"/>
+              <a:defRPr kumimoji="1" sz="2800">
+                <a:solidFill>
+                  <a:schemeClr val="tx1"/>
+                </a:solidFill>
+                <a:latin typeface="Arial" charset="0"/>
+              </a:defRPr>
+            </a:lvl2pPr>
+            <a:lvl3pPr marL="1143000" indent="-228600">
+              <a:spcBef>
+                <a:spcPct val="20000"/>
+              </a:spcBef>
+              <a:buFont typeface="Arial" charset="0"/>
+              <a:buChar char="•"/>
+              <a:defRPr kumimoji="1" sz="2400">
+                <a:solidFill>
+                  <a:schemeClr val="tx1"/>
+                </a:solidFill>
+                <a:latin typeface="Arial" charset="0"/>
+              </a:defRPr>
+            </a:lvl3pPr>
+            <a:lvl4pPr marL="1600200" indent="-228600">
+              <a:spcBef>
+                <a:spcPct val="20000"/>
+              </a:spcBef>
+              <a:buFont typeface="Arial" charset="0"/>
+              <a:buChar char="–"/>
+              <a:defRPr kumimoji="1" sz="2000">
+                <a:solidFill>
+                  <a:schemeClr val="tx1"/>
+                </a:solidFill>
+                <a:latin typeface="Arial" charset="0"/>
+              </a:defRPr>
+            </a:lvl4pPr>
+            <a:lvl5pPr marL="2057400" indent="-228600">
+              <a:spcBef>
+                <a:spcPct val="20000"/>
+              </a:spcBef>
+              <a:buFont typeface="Arial" charset="0"/>
+              <a:buChar char="»"/>
+              <a:defRPr kumimoji="1" sz="2000">
+                <a:solidFill>
+                  <a:schemeClr val="tx1"/>
+                </a:solidFill>
+                <a:latin typeface="Arial" charset="0"/>
+              </a:defRPr>
+            </a:lvl5pPr>
+            <a:lvl6pPr marL="2514600" indent="-228600" eaLnBrk="0" fontAlgn="base" hangingPunct="0">
+              <a:spcBef>
+                <a:spcPct val="20000"/>
+              </a:spcBef>
+              <a:spcAft>
+                <a:spcPct val="0"/>
+              </a:spcAft>
+              <a:buFont typeface="Arial" charset="0"/>
+              <a:buChar char="»"/>
+              <a:defRPr kumimoji="1" sz="2000">
+                <a:solidFill>
+                  <a:schemeClr val="tx1"/>
+                </a:solidFill>
+                <a:latin typeface="Arial" charset="0"/>
+              </a:defRPr>
+            </a:lvl6pPr>
+            <a:lvl7pPr marL="2971800" indent="-228600" eaLnBrk="0" fontAlgn="base" hangingPunct="0">
+              <a:spcBef>
+                <a:spcPct val="20000"/>
+              </a:spcBef>
+              <a:spcAft>
+                <a:spcPct val="0"/>
+              </a:spcAft>
+              <a:buFont typeface="Arial" charset="0"/>
+              <a:buChar char="»"/>
+              <a:defRPr kumimoji="1" sz="2000">
+                <a:solidFill>
+                  <a:schemeClr val="tx1"/>
+                </a:solidFill>
+                <a:latin typeface="Arial" charset="0"/>
+              </a:defRPr>
+            </a:lvl7pPr>
+            <a:lvl8pPr marL="3429000" indent="-228600" eaLnBrk="0" fontAlgn="base" hangingPunct="0">
+              <a:spcBef>
+                <a:spcPct val="20000"/>
+              </a:spcBef>
+              <a:spcAft>
+                <a:spcPct val="0"/>
+              </a:spcAft>
+              <a:buFont typeface="Arial" charset="0"/>
+              <a:buChar char="»"/>
+              <a:defRPr kumimoji="1" sz="2000">
+                <a:solidFill>
+                  <a:schemeClr val="tx1"/>
+                </a:solidFill>
+                <a:latin typeface="Arial" charset="0"/>
+              </a:defRPr>
+            </a:lvl8pPr>
+            <a:lvl9pPr marL="3886200" indent="-228600" eaLnBrk="0" fontAlgn="base" hangingPunct="0">
+              <a:spcBef>
+                <a:spcPct val="20000"/>
+              </a:spcBef>
+              <a:spcAft>
+                <a:spcPct val="0"/>
+              </a:spcAft>
+              <a:buFont typeface="Arial" charset="0"/>
+              <a:buChar char="»"/>
+              <a:defRPr kumimoji="1" sz="2000">
+                <a:solidFill>
+                  <a:schemeClr val="tx1"/>
+                </a:solidFill>
+                <a:latin typeface="Arial" charset="0"/>
+              </a:defRPr>
+            </a:lvl9pPr>
+          </a:lstStyle>
+          <a:p>
+            <a:pPr algn="r" eaLnBrk="1" hangingPunct="1">
+              <a:spcBef>
+                <a:spcPct val="0"/>
+              </a:spcBef>
+              <a:buFontTx/>
+              <a:buNone/>
+            </a:pPr>
+            <a:fld id="{E58FAC8A-E6DC-4B55-B38E-E698B51BB229}" type="slidenum">
+              <a:rPr lang="ja-JP" altLang="en-US" sz="1200">
+                <a:solidFill>
+                  <a:srgbClr val="898989"/>
+                </a:solidFill>
+                <a:latin typeface="Meiryo UI" pitchFamily="50" charset="-128"/>
+                <a:ea typeface="Meiryo UI" pitchFamily="50" charset="-128"/>
+                <a:cs typeface="Meiryo UI" pitchFamily="50" charset="-128"/>
+              </a:rPr>
+              <a:pPr algn="r" eaLnBrk="1" hangingPunct="1">
+                <a:spcBef>
+                  <a:spcPct val="0"/>
+                </a:spcBef>
+                <a:buFontTx/>
+                <a:buNone/>
+              </a:pPr>
+              <a:t>5</a:t>
+            </a:fld>
+            <a:endParaRPr lang="en-US" altLang="ja-JP" sz="1200">
+              <a:solidFill>
+                <a:srgbClr val="898989"/>
+              </a:solidFill>
+              <a:latin typeface="Meiryo UI" pitchFamily="50" charset="-128"/>
+              <a:ea typeface="Meiryo UI" pitchFamily="50" charset="-128"/>
+              <a:cs typeface="Meiryo UI" pitchFamily="50" charset="-128"/>
+            </a:endParaRPr>
+          </a:p>
+        </p:txBody>
+      </p:sp>
+      <p:sp>
+        <p:nvSpPr>
+          <p:cNvPr id="3" name="AutoShape 6" descr="「我反正信了。」の画像検索結果"/>
+          <p:cNvSpPr>
+            <a:spLocks noChangeAspect="1" noChangeArrowheads="1"/>
+          </p:cNvSpPr>
+          <p:nvPr/>
+        </p:nvSpPr>
+        <p:spPr bwMode="auto">
+          <a:xfrm>
+            <a:off x="155575" y="-144463"/>
+            <a:ext cx="304800" cy="304801"/>
+          </a:xfrm>
+          <a:prstGeom prst="rect">
+            <a:avLst/>
+          </a:prstGeom>
+          <a:noFill/>
+          <a:extLst>
+            <a:ext uri="{909E8E84-426E-40DD-AFC4-6F175D3DCCD1}">
+              <a14:hiddenFill xmlns:a14="http://schemas.microsoft.com/office/drawing/2010/main">
+                <a:solidFill>
+                  <a:srgbClr val="FFFFFF"/>
+                </a:solidFill>
+              </a14:hiddenFill>
+            </a:ext>
+          </a:extLst>
+        </p:spPr>
+        <p:txBody>
+          <a:bodyPr vert="horz" wrap="square" lIns="91440" tIns="45720" rIns="91440" bIns="45720" numCol="1" anchor="t" anchorCtr="0" compatLnSpc="1">
+            <a:prstTxWarp prst="textNoShape">
+              <a:avLst/>
+            </a:prstTxWarp>
+          </a:bodyPr>
+          <a:lstStyle/>
+          <a:p>
+            <a:endParaRPr lang="ja-JP" altLang="en-US"/>
+          </a:p>
+        </p:txBody>
+      </p:sp>
+      <p:sp>
+        <p:nvSpPr>
+          <p:cNvPr id="2" name="テキスト ボックス 1">
+            <a:extLst>
+              <a:ext uri="{FF2B5EF4-FFF2-40B4-BE49-F238E27FC236}">
+                <a16:creationId xmlns:a16="http://schemas.microsoft.com/office/drawing/2014/main" id="{F3BBDA3D-26F4-4E20-BF3A-40B3A36AC675}"/>
+              </a:ext>
+            </a:extLst>
+          </p:cNvPr>
+          <p:cNvSpPr txBox="1"/>
+          <p:nvPr/>
+        </p:nvSpPr>
+        <p:spPr>
+          <a:xfrm>
+            <a:off x="219744" y="985366"/>
+            <a:ext cx="8573192" cy="523220"/>
+          </a:xfrm>
+          <a:prstGeom prst="rect">
+            <a:avLst/>
+          </a:prstGeom>
+          <a:noFill/>
+        </p:spPr>
+        <p:txBody>
+          <a:bodyPr wrap="square" rtlCol="0">
+            <a:spAutoFit/>
+          </a:bodyPr>
+          <a:lstStyle/>
+          <a:p>
+            <a:r>
+              <a:rPr lang="en-US" altLang="ja-JP" sz="1400" dirty="0">
+                <a:latin typeface="Meiryo UI" panose="020B0604030504040204" pitchFamily="50" charset="-128"/>
+                <a:ea typeface="Meiryo UI" panose="020B0604030504040204" pitchFamily="50" charset="-128"/>
+              </a:rPr>
+              <a:t>EFW</a:t>
+            </a:r>
+            <a:r>
+              <a:rPr lang="ja-JP" altLang="en-US" sz="1400" dirty="0">
+                <a:latin typeface="Meiryo UI" panose="020B0604030504040204" pitchFamily="50" charset="-128"/>
+                <a:ea typeface="Meiryo UI" panose="020B0604030504040204" pitchFamily="50" charset="-128"/>
+              </a:rPr>
+              <a:t>の主要ソースは、画面</a:t>
+            </a:r>
+            <a:r>
+              <a:rPr lang="en-US" altLang="ja-JP" sz="1400" dirty="0">
+                <a:latin typeface="Meiryo UI" panose="020B0604030504040204" pitchFamily="50" charset="-128"/>
+                <a:ea typeface="Meiryo UI" panose="020B0604030504040204" pitchFamily="50" charset="-128"/>
+              </a:rPr>
+              <a:t>JSP</a:t>
+            </a:r>
+            <a:r>
+              <a:rPr lang="ja-JP" altLang="en-US" sz="1400" dirty="0" err="1">
+                <a:latin typeface="Meiryo UI" panose="020B0604030504040204" pitchFamily="50" charset="-128"/>
+                <a:ea typeface="Meiryo UI" panose="020B0604030504040204" pitchFamily="50" charset="-128"/>
+              </a:rPr>
+              <a:t>、</a:t>
+            </a:r>
+            <a:r>
+              <a:rPr lang="ja-JP" altLang="en-US" sz="1400" dirty="0">
+                <a:latin typeface="Meiryo UI" panose="020B0604030504040204" pitchFamily="50" charset="-128"/>
+                <a:ea typeface="Meiryo UI" panose="020B0604030504040204" pitchFamily="50" charset="-128"/>
+              </a:rPr>
+              <a:t>イベント</a:t>
+            </a:r>
+            <a:r>
+              <a:rPr lang="en-US" altLang="ja-JP" sz="1400" dirty="0">
+                <a:latin typeface="Meiryo UI" panose="020B0604030504040204" pitchFamily="50" charset="-128"/>
+                <a:ea typeface="Meiryo UI" panose="020B0604030504040204" pitchFamily="50" charset="-128"/>
+              </a:rPr>
+              <a:t>JS</a:t>
+            </a:r>
+            <a:r>
+              <a:rPr lang="ja-JP" altLang="en-US" sz="1400" dirty="0" err="1">
+                <a:latin typeface="Meiryo UI" panose="020B0604030504040204" pitchFamily="50" charset="-128"/>
+                <a:ea typeface="Meiryo UI" panose="020B0604030504040204" pitchFamily="50" charset="-128"/>
+              </a:rPr>
+              <a:t>、</a:t>
+            </a:r>
+            <a:r>
+              <a:rPr lang="ja-JP" altLang="en-US" sz="1400" dirty="0">
+                <a:latin typeface="Meiryo UI" panose="020B0604030504040204" pitchFamily="50" charset="-128"/>
+                <a:ea typeface="Meiryo UI" panose="020B0604030504040204" pitchFamily="50" charset="-128"/>
+              </a:rPr>
+              <a:t>および外部</a:t>
+            </a:r>
+            <a:r>
+              <a:rPr lang="en-US" altLang="ja-JP" sz="1400" dirty="0">
+                <a:latin typeface="Meiryo UI" panose="020B0604030504040204" pitchFamily="50" charset="-128"/>
+                <a:ea typeface="Meiryo UI" panose="020B0604030504040204" pitchFamily="50" charset="-128"/>
+              </a:rPr>
+              <a:t>SQL</a:t>
+            </a:r>
+            <a:r>
+              <a:rPr lang="ja-JP" altLang="en-US" sz="1400" dirty="0">
+                <a:latin typeface="Meiryo UI" panose="020B0604030504040204" pitchFamily="50" charset="-128"/>
+                <a:ea typeface="Meiryo UI" panose="020B0604030504040204" pitchFamily="50" charset="-128"/>
+              </a:rPr>
+              <a:t>の</a:t>
+            </a:r>
+            <a:r>
+              <a:rPr lang="en-US" altLang="ja-JP" sz="1400" dirty="0">
+                <a:latin typeface="Meiryo UI" panose="020B0604030504040204" pitchFamily="50" charset="-128"/>
+                <a:ea typeface="Meiryo UI" panose="020B0604030504040204" pitchFamily="50" charset="-128"/>
+              </a:rPr>
+              <a:t>XML</a:t>
+            </a:r>
+            <a:r>
+              <a:rPr lang="ja-JP" altLang="en-US" sz="1400" dirty="0">
+                <a:latin typeface="Meiryo UI" panose="020B0604030504040204" pitchFamily="50" charset="-128"/>
+                <a:ea typeface="Meiryo UI" panose="020B0604030504040204" pitchFamily="50" charset="-128"/>
+              </a:rPr>
+              <a:t>ファイルです。リリースは</a:t>
+            </a:r>
+            <a:r>
+              <a:rPr lang="en-US" altLang="ja-JP" sz="1400" dirty="0">
+                <a:latin typeface="Meiryo UI" panose="020B0604030504040204" pitchFamily="50" charset="-128"/>
+                <a:ea typeface="Meiryo UI" panose="020B0604030504040204" pitchFamily="50" charset="-128"/>
+              </a:rPr>
+              <a:t>Tomcat</a:t>
+            </a:r>
+            <a:r>
+              <a:rPr lang="ja-JP" altLang="en-US" sz="1400" dirty="0">
+                <a:latin typeface="Meiryo UI" panose="020B0604030504040204" pitchFamily="50" charset="-128"/>
+                <a:ea typeface="Meiryo UI" panose="020B0604030504040204" pitchFamily="50" charset="-128"/>
+              </a:rPr>
+              <a:t>のアプリケーションフォルダ一式で行えますが、デプロイの利便性を考慮し、パッケージ化（</a:t>
+            </a:r>
+            <a:r>
+              <a:rPr lang="en-US" altLang="ja-JP" sz="1400" dirty="0">
+                <a:latin typeface="Meiryo UI" panose="020B0604030504040204" pitchFamily="50" charset="-128"/>
+                <a:ea typeface="Meiryo UI" panose="020B0604030504040204" pitchFamily="50" charset="-128"/>
+              </a:rPr>
+              <a:t>WAR</a:t>
+            </a:r>
+            <a:r>
+              <a:rPr lang="ja-JP" altLang="en-US" sz="1400" dirty="0">
+                <a:latin typeface="Meiryo UI" panose="020B0604030504040204" pitchFamily="50" charset="-128"/>
+                <a:ea typeface="Meiryo UI" panose="020B0604030504040204" pitchFamily="50" charset="-128"/>
+              </a:rPr>
+              <a:t>ファイル化など）を検討することも可能です。</a:t>
+            </a:r>
+            <a:endParaRPr lang="en-US" altLang="ja-JP" sz="1400" dirty="0">
+              <a:latin typeface="Meiryo UI" panose="020B0604030504040204" pitchFamily="50" charset="-128"/>
+              <a:ea typeface="Meiryo UI" panose="020B0604030504040204" pitchFamily="50" charset="-128"/>
+            </a:endParaRPr>
+          </a:p>
+        </p:txBody>
+      </p:sp>
+      <p:sp>
+        <p:nvSpPr>
+          <p:cNvPr id="4" name="正方形/長方形 3">
+            <a:extLst>
+              <a:ext uri="{FF2B5EF4-FFF2-40B4-BE49-F238E27FC236}">
+                <a16:creationId xmlns:a16="http://schemas.microsoft.com/office/drawing/2014/main" id="{3E2EB332-13D3-4122-881A-F540E1ED72D1}"/>
+              </a:ext>
+            </a:extLst>
+          </p:cNvPr>
+          <p:cNvSpPr/>
+          <p:nvPr/>
+        </p:nvSpPr>
+        <p:spPr>
+          <a:xfrm>
+            <a:off x="57604" y="1658050"/>
+            <a:ext cx="3257096" cy="5028500"/>
+          </a:xfrm>
+          <a:prstGeom prst="rect">
+            <a:avLst/>
+          </a:prstGeom>
+          <a:ln/>
+        </p:spPr>
+        <p:style>
+          <a:lnRef idx="3">
+            <a:schemeClr val="lt1"/>
+          </a:lnRef>
+          <a:fillRef idx="1">
+            <a:schemeClr val="accent5"/>
+          </a:fillRef>
+          <a:effectRef idx="1">
+            <a:schemeClr val="accent5"/>
+          </a:effectRef>
+          <a:fontRef idx="minor">
+            <a:schemeClr val="lt1"/>
+          </a:fontRef>
+        </p:style>
+        <p:txBody>
+          <a:bodyPr rtlCol="0" anchor="t" anchorCtr="0"/>
+          <a:lstStyle/>
+          <a:p>
+            <a:r>
+              <a:rPr lang="en-US" altLang="ja-JP" sz="1400" dirty="0" err="1">
+                <a:solidFill>
+                  <a:schemeClr val="bg1"/>
+                </a:solidFill>
+                <a:latin typeface="Meiryo UI" panose="020B0604030504040204" pitchFamily="50" charset="-128"/>
+                <a:ea typeface="Meiryo UI" panose="020B0604030504040204" pitchFamily="50" charset="-128"/>
+                <a:cs typeface="Meiryo UI" panose="020B0604030504040204" pitchFamily="50" charset="-128"/>
+              </a:rPr>
+              <a:t>myApp</a:t>
+            </a:r>
+            <a:endParaRPr lang="en-US" altLang="ja-JP" sz="1400" dirty="0">
+              <a:solidFill>
+                <a:schemeClr val="bg1"/>
+              </a:solidFill>
+              <a:latin typeface="Meiryo UI" panose="020B0604030504040204" pitchFamily="50" charset="-128"/>
+              <a:ea typeface="Meiryo UI" panose="020B0604030504040204" pitchFamily="50" charset="-128"/>
+              <a:cs typeface="Meiryo UI" panose="020B0604030504040204" pitchFamily="50" charset="-128"/>
+            </a:endParaRPr>
+          </a:p>
+          <a:p>
+            <a:r>
+              <a:rPr lang="en-US" altLang="ja-JP" sz="1400" dirty="0">
+                <a:solidFill>
+                  <a:schemeClr val="bg1"/>
+                </a:solidFill>
+                <a:latin typeface="Meiryo UI" panose="020B0604030504040204" pitchFamily="50" charset="-128"/>
+                <a:ea typeface="Meiryo UI" panose="020B0604030504040204" pitchFamily="50" charset="-128"/>
+                <a:cs typeface="Meiryo UI" panose="020B0604030504040204" pitchFamily="50" charset="-128"/>
+              </a:rPr>
+              <a:t>│  </a:t>
+            </a:r>
+            <a:r>
+              <a:rPr lang="en-US" altLang="ja-JP" sz="1400" dirty="0" err="1">
+                <a:solidFill>
+                  <a:schemeClr val="bg1"/>
+                </a:solidFill>
+                <a:latin typeface="Meiryo UI" panose="020B0604030504040204" pitchFamily="50" charset="-128"/>
+                <a:ea typeface="Meiryo UI" panose="020B0604030504040204" pitchFamily="50" charset="-128"/>
+                <a:cs typeface="Meiryo UI" panose="020B0604030504040204" pitchFamily="50" charset="-128"/>
+              </a:rPr>
+              <a:t>InputTest.jsp</a:t>
+            </a:r>
+            <a:endParaRPr lang="en-US" altLang="ja-JP" sz="1400" dirty="0">
+              <a:solidFill>
+                <a:schemeClr val="bg1"/>
+              </a:solidFill>
+              <a:latin typeface="Meiryo UI" panose="020B0604030504040204" pitchFamily="50" charset="-128"/>
+              <a:ea typeface="Meiryo UI" panose="020B0604030504040204" pitchFamily="50" charset="-128"/>
+              <a:cs typeface="Meiryo UI" panose="020B0604030504040204" pitchFamily="50" charset="-128"/>
+            </a:endParaRPr>
+          </a:p>
+          <a:p>
+            <a:r>
+              <a:rPr lang="en-US" altLang="ja-JP" sz="1400" dirty="0">
+                <a:solidFill>
+                  <a:schemeClr val="bg1"/>
+                </a:solidFill>
+                <a:latin typeface="Meiryo UI" panose="020B0604030504040204" pitchFamily="50" charset="-128"/>
+                <a:ea typeface="Meiryo UI" panose="020B0604030504040204" pitchFamily="50" charset="-128"/>
+                <a:cs typeface="Meiryo UI" panose="020B0604030504040204" pitchFamily="50" charset="-128"/>
+              </a:rPr>
+              <a:t>├─META-INF</a:t>
+            </a:r>
+          </a:p>
+          <a:p>
+            <a:r>
+              <a:rPr lang="en-US" altLang="ja-JP" sz="1400" dirty="0">
+                <a:solidFill>
+                  <a:schemeClr val="bg1"/>
+                </a:solidFill>
+                <a:latin typeface="Meiryo UI" panose="020B0604030504040204" pitchFamily="50" charset="-128"/>
+                <a:ea typeface="Meiryo UI" panose="020B0604030504040204" pitchFamily="50" charset="-128"/>
+                <a:cs typeface="Meiryo UI" panose="020B0604030504040204" pitchFamily="50" charset="-128"/>
+              </a:rPr>
+              <a:t>│      context.xml</a:t>
+            </a:r>
+          </a:p>
+          <a:p>
+            <a:r>
+              <a:rPr lang="en-US" altLang="ja-JP" sz="1400" dirty="0">
+                <a:solidFill>
+                  <a:schemeClr val="bg1"/>
+                </a:solidFill>
+                <a:latin typeface="Meiryo UI" panose="020B0604030504040204" pitchFamily="50" charset="-128"/>
+                <a:ea typeface="Meiryo UI" panose="020B0604030504040204" pitchFamily="50" charset="-128"/>
+                <a:cs typeface="Meiryo UI" panose="020B0604030504040204" pitchFamily="50" charset="-128"/>
+              </a:rPr>
+              <a:t>└─WEB-INF</a:t>
+            </a:r>
+          </a:p>
+          <a:p>
+            <a:r>
+              <a:rPr lang="en-US" altLang="ja-JP" sz="1400" dirty="0">
+                <a:solidFill>
+                  <a:schemeClr val="bg1"/>
+                </a:solidFill>
+                <a:latin typeface="Meiryo UI" panose="020B0604030504040204" pitchFamily="50" charset="-128"/>
+                <a:ea typeface="Meiryo UI" panose="020B0604030504040204" pitchFamily="50" charset="-128"/>
+                <a:cs typeface="Meiryo UI" panose="020B0604030504040204" pitchFamily="50" charset="-128"/>
+              </a:rPr>
+              <a:t>    ├─classes</a:t>
+            </a:r>
+          </a:p>
+          <a:p>
+            <a:r>
+              <a:rPr lang="en-US" altLang="ja-JP" sz="1400" dirty="0">
+                <a:solidFill>
+                  <a:schemeClr val="bg1"/>
+                </a:solidFill>
+                <a:latin typeface="Meiryo UI" panose="020B0604030504040204" pitchFamily="50" charset="-128"/>
+                <a:ea typeface="Meiryo UI" panose="020B0604030504040204" pitchFamily="50" charset="-128"/>
+                <a:cs typeface="Meiryo UI" panose="020B0604030504040204" pitchFamily="50" charset="-128"/>
+              </a:rPr>
+              <a:t>    │      </a:t>
+            </a:r>
+            <a:r>
+              <a:rPr lang="en-US" altLang="ja-JP" sz="1400" dirty="0" err="1">
+                <a:solidFill>
+                  <a:schemeClr val="bg1"/>
+                </a:solidFill>
+                <a:latin typeface="Meiryo UI" panose="020B0604030504040204" pitchFamily="50" charset="-128"/>
+                <a:ea typeface="Meiryo UI" panose="020B0604030504040204" pitchFamily="50" charset="-128"/>
+                <a:cs typeface="Meiryo UI" panose="020B0604030504040204" pitchFamily="50" charset="-128"/>
+              </a:rPr>
+              <a:t>batch.properties</a:t>
+            </a:r>
+            <a:endParaRPr lang="en-US" altLang="ja-JP" sz="1400" dirty="0">
+              <a:solidFill>
+                <a:schemeClr val="bg1"/>
+              </a:solidFill>
+              <a:latin typeface="Meiryo UI" panose="020B0604030504040204" pitchFamily="50" charset="-128"/>
+              <a:ea typeface="Meiryo UI" panose="020B0604030504040204" pitchFamily="50" charset="-128"/>
+              <a:cs typeface="Meiryo UI" panose="020B0604030504040204" pitchFamily="50" charset="-128"/>
+            </a:endParaRPr>
+          </a:p>
+          <a:p>
+            <a:r>
+              <a:rPr lang="en-US" altLang="ja-JP" sz="1400" dirty="0">
+                <a:solidFill>
+                  <a:schemeClr val="bg1"/>
+                </a:solidFill>
+                <a:latin typeface="Meiryo UI" panose="020B0604030504040204" pitchFamily="50" charset="-128"/>
+                <a:ea typeface="Meiryo UI" panose="020B0604030504040204" pitchFamily="50" charset="-128"/>
+                <a:cs typeface="Meiryo UI" panose="020B0604030504040204" pitchFamily="50" charset="-128"/>
+              </a:rPr>
+              <a:t>    │      </a:t>
+            </a:r>
+            <a:r>
+              <a:rPr lang="en-US" altLang="ja-JP" sz="1400" dirty="0" err="1">
+                <a:solidFill>
+                  <a:schemeClr val="bg1"/>
+                </a:solidFill>
+                <a:latin typeface="Meiryo UI" panose="020B0604030504040204" pitchFamily="50" charset="-128"/>
+                <a:ea typeface="Meiryo UI" panose="020B0604030504040204" pitchFamily="50" charset="-128"/>
+                <a:cs typeface="Meiryo UI" panose="020B0604030504040204" pitchFamily="50" charset="-128"/>
+              </a:rPr>
+              <a:t>efw.properties</a:t>
+            </a:r>
+            <a:endParaRPr lang="en-US" altLang="ja-JP" sz="1400" dirty="0">
+              <a:solidFill>
+                <a:schemeClr val="bg1"/>
+              </a:solidFill>
+              <a:latin typeface="Meiryo UI" panose="020B0604030504040204" pitchFamily="50" charset="-128"/>
+              <a:ea typeface="Meiryo UI" panose="020B0604030504040204" pitchFamily="50" charset="-128"/>
+              <a:cs typeface="Meiryo UI" panose="020B0604030504040204" pitchFamily="50" charset="-128"/>
+            </a:endParaRPr>
+          </a:p>
+          <a:p>
+            <a:r>
+              <a:rPr lang="en-US" altLang="ja-JP" sz="1400" dirty="0">
+                <a:solidFill>
+                  <a:schemeClr val="bg1"/>
+                </a:solidFill>
+                <a:latin typeface="Meiryo UI" panose="020B0604030504040204" pitchFamily="50" charset="-128"/>
+                <a:ea typeface="Meiryo UI" panose="020B0604030504040204" pitchFamily="50" charset="-128"/>
+                <a:cs typeface="Meiryo UI" panose="020B0604030504040204" pitchFamily="50" charset="-128"/>
+              </a:rPr>
+              <a:t>    ├─</a:t>
+            </a:r>
+            <a:r>
+              <a:rPr lang="en-US" altLang="ja-JP" sz="1400" dirty="0" err="1">
+                <a:solidFill>
+                  <a:schemeClr val="bg1"/>
+                </a:solidFill>
+                <a:latin typeface="Meiryo UI" panose="020B0604030504040204" pitchFamily="50" charset="-128"/>
+                <a:ea typeface="Meiryo UI" panose="020B0604030504040204" pitchFamily="50" charset="-128"/>
+                <a:cs typeface="Meiryo UI" panose="020B0604030504040204" pitchFamily="50" charset="-128"/>
+              </a:rPr>
+              <a:t>efw</a:t>
+            </a:r>
+            <a:endParaRPr lang="en-US" altLang="ja-JP" sz="1400" dirty="0">
+              <a:solidFill>
+                <a:schemeClr val="bg1"/>
+              </a:solidFill>
+              <a:latin typeface="Meiryo UI" panose="020B0604030504040204" pitchFamily="50" charset="-128"/>
+              <a:ea typeface="Meiryo UI" panose="020B0604030504040204" pitchFamily="50" charset="-128"/>
+              <a:cs typeface="Meiryo UI" panose="020B0604030504040204" pitchFamily="50" charset="-128"/>
+            </a:endParaRPr>
+          </a:p>
+          <a:p>
+            <a:r>
+              <a:rPr lang="en-US" altLang="ja-JP" sz="1400" dirty="0">
+                <a:solidFill>
+                  <a:schemeClr val="bg1"/>
+                </a:solidFill>
+                <a:latin typeface="Meiryo UI" panose="020B0604030504040204" pitchFamily="50" charset="-128"/>
+                <a:ea typeface="Meiryo UI" panose="020B0604030504040204" pitchFamily="50" charset="-128"/>
+                <a:cs typeface="Meiryo UI" panose="020B0604030504040204" pitchFamily="50" charset="-128"/>
+              </a:rPr>
+              <a:t>    │  ├─batch</a:t>
+            </a:r>
+          </a:p>
+          <a:p>
+            <a:r>
+              <a:rPr lang="en-US" altLang="ja-JP" sz="1400" dirty="0">
+                <a:solidFill>
+                  <a:schemeClr val="bg1"/>
+                </a:solidFill>
+                <a:latin typeface="Meiryo UI" panose="020B0604030504040204" pitchFamily="50" charset="-128"/>
+                <a:ea typeface="Meiryo UI" panose="020B0604030504040204" pitchFamily="50" charset="-128"/>
+                <a:cs typeface="Meiryo UI" panose="020B0604030504040204" pitchFamily="50" charset="-128"/>
+              </a:rPr>
+              <a:t>    │  │      helloBatch.bat</a:t>
+            </a:r>
+          </a:p>
+          <a:p>
+            <a:r>
+              <a:rPr lang="en-US" altLang="ja-JP" sz="1400" dirty="0">
+                <a:solidFill>
+                  <a:schemeClr val="bg1"/>
+                </a:solidFill>
+                <a:latin typeface="Meiryo UI" panose="020B0604030504040204" pitchFamily="50" charset="-128"/>
+                <a:ea typeface="Meiryo UI" panose="020B0604030504040204" pitchFamily="50" charset="-128"/>
+                <a:cs typeface="Meiryo UI" panose="020B0604030504040204" pitchFamily="50" charset="-128"/>
+              </a:rPr>
+              <a:t>    │  ├─event</a:t>
+            </a:r>
+          </a:p>
+          <a:p>
+            <a:r>
+              <a:rPr lang="en-US" altLang="ja-JP" sz="1400" dirty="0">
+                <a:solidFill>
+                  <a:schemeClr val="bg1"/>
+                </a:solidFill>
+                <a:latin typeface="Meiryo UI" panose="020B0604030504040204" pitchFamily="50" charset="-128"/>
+                <a:ea typeface="Meiryo UI" panose="020B0604030504040204" pitchFamily="50" charset="-128"/>
+                <a:cs typeface="Meiryo UI" panose="020B0604030504040204" pitchFamily="50" charset="-128"/>
+              </a:rPr>
+              <a:t>    │  │      global.js</a:t>
+            </a:r>
+          </a:p>
+          <a:p>
+            <a:r>
+              <a:rPr lang="en-US" altLang="ja-JP" sz="1400" dirty="0">
+                <a:solidFill>
+                  <a:schemeClr val="bg1"/>
+                </a:solidFill>
+                <a:latin typeface="Meiryo UI" panose="020B0604030504040204" pitchFamily="50" charset="-128"/>
+                <a:ea typeface="Meiryo UI" panose="020B0604030504040204" pitchFamily="50" charset="-128"/>
+                <a:cs typeface="Meiryo UI" panose="020B0604030504040204" pitchFamily="50" charset="-128"/>
+              </a:rPr>
+              <a:t>    │  │      helloBatch.js</a:t>
+            </a:r>
+          </a:p>
+          <a:p>
+            <a:r>
+              <a:rPr lang="en-US" altLang="ja-JP" sz="1400" dirty="0">
+                <a:solidFill>
+                  <a:schemeClr val="bg1"/>
+                </a:solidFill>
+                <a:latin typeface="Meiryo UI" panose="020B0604030504040204" pitchFamily="50" charset="-128"/>
+                <a:ea typeface="Meiryo UI" panose="020B0604030504040204" pitchFamily="50" charset="-128"/>
+                <a:cs typeface="Meiryo UI" panose="020B0604030504040204" pitchFamily="50" charset="-128"/>
+              </a:rPr>
+              <a:t>    │  │      InputTest_submit.js</a:t>
+            </a:r>
+          </a:p>
+          <a:p>
+            <a:r>
+              <a:rPr lang="en-US" altLang="ja-JP" sz="1400" dirty="0">
+                <a:solidFill>
+                  <a:schemeClr val="bg1"/>
+                </a:solidFill>
+                <a:latin typeface="Meiryo UI" panose="020B0604030504040204" pitchFamily="50" charset="-128"/>
+                <a:ea typeface="Meiryo UI" panose="020B0604030504040204" pitchFamily="50" charset="-128"/>
+                <a:cs typeface="Meiryo UI" panose="020B0604030504040204" pitchFamily="50" charset="-128"/>
+              </a:rPr>
+              <a:t>│  ├─mail</a:t>
+            </a:r>
+          </a:p>
+          <a:p>
+            <a:r>
+              <a:rPr lang="en-US" altLang="ja-JP" sz="1400" dirty="0">
+                <a:solidFill>
+                  <a:schemeClr val="bg1"/>
+                </a:solidFill>
+                <a:latin typeface="Meiryo UI" panose="020B0604030504040204" pitchFamily="50" charset="-128"/>
+                <a:ea typeface="Meiryo UI" panose="020B0604030504040204" pitchFamily="50" charset="-128"/>
+                <a:cs typeface="Meiryo UI" panose="020B0604030504040204" pitchFamily="50" charset="-128"/>
+              </a:rPr>
+              <a:t>    │  │      mails.xml</a:t>
+            </a:r>
+          </a:p>
+          <a:p>
+            <a:r>
+              <a:rPr lang="en-US" altLang="ja-JP" sz="1400" dirty="0">
+                <a:solidFill>
+                  <a:schemeClr val="bg1"/>
+                </a:solidFill>
+                <a:latin typeface="Meiryo UI" panose="020B0604030504040204" pitchFamily="50" charset="-128"/>
+                <a:ea typeface="Meiryo UI" panose="020B0604030504040204" pitchFamily="50" charset="-128"/>
+                <a:cs typeface="Meiryo UI" panose="020B0604030504040204" pitchFamily="50" charset="-128"/>
+              </a:rPr>
+              <a:t>    │  └─</a:t>
+            </a:r>
+            <a:r>
+              <a:rPr lang="en-US" altLang="ja-JP" sz="1400" dirty="0" err="1">
+                <a:solidFill>
+                  <a:schemeClr val="bg1"/>
+                </a:solidFill>
+                <a:latin typeface="Meiryo UI" panose="020B0604030504040204" pitchFamily="50" charset="-128"/>
+                <a:ea typeface="Meiryo UI" panose="020B0604030504040204" pitchFamily="50" charset="-128"/>
+                <a:cs typeface="Meiryo UI" panose="020B0604030504040204" pitchFamily="50" charset="-128"/>
+              </a:rPr>
+              <a:t>sql</a:t>
+            </a:r>
+            <a:endParaRPr lang="en-US" altLang="ja-JP" sz="1400" dirty="0">
+              <a:solidFill>
+                <a:schemeClr val="bg1"/>
+              </a:solidFill>
+              <a:latin typeface="Meiryo UI" panose="020B0604030504040204" pitchFamily="50" charset="-128"/>
+              <a:ea typeface="Meiryo UI" panose="020B0604030504040204" pitchFamily="50" charset="-128"/>
+              <a:cs typeface="Meiryo UI" panose="020B0604030504040204" pitchFamily="50" charset="-128"/>
+            </a:endParaRPr>
+          </a:p>
+          <a:p>
+            <a:r>
+              <a:rPr lang="en-US" altLang="ja-JP" sz="1400" dirty="0">
+                <a:solidFill>
+                  <a:schemeClr val="bg1"/>
+                </a:solidFill>
+                <a:latin typeface="Meiryo UI" panose="020B0604030504040204" pitchFamily="50" charset="-128"/>
+                <a:ea typeface="Meiryo UI" panose="020B0604030504040204" pitchFamily="50" charset="-128"/>
+                <a:cs typeface="Meiryo UI" panose="020B0604030504040204" pitchFamily="50" charset="-128"/>
+              </a:rPr>
+              <a:t>    │          helloDB1.xml</a:t>
+            </a:r>
+          </a:p>
+          <a:p>
+            <a:r>
+              <a:rPr lang="en-US" altLang="ja-JP" sz="1400" dirty="0">
+                <a:solidFill>
+                  <a:schemeClr val="bg1"/>
+                </a:solidFill>
+                <a:latin typeface="Meiryo UI" panose="020B0604030504040204" pitchFamily="50" charset="-128"/>
+                <a:ea typeface="Meiryo UI" panose="020B0604030504040204" pitchFamily="50" charset="-128"/>
+                <a:cs typeface="Meiryo UI" panose="020B0604030504040204" pitchFamily="50" charset="-128"/>
+              </a:rPr>
+              <a:t>    │          helloDB2.xml</a:t>
+            </a:r>
+          </a:p>
+          <a:p>
+            <a:r>
+              <a:rPr lang="en-US" altLang="ja-JP" sz="1400" dirty="0">
+                <a:solidFill>
+                  <a:schemeClr val="bg1"/>
+                </a:solidFill>
+                <a:latin typeface="Meiryo UI" panose="020B0604030504040204" pitchFamily="50" charset="-128"/>
+                <a:ea typeface="Meiryo UI" panose="020B0604030504040204" pitchFamily="50" charset="-128"/>
+                <a:cs typeface="Meiryo UI" panose="020B0604030504040204" pitchFamily="50" charset="-128"/>
+              </a:rPr>
+              <a:t>    └─lib</a:t>
+            </a:r>
+          </a:p>
+          <a:p>
+            <a:r>
+              <a:rPr lang="en-US" altLang="ja-JP" sz="1400" dirty="0">
+                <a:solidFill>
+                  <a:schemeClr val="bg1"/>
+                </a:solidFill>
+                <a:latin typeface="Meiryo UI" panose="020B0604030504040204" pitchFamily="50" charset="-128"/>
+                <a:ea typeface="Meiryo UI" panose="020B0604030504040204" pitchFamily="50" charset="-128"/>
+                <a:cs typeface="Meiryo UI" panose="020B0604030504040204" pitchFamily="50" charset="-128"/>
+              </a:rPr>
+              <a:t>            efw-4.XX.XXX.jar</a:t>
+            </a:r>
+          </a:p>
+          <a:p>
+            <a:r>
+              <a:rPr lang="en-US" altLang="ja-JP" sz="1400" dirty="0">
+                <a:solidFill>
+                  <a:schemeClr val="bg1"/>
+                </a:solidFill>
+                <a:latin typeface="Meiryo UI" panose="020B0604030504040204" pitchFamily="50" charset="-128"/>
+                <a:ea typeface="Meiryo UI" panose="020B0604030504040204" pitchFamily="50" charset="-128"/>
+                <a:cs typeface="Meiryo UI" panose="020B0604030504040204" pitchFamily="50" charset="-128"/>
+              </a:rPr>
+              <a:t>            </a:t>
+            </a:r>
+            <a:r>
+              <a:rPr lang="ja-JP" altLang="en-US" sz="1400" dirty="0">
+                <a:solidFill>
+                  <a:schemeClr val="bg1"/>
+                </a:solidFill>
+                <a:latin typeface="Meiryo UI" panose="020B0604030504040204" pitchFamily="50" charset="-128"/>
+                <a:ea typeface="Meiryo UI" panose="020B0604030504040204" pitchFamily="50" charset="-128"/>
+                <a:cs typeface="Meiryo UI" panose="020B0604030504040204" pitchFamily="50" charset="-128"/>
+              </a:rPr>
+              <a:t>・・・</a:t>
+            </a:r>
+          </a:p>
+        </p:txBody>
+      </p:sp>
+      <p:sp>
+        <p:nvSpPr>
+          <p:cNvPr id="10" name="正方形/長方形 9">
+            <a:extLst>
+              <a:ext uri="{FF2B5EF4-FFF2-40B4-BE49-F238E27FC236}">
+                <a16:creationId xmlns:a16="http://schemas.microsoft.com/office/drawing/2014/main" id="{9E9E3B3D-DD30-4B05-B9B2-384A50A17646}"/>
+              </a:ext>
+            </a:extLst>
+          </p:cNvPr>
+          <p:cNvSpPr/>
+          <p:nvPr/>
+        </p:nvSpPr>
+        <p:spPr>
+          <a:xfrm>
+            <a:off x="3431722" y="1658050"/>
+            <a:ext cx="2805792" cy="5028500"/>
+          </a:xfrm>
+          <a:prstGeom prst="rect">
+            <a:avLst/>
+          </a:prstGeom>
+          <a:ln/>
+        </p:spPr>
+        <p:style>
+          <a:lnRef idx="3">
+            <a:schemeClr val="lt1"/>
+          </a:lnRef>
+          <a:fillRef idx="1">
+            <a:schemeClr val="accent5"/>
+          </a:fillRef>
+          <a:effectRef idx="1">
+            <a:schemeClr val="accent5"/>
+          </a:effectRef>
+          <a:fontRef idx="minor">
+            <a:schemeClr val="lt1"/>
+          </a:fontRef>
+        </p:style>
+        <p:txBody>
+          <a:bodyPr rtlCol="0" anchor="t" anchorCtr="0"/>
+          <a:lstStyle/>
+          <a:p>
+            <a:r>
+              <a:rPr lang="en-US" altLang="ja-JP" sz="1400" dirty="0" err="1">
+                <a:solidFill>
+                  <a:schemeClr val="bg1"/>
+                </a:solidFill>
+                <a:latin typeface="Meiryo UI" panose="020B0604030504040204" pitchFamily="50" charset="-128"/>
+                <a:ea typeface="Meiryo UI" panose="020B0604030504040204" pitchFamily="50" charset="-128"/>
+                <a:cs typeface="Meiryo UI" panose="020B0604030504040204" pitchFamily="50" charset="-128"/>
+              </a:rPr>
+              <a:t>myPkg</a:t>
+            </a:r>
+            <a:endParaRPr lang="en-US" altLang="ja-JP" sz="1400" dirty="0">
+              <a:solidFill>
+                <a:schemeClr val="bg1"/>
+              </a:solidFill>
+              <a:latin typeface="Meiryo UI" panose="020B0604030504040204" pitchFamily="50" charset="-128"/>
+              <a:ea typeface="Meiryo UI" panose="020B0604030504040204" pitchFamily="50" charset="-128"/>
+              <a:cs typeface="Meiryo UI" panose="020B0604030504040204" pitchFamily="50" charset="-128"/>
+            </a:endParaRPr>
+          </a:p>
+          <a:p>
+            <a:r>
+              <a:rPr lang="en-US" altLang="ja-JP" sz="1400" dirty="0">
+                <a:solidFill>
+                  <a:schemeClr val="bg1"/>
+                </a:solidFill>
+                <a:latin typeface="Meiryo UI" panose="020B0604030504040204" pitchFamily="50" charset="-128"/>
+                <a:ea typeface="Meiryo UI" panose="020B0604030504040204" pitchFamily="50" charset="-128"/>
+                <a:cs typeface="Meiryo UI" panose="020B0604030504040204" pitchFamily="50" charset="-128"/>
+              </a:rPr>
+              <a:t>├─META-INF</a:t>
+            </a:r>
+          </a:p>
+          <a:p>
+            <a:r>
+              <a:rPr lang="en-US" altLang="ja-JP" sz="1400" dirty="0">
+                <a:solidFill>
+                  <a:schemeClr val="bg1"/>
+                </a:solidFill>
+                <a:latin typeface="Meiryo UI" panose="020B0604030504040204" pitchFamily="50" charset="-128"/>
+                <a:ea typeface="Meiryo UI" panose="020B0604030504040204" pitchFamily="50" charset="-128"/>
+                <a:cs typeface="Meiryo UI" panose="020B0604030504040204" pitchFamily="50" charset="-128"/>
+              </a:rPr>
+              <a:t>│      </a:t>
+            </a:r>
+            <a:r>
+              <a:rPr lang="en-US" altLang="ja-JP" sz="1400" dirty="0">
+                <a:solidFill>
+                  <a:srgbClr val="FFC000"/>
+                </a:solidFill>
+                <a:latin typeface="Meiryo UI" panose="020B0604030504040204" pitchFamily="50" charset="-128"/>
+                <a:ea typeface="Meiryo UI" panose="020B0604030504040204" pitchFamily="50" charset="-128"/>
+                <a:cs typeface="Meiryo UI" panose="020B0604030504040204" pitchFamily="50" charset="-128"/>
+              </a:rPr>
+              <a:t>context.xml</a:t>
+            </a:r>
+          </a:p>
+          <a:p>
+            <a:r>
+              <a:rPr lang="en-US" altLang="ja-JP" sz="1400" dirty="0">
+                <a:solidFill>
+                  <a:schemeClr val="bg1"/>
+                </a:solidFill>
+                <a:latin typeface="Meiryo UI" panose="020B0604030504040204" pitchFamily="50" charset="-128"/>
+                <a:ea typeface="Meiryo UI" panose="020B0604030504040204" pitchFamily="50" charset="-128"/>
+                <a:cs typeface="Meiryo UI" panose="020B0604030504040204" pitchFamily="50" charset="-128"/>
+              </a:rPr>
+              <a:t>└─WEB-INF</a:t>
+            </a:r>
+          </a:p>
+          <a:p>
+            <a:r>
+              <a:rPr lang="en-US" altLang="ja-JP" sz="1400" dirty="0">
+                <a:solidFill>
+                  <a:schemeClr val="bg1"/>
+                </a:solidFill>
+                <a:latin typeface="Meiryo UI" panose="020B0604030504040204" pitchFamily="50" charset="-128"/>
+                <a:ea typeface="Meiryo UI" panose="020B0604030504040204" pitchFamily="50" charset="-128"/>
+                <a:cs typeface="Meiryo UI" panose="020B0604030504040204" pitchFamily="50" charset="-128"/>
+              </a:rPr>
+              <a:t>    ├─classes</a:t>
+            </a:r>
+          </a:p>
+          <a:p>
+            <a:r>
+              <a:rPr lang="en-US" altLang="ja-JP" sz="1400" dirty="0">
+                <a:solidFill>
+                  <a:schemeClr val="bg1"/>
+                </a:solidFill>
+                <a:latin typeface="Meiryo UI" panose="020B0604030504040204" pitchFamily="50" charset="-128"/>
+                <a:ea typeface="Meiryo UI" panose="020B0604030504040204" pitchFamily="50" charset="-128"/>
+                <a:cs typeface="Meiryo UI" panose="020B0604030504040204" pitchFamily="50" charset="-128"/>
+              </a:rPr>
+              <a:t>    │      </a:t>
+            </a:r>
+            <a:r>
+              <a:rPr lang="en-US" altLang="ja-JP" sz="1400" dirty="0" err="1">
+                <a:solidFill>
+                  <a:srgbClr val="FFC000"/>
+                </a:solidFill>
+                <a:latin typeface="Meiryo UI" panose="020B0604030504040204" pitchFamily="50" charset="-128"/>
+                <a:ea typeface="Meiryo UI" panose="020B0604030504040204" pitchFamily="50" charset="-128"/>
+                <a:cs typeface="Meiryo UI" panose="020B0604030504040204" pitchFamily="50" charset="-128"/>
+              </a:rPr>
+              <a:t>batch.properties</a:t>
+            </a:r>
+            <a:endParaRPr lang="en-US" altLang="ja-JP" sz="1400" dirty="0">
+              <a:solidFill>
+                <a:srgbClr val="FFC000"/>
+              </a:solidFill>
+              <a:latin typeface="Meiryo UI" panose="020B0604030504040204" pitchFamily="50" charset="-128"/>
+              <a:ea typeface="Meiryo UI" panose="020B0604030504040204" pitchFamily="50" charset="-128"/>
+              <a:cs typeface="Meiryo UI" panose="020B0604030504040204" pitchFamily="50" charset="-128"/>
+            </a:endParaRPr>
+          </a:p>
+          <a:p>
+            <a:r>
+              <a:rPr lang="en-US" altLang="ja-JP" sz="1400" dirty="0">
+                <a:solidFill>
+                  <a:schemeClr val="bg1"/>
+                </a:solidFill>
+                <a:latin typeface="Meiryo UI" panose="020B0604030504040204" pitchFamily="50" charset="-128"/>
+                <a:ea typeface="Meiryo UI" panose="020B0604030504040204" pitchFamily="50" charset="-128"/>
+                <a:cs typeface="Meiryo UI" panose="020B0604030504040204" pitchFamily="50" charset="-128"/>
+              </a:rPr>
+              <a:t>    │      </a:t>
+            </a:r>
+            <a:r>
+              <a:rPr lang="en-US" altLang="ja-JP" sz="1400" dirty="0" err="1">
+                <a:solidFill>
+                  <a:srgbClr val="FFC000"/>
+                </a:solidFill>
+                <a:latin typeface="Meiryo UI" panose="020B0604030504040204" pitchFamily="50" charset="-128"/>
+                <a:ea typeface="Meiryo UI" panose="020B0604030504040204" pitchFamily="50" charset="-128"/>
+                <a:cs typeface="Meiryo UI" panose="020B0604030504040204" pitchFamily="50" charset="-128"/>
+              </a:rPr>
+              <a:t>efw.properties</a:t>
+            </a:r>
+            <a:endParaRPr lang="en-US" altLang="ja-JP" sz="1400" dirty="0">
+              <a:solidFill>
+                <a:srgbClr val="FFC000"/>
+              </a:solidFill>
+              <a:latin typeface="Meiryo UI" panose="020B0604030504040204" pitchFamily="50" charset="-128"/>
+              <a:ea typeface="Meiryo UI" panose="020B0604030504040204" pitchFamily="50" charset="-128"/>
+              <a:cs typeface="Meiryo UI" panose="020B0604030504040204" pitchFamily="50" charset="-128"/>
+            </a:endParaRPr>
+          </a:p>
+          <a:p>
+            <a:r>
+              <a:rPr lang="en-US" altLang="ja-JP" sz="1400" dirty="0">
+                <a:solidFill>
+                  <a:schemeClr val="bg1"/>
+                </a:solidFill>
+                <a:latin typeface="Meiryo UI" panose="020B0604030504040204" pitchFamily="50" charset="-128"/>
+                <a:ea typeface="Meiryo UI" panose="020B0604030504040204" pitchFamily="50" charset="-128"/>
+                <a:cs typeface="Meiryo UI" panose="020B0604030504040204" pitchFamily="50" charset="-128"/>
+              </a:rPr>
+              <a:t>    ├─</a:t>
+            </a:r>
+            <a:r>
+              <a:rPr lang="en-US" altLang="ja-JP" sz="1400" dirty="0" err="1">
+                <a:solidFill>
+                  <a:schemeClr val="bg1"/>
+                </a:solidFill>
+                <a:latin typeface="Meiryo UI" panose="020B0604030504040204" pitchFamily="50" charset="-128"/>
+                <a:ea typeface="Meiryo UI" panose="020B0604030504040204" pitchFamily="50" charset="-128"/>
+                <a:cs typeface="Meiryo UI" panose="020B0604030504040204" pitchFamily="50" charset="-128"/>
+              </a:rPr>
+              <a:t>efw</a:t>
+            </a:r>
+            <a:endParaRPr lang="en-US" altLang="ja-JP" sz="1400" dirty="0">
+              <a:solidFill>
+                <a:schemeClr val="bg1"/>
+              </a:solidFill>
+              <a:latin typeface="Meiryo UI" panose="020B0604030504040204" pitchFamily="50" charset="-128"/>
+              <a:ea typeface="Meiryo UI" panose="020B0604030504040204" pitchFamily="50" charset="-128"/>
+              <a:cs typeface="Meiryo UI" panose="020B0604030504040204" pitchFamily="50" charset="-128"/>
+            </a:endParaRPr>
+          </a:p>
+          <a:p>
+            <a:r>
+              <a:rPr lang="en-US" altLang="ja-JP" sz="1400" dirty="0">
+                <a:solidFill>
+                  <a:schemeClr val="bg1"/>
+                </a:solidFill>
+                <a:latin typeface="Meiryo UI" panose="020B0604030504040204" pitchFamily="50" charset="-128"/>
+                <a:ea typeface="Meiryo UI" panose="020B0604030504040204" pitchFamily="50" charset="-128"/>
+                <a:cs typeface="Meiryo UI" panose="020B0604030504040204" pitchFamily="50" charset="-128"/>
+              </a:rPr>
+              <a:t>    │  ├─batch</a:t>
+            </a:r>
+          </a:p>
+          <a:p>
+            <a:r>
+              <a:rPr lang="en-US" altLang="ja-JP" sz="1400" dirty="0">
+                <a:solidFill>
+                  <a:schemeClr val="bg1"/>
+                </a:solidFill>
+                <a:latin typeface="Meiryo UI" panose="020B0604030504040204" pitchFamily="50" charset="-128"/>
+                <a:ea typeface="Meiryo UI" panose="020B0604030504040204" pitchFamily="50" charset="-128"/>
+                <a:cs typeface="Meiryo UI" panose="020B0604030504040204" pitchFamily="50" charset="-128"/>
+              </a:rPr>
+              <a:t>    │  │      </a:t>
+            </a:r>
+            <a:r>
+              <a:rPr lang="en-US" altLang="ja-JP" sz="1400" dirty="0">
+                <a:solidFill>
+                  <a:srgbClr val="FFC000"/>
+                </a:solidFill>
+                <a:latin typeface="Meiryo UI" panose="020B0604030504040204" pitchFamily="50" charset="-128"/>
+                <a:ea typeface="Meiryo UI" panose="020B0604030504040204" pitchFamily="50" charset="-128"/>
+                <a:cs typeface="Meiryo UI" panose="020B0604030504040204" pitchFamily="50" charset="-128"/>
+              </a:rPr>
+              <a:t>helloBatch.bat</a:t>
+            </a:r>
+          </a:p>
+          <a:p>
+            <a:r>
+              <a:rPr lang="en-US" altLang="ja-JP" sz="1400" dirty="0">
+                <a:solidFill>
+                  <a:schemeClr val="bg1"/>
+                </a:solidFill>
+                <a:latin typeface="Meiryo UI" panose="020B0604030504040204" pitchFamily="50" charset="-128"/>
+                <a:ea typeface="Meiryo UI" panose="020B0604030504040204" pitchFamily="50" charset="-128"/>
+                <a:cs typeface="Meiryo UI" panose="020B0604030504040204" pitchFamily="50" charset="-128"/>
+              </a:rPr>
+              <a:t>    │  ├─event</a:t>
+            </a:r>
+          </a:p>
+          <a:p>
+            <a:r>
+              <a:rPr lang="en-US" altLang="ja-JP" sz="1400" dirty="0">
+                <a:solidFill>
+                  <a:schemeClr val="bg1"/>
+                </a:solidFill>
+                <a:latin typeface="Meiryo UI" panose="020B0604030504040204" pitchFamily="50" charset="-128"/>
+                <a:ea typeface="Meiryo UI" panose="020B0604030504040204" pitchFamily="50" charset="-128"/>
+                <a:cs typeface="Meiryo UI" panose="020B0604030504040204" pitchFamily="50" charset="-128"/>
+              </a:rPr>
+              <a:t>    │  ├─mail</a:t>
+            </a:r>
+          </a:p>
+          <a:p>
+            <a:r>
+              <a:rPr lang="en-US" altLang="ja-JP" sz="1400" dirty="0">
+                <a:solidFill>
+                  <a:schemeClr val="bg1"/>
+                </a:solidFill>
+                <a:latin typeface="Meiryo UI" panose="020B0604030504040204" pitchFamily="50" charset="-128"/>
+                <a:ea typeface="Meiryo UI" panose="020B0604030504040204" pitchFamily="50" charset="-128"/>
+                <a:cs typeface="Meiryo UI" panose="020B0604030504040204" pitchFamily="50" charset="-128"/>
+              </a:rPr>
+              <a:t>    │  │      mails.xml</a:t>
+            </a:r>
+          </a:p>
+          <a:p>
+            <a:r>
+              <a:rPr lang="en-US" altLang="ja-JP" sz="1400" dirty="0">
+                <a:solidFill>
+                  <a:schemeClr val="bg1"/>
+                </a:solidFill>
+                <a:latin typeface="Meiryo UI" panose="020B0604030504040204" pitchFamily="50" charset="-128"/>
+                <a:ea typeface="Meiryo UI" panose="020B0604030504040204" pitchFamily="50" charset="-128"/>
+                <a:cs typeface="Meiryo UI" panose="020B0604030504040204" pitchFamily="50" charset="-128"/>
+              </a:rPr>
+              <a:t>    │  └─</a:t>
+            </a:r>
+            <a:r>
+              <a:rPr lang="en-US" altLang="ja-JP" sz="1400" dirty="0" err="1">
+                <a:solidFill>
+                  <a:schemeClr val="bg1"/>
+                </a:solidFill>
+                <a:latin typeface="Meiryo UI" panose="020B0604030504040204" pitchFamily="50" charset="-128"/>
+                <a:ea typeface="Meiryo UI" panose="020B0604030504040204" pitchFamily="50" charset="-128"/>
+                <a:cs typeface="Meiryo UI" panose="020B0604030504040204" pitchFamily="50" charset="-128"/>
+              </a:rPr>
+              <a:t>sql</a:t>
+            </a:r>
+            <a:endParaRPr lang="en-US" altLang="ja-JP" sz="1400" dirty="0">
+              <a:solidFill>
+                <a:schemeClr val="bg1"/>
+              </a:solidFill>
+              <a:latin typeface="Meiryo UI" panose="020B0604030504040204" pitchFamily="50" charset="-128"/>
+              <a:ea typeface="Meiryo UI" panose="020B0604030504040204" pitchFamily="50" charset="-128"/>
+              <a:cs typeface="Meiryo UI" panose="020B0604030504040204" pitchFamily="50" charset="-128"/>
+            </a:endParaRPr>
+          </a:p>
+          <a:p>
+            <a:r>
+              <a:rPr lang="en-US" altLang="ja-JP" sz="1400" dirty="0">
+                <a:solidFill>
+                  <a:schemeClr val="bg1"/>
+                </a:solidFill>
+                <a:latin typeface="Meiryo UI" panose="020B0604030504040204" pitchFamily="50" charset="-128"/>
+                <a:ea typeface="Meiryo UI" panose="020B0604030504040204" pitchFamily="50" charset="-128"/>
+                <a:cs typeface="Meiryo UI" panose="020B0604030504040204" pitchFamily="50" charset="-128"/>
+              </a:rPr>
+              <a:t>    └─lib</a:t>
+            </a:r>
+          </a:p>
+          <a:p>
+            <a:r>
+              <a:rPr lang="en-US" altLang="ja-JP" sz="1400" dirty="0">
+                <a:solidFill>
+                  <a:schemeClr val="bg1"/>
+                </a:solidFill>
+                <a:latin typeface="Meiryo UI" panose="020B0604030504040204" pitchFamily="50" charset="-128"/>
+                <a:ea typeface="Meiryo UI" panose="020B0604030504040204" pitchFamily="50" charset="-128"/>
+                <a:cs typeface="Meiryo UI" panose="020B0604030504040204" pitchFamily="50" charset="-128"/>
+              </a:rPr>
+              <a:t>            efw-4.XX.XXX.jar</a:t>
+            </a:r>
+          </a:p>
+          <a:p>
+            <a:r>
+              <a:rPr lang="en-US" altLang="ja-JP" sz="1400" dirty="0">
+                <a:solidFill>
+                  <a:schemeClr val="bg1"/>
+                </a:solidFill>
+                <a:latin typeface="Meiryo UI" panose="020B0604030504040204" pitchFamily="50" charset="-128"/>
+                <a:ea typeface="Meiryo UI" panose="020B0604030504040204" pitchFamily="50" charset="-128"/>
+                <a:cs typeface="Meiryo UI" panose="020B0604030504040204" pitchFamily="50" charset="-128"/>
+              </a:rPr>
+              <a:t>            </a:t>
+            </a:r>
+            <a:r>
+              <a:rPr lang="en-US" altLang="ja-JP" sz="1400" dirty="0">
+                <a:solidFill>
+                  <a:srgbClr val="FFFF00"/>
+                </a:solidFill>
+                <a:latin typeface="Meiryo UI" panose="020B0604030504040204" pitchFamily="50" charset="-128"/>
+                <a:ea typeface="Meiryo UI" panose="020B0604030504040204" pitchFamily="50" charset="-128"/>
+                <a:cs typeface="Meiryo UI" panose="020B0604030504040204" pitchFamily="50" charset="-128"/>
+              </a:rPr>
+              <a:t>myPkg-1.0.0.jar</a:t>
+            </a:r>
+          </a:p>
+          <a:p>
+            <a:r>
+              <a:rPr lang="en-US" altLang="ja-JP" sz="1400" dirty="0">
+                <a:solidFill>
+                  <a:schemeClr val="bg1"/>
+                </a:solidFill>
+                <a:latin typeface="Meiryo UI" panose="020B0604030504040204" pitchFamily="50" charset="-128"/>
+                <a:ea typeface="Meiryo UI" panose="020B0604030504040204" pitchFamily="50" charset="-128"/>
+                <a:cs typeface="Meiryo UI" panose="020B0604030504040204" pitchFamily="50" charset="-128"/>
+              </a:rPr>
+              <a:t>            </a:t>
+            </a:r>
+            <a:r>
+              <a:rPr lang="ja-JP" altLang="en-US" sz="1400" dirty="0">
+                <a:solidFill>
+                  <a:schemeClr val="bg1"/>
+                </a:solidFill>
+                <a:latin typeface="Meiryo UI" panose="020B0604030504040204" pitchFamily="50" charset="-128"/>
+                <a:ea typeface="Meiryo UI" panose="020B0604030504040204" pitchFamily="50" charset="-128"/>
+                <a:cs typeface="Meiryo UI" panose="020B0604030504040204" pitchFamily="50" charset="-128"/>
+              </a:rPr>
+              <a:t>・・・</a:t>
+            </a:r>
+          </a:p>
+          <a:p>
+            <a:endParaRPr kumimoji="1" lang="ja-JP" altLang="en-US" sz="1400" dirty="0">
+              <a:solidFill>
+                <a:schemeClr val="bg1"/>
+              </a:solidFill>
+              <a:latin typeface="Meiryo UI" panose="020B0604030504040204" pitchFamily="50" charset="-128"/>
+              <a:ea typeface="Meiryo UI" panose="020B0604030504040204" pitchFamily="50" charset="-128"/>
+              <a:cs typeface="Meiryo UI" panose="020B0604030504040204" pitchFamily="50" charset="-128"/>
+            </a:endParaRPr>
+          </a:p>
+        </p:txBody>
+      </p:sp>
+      <p:sp>
+        <p:nvSpPr>
+          <p:cNvPr id="5" name="矢印: 右 4">
+            <a:extLst>
+              <a:ext uri="{FF2B5EF4-FFF2-40B4-BE49-F238E27FC236}">
+                <a16:creationId xmlns:a16="http://schemas.microsoft.com/office/drawing/2014/main" id="{632BC8AB-1389-4FDB-9FA4-4DDA26E060F0}"/>
+              </a:ext>
+            </a:extLst>
+          </p:cNvPr>
+          <p:cNvSpPr/>
+          <p:nvPr/>
+        </p:nvSpPr>
+        <p:spPr>
+          <a:xfrm>
+            <a:off x="3045279" y="3918857"/>
+            <a:ext cx="449035" cy="523220"/>
+          </a:xfrm>
+          <a:prstGeom prst="rightArrow">
+            <a:avLst/>
+          </a:prstGeom>
+          <a:ln/>
+        </p:spPr>
+        <p:style>
+          <a:lnRef idx="3">
+            <a:schemeClr val="lt1"/>
+          </a:lnRef>
+          <a:fillRef idx="1">
+            <a:schemeClr val="accent6"/>
+          </a:fillRef>
+          <a:effectRef idx="1">
+            <a:schemeClr val="accent6"/>
+          </a:effectRef>
+          <a:fontRef idx="minor">
+            <a:schemeClr val="lt1"/>
+          </a:fontRef>
+        </p:style>
+        <p:txBody>
+          <a:bodyPr rtlCol="0" anchor="ctr"/>
+          <a:lstStyle/>
+          <a:p>
+            <a:pPr algn="ctr"/>
+            <a:endParaRPr kumimoji="1" lang="ja-JP" altLang="en-US" sz="1400" dirty="0">
+              <a:solidFill>
+                <a:schemeClr val="tx1"/>
+              </a:solidFill>
+              <a:latin typeface="Meiryo UI" panose="020B0604030504040204" pitchFamily="50" charset="-128"/>
+              <a:ea typeface="Meiryo UI" panose="020B0604030504040204" pitchFamily="50" charset="-128"/>
+              <a:cs typeface="Meiryo UI" panose="020B0604030504040204" pitchFamily="50" charset="-128"/>
+            </a:endParaRPr>
+          </a:p>
+        </p:txBody>
+      </p:sp>
+      <p:sp>
+        <p:nvSpPr>
+          <p:cNvPr id="14" name="矢印: 右 13">
+            <a:extLst>
+              <a:ext uri="{FF2B5EF4-FFF2-40B4-BE49-F238E27FC236}">
+                <a16:creationId xmlns:a16="http://schemas.microsoft.com/office/drawing/2014/main" id="{BE858290-1E0C-448E-B273-BE65FD8AE8A0}"/>
+              </a:ext>
+            </a:extLst>
+          </p:cNvPr>
+          <p:cNvSpPr/>
+          <p:nvPr/>
+        </p:nvSpPr>
+        <p:spPr>
+          <a:xfrm>
+            <a:off x="6077857" y="3918857"/>
+            <a:ext cx="449035" cy="523220"/>
+          </a:xfrm>
+          <a:prstGeom prst="rightArrow">
+            <a:avLst/>
+          </a:prstGeom>
+          <a:ln/>
+        </p:spPr>
+        <p:style>
+          <a:lnRef idx="3">
+            <a:schemeClr val="lt1"/>
+          </a:lnRef>
+          <a:fillRef idx="1">
+            <a:schemeClr val="accent6"/>
+          </a:fillRef>
+          <a:effectRef idx="1">
+            <a:schemeClr val="accent6"/>
+          </a:effectRef>
+          <a:fontRef idx="minor">
+            <a:schemeClr val="lt1"/>
+          </a:fontRef>
+        </p:style>
+        <p:txBody>
+          <a:bodyPr rtlCol="0" anchor="ctr"/>
+          <a:lstStyle/>
+          <a:p>
+            <a:pPr algn="ctr"/>
+            <a:endParaRPr kumimoji="1" lang="ja-JP" altLang="en-US" sz="1400" dirty="0">
+              <a:solidFill>
+                <a:schemeClr val="tx1"/>
+              </a:solidFill>
+              <a:latin typeface="Meiryo UI" panose="020B0604030504040204" pitchFamily="50" charset="-128"/>
+              <a:ea typeface="Meiryo UI" panose="020B0604030504040204" pitchFamily="50" charset="-128"/>
+              <a:cs typeface="Meiryo UI" panose="020B0604030504040204" pitchFamily="50" charset="-128"/>
+            </a:endParaRPr>
+          </a:p>
+        </p:txBody>
+      </p:sp>
+      <p:pic>
+        <p:nvPicPr>
+          <p:cNvPr id="1026" name="Picture 2" descr="War File アイコン - SVG・PNGで無料ダウンロード">
+            <a:extLst>
+              <a:ext uri="{FF2B5EF4-FFF2-40B4-BE49-F238E27FC236}">
+                <a16:creationId xmlns:a16="http://schemas.microsoft.com/office/drawing/2014/main" id="{759E174F-734C-4CC1-93B5-DBFBBA7E4B67}"/>
+              </a:ext>
+            </a:extLst>
+          </p:cNvPr>
+          <p:cNvPicPr>
+            <a:picLocks noChangeAspect="1" noChangeArrowheads="1"/>
+          </p:cNvPicPr>
+          <p:nvPr/>
+        </p:nvPicPr>
+        <p:blipFill>
+          <a:blip r:embed="rId4" cstate="print">
+            <a:extLst>
+              <a:ext uri="{28A0092B-C50C-407E-A947-70E740481C1C}">
+                <a14:useLocalDpi xmlns:a14="http://schemas.microsoft.com/office/drawing/2010/main" val="0"/>
+              </a:ext>
+            </a:extLst>
+          </a:blip>
+          <a:srcRect/>
+          <a:stretch>
+            <a:fillRect/>
+          </a:stretch>
+        </p:blipFill>
+        <p:spPr bwMode="auto">
+          <a:xfrm>
+            <a:off x="7207250" y="3810000"/>
+            <a:ext cx="917122" cy="917122"/>
+          </a:xfrm>
+          <a:prstGeom prst="rect">
+            <a:avLst/>
+          </a:prstGeom>
+          <a:solidFill>
+            <a:schemeClr val="bg1"/>
+          </a:solidFill>
+          <a:ln>
+            <a:solidFill>
+              <a:schemeClr val="lt1"/>
+            </a:solidFill>
+          </a:ln>
+        </p:spPr>
+      </p:pic>
+      <p:sp>
+        <p:nvSpPr>
+          <p:cNvPr id="16" name="テキスト ボックス 15">
+            <a:extLst>
+              <a:ext uri="{FF2B5EF4-FFF2-40B4-BE49-F238E27FC236}">
+                <a16:creationId xmlns:a16="http://schemas.microsoft.com/office/drawing/2014/main" id="{740ECA85-9E40-43DD-BE1D-8088A4EA16C4}"/>
+              </a:ext>
+            </a:extLst>
+          </p:cNvPr>
+          <p:cNvSpPr txBox="1"/>
+          <p:nvPr/>
+        </p:nvSpPr>
+        <p:spPr>
+          <a:xfrm>
+            <a:off x="7117442" y="4836831"/>
+            <a:ext cx="1282702" cy="307777"/>
+          </a:xfrm>
+          <a:prstGeom prst="rect">
+            <a:avLst/>
+          </a:prstGeom>
+          <a:noFill/>
+        </p:spPr>
+        <p:txBody>
+          <a:bodyPr wrap="square" rtlCol="0">
+            <a:spAutoFit/>
+          </a:bodyPr>
+          <a:lstStyle/>
+          <a:p>
+            <a:r>
+              <a:rPr lang="en-US" altLang="ja-JP" sz="1400" dirty="0" err="1">
+                <a:latin typeface="Meiryo UI" panose="020B0604030504040204" pitchFamily="50" charset="-128"/>
+                <a:ea typeface="Meiryo UI" panose="020B0604030504040204" pitchFamily="50" charset="-128"/>
+              </a:rPr>
+              <a:t>myPkg.war</a:t>
+            </a:r>
+            <a:endParaRPr lang="en-US" altLang="ja-JP" sz="1400" dirty="0">
+              <a:latin typeface="Meiryo UI" panose="020B0604030504040204" pitchFamily="50" charset="-128"/>
+              <a:ea typeface="Meiryo UI" panose="020B0604030504040204" pitchFamily="50" charset="-128"/>
+            </a:endParaRPr>
+          </a:p>
+        </p:txBody>
+      </p:sp>
+      <p:sp>
+        <p:nvSpPr>
+          <p:cNvPr id="17" name="テキスト ボックス 16">
+            <a:extLst>
+              <a:ext uri="{FF2B5EF4-FFF2-40B4-BE49-F238E27FC236}">
+                <a16:creationId xmlns:a16="http://schemas.microsoft.com/office/drawing/2014/main" id="{0EC5D440-CA78-4DE2-9F14-F67181A53FD9}"/>
+              </a:ext>
+            </a:extLst>
+          </p:cNvPr>
+          <p:cNvSpPr txBox="1"/>
+          <p:nvPr/>
+        </p:nvSpPr>
+        <p:spPr>
+          <a:xfrm>
+            <a:off x="6425293" y="1915244"/>
+            <a:ext cx="2466641" cy="1384995"/>
+          </a:xfrm>
+          <a:prstGeom prst="rect">
+            <a:avLst/>
+          </a:prstGeom>
+          <a:noFill/>
+        </p:spPr>
+        <p:txBody>
+          <a:bodyPr wrap="square" rtlCol="0">
+            <a:spAutoFit/>
+          </a:bodyPr>
+          <a:lstStyle/>
+          <a:p>
+            <a:r>
+              <a:rPr lang="ja-JP" altLang="en-US" sz="1400" dirty="0">
+                <a:latin typeface="Meiryo UI" panose="020B0604030504040204" pitchFamily="50" charset="-128"/>
+                <a:ea typeface="Meiryo UI" panose="020B0604030504040204" pitchFamily="50" charset="-128"/>
+              </a:rPr>
+              <a:t>・環境依存しないパッケージ本体部分は</a:t>
+            </a:r>
+            <a:r>
+              <a:rPr lang="en-US" altLang="ja-JP" sz="1400" dirty="0">
+                <a:latin typeface="Meiryo UI" panose="020B0604030504040204" pitchFamily="50" charset="-128"/>
+                <a:ea typeface="Meiryo UI" panose="020B0604030504040204" pitchFamily="50" charset="-128"/>
+              </a:rPr>
+              <a:t>jar</a:t>
+            </a:r>
+            <a:r>
+              <a:rPr lang="ja-JP" altLang="en-US" sz="1400" dirty="0">
+                <a:latin typeface="Meiryo UI" panose="020B0604030504040204" pitchFamily="50" charset="-128"/>
+                <a:ea typeface="Meiryo UI" panose="020B0604030504040204" pitchFamily="50" charset="-128"/>
+              </a:rPr>
+              <a:t>に格納します。</a:t>
+            </a:r>
+            <a:endParaRPr lang="en-US" altLang="ja-JP" sz="1400" dirty="0">
+              <a:latin typeface="Meiryo UI" panose="020B0604030504040204" pitchFamily="50" charset="-128"/>
+              <a:ea typeface="Meiryo UI" panose="020B0604030504040204" pitchFamily="50" charset="-128"/>
+            </a:endParaRPr>
+          </a:p>
+          <a:p>
+            <a:r>
+              <a:rPr lang="ja-JP" altLang="en-US" sz="1400" dirty="0">
+                <a:latin typeface="Meiryo UI" panose="020B0604030504040204" pitchFamily="50" charset="-128"/>
+                <a:ea typeface="Meiryo UI" panose="020B0604030504040204" pitchFamily="50" charset="-128"/>
+              </a:rPr>
+              <a:t>・お客さんの環境に関わる各種設定情報を設定します。</a:t>
+            </a:r>
+            <a:endParaRPr lang="en-US" altLang="ja-JP" sz="1400" dirty="0">
+              <a:latin typeface="Meiryo UI" panose="020B0604030504040204" pitchFamily="50" charset="-128"/>
+              <a:ea typeface="Meiryo UI" panose="020B0604030504040204" pitchFamily="50" charset="-128"/>
+            </a:endParaRPr>
+          </a:p>
+          <a:p>
+            <a:r>
+              <a:rPr lang="ja-JP" altLang="en-US" sz="1400" dirty="0">
+                <a:latin typeface="Meiryo UI" panose="020B0604030504040204" pitchFamily="50" charset="-128"/>
+                <a:ea typeface="Meiryo UI" panose="020B0604030504040204" pitchFamily="50" charset="-128"/>
+              </a:rPr>
+              <a:t>・</a:t>
+            </a:r>
+            <a:r>
+              <a:rPr lang="en-US" altLang="ja-JP" sz="1400" dirty="0">
+                <a:latin typeface="Meiryo UI" panose="020B0604030504040204" pitchFamily="50" charset="-128"/>
+                <a:ea typeface="Meiryo UI" panose="020B0604030504040204" pitchFamily="50" charset="-128"/>
+              </a:rPr>
+              <a:t>war</a:t>
+            </a:r>
+            <a:r>
+              <a:rPr lang="ja-JP" altLang="en-US" sz="1400" dirty="0">
+                <a:latin typeface="Meiryo UI" panose="020B0604030504040204" pitchFamily="50" charset="-128"/>
+                <a:ea typeface="Meiryo UI" panose="020B0604030504040204" pitchFamily="50" charset="-128"/>
+              </a:rPr>
+              <a:t>ファイルを作成してリリースします。</a:t>
+            </a:r>
+            <a:endParaRPr lang="en-US" altLang="ja-JP" sz="1400" dirty="0">
+              <a:latin typeface="Meiryo UI" panose="020B0604030504040204" pitchFamily="50" charset="-128"/>
+              <a:ea typeface="Meiryo UI" panose="020B0604030504040204" pitchFamily="50" charset="-128"/>
+            </a:endParaRPr>
+          </a:p>
+        </p:txBody>
+      </p:sp>
+    </p:spTree>
+    <p:custDataLst>
+      <p:tags r:id="rId1"/>
+    </p:custDataLst>
+    <p:extLst>
+      <p:ext uri="{BB962C8B-B14F-4D97-AF65-F5344CB8AC3E}">
+        <p14:creationId xmlns:p14="http://schemas.microsoft.com/office/powerpoint/2010/main" val="3070408224"/>
+      </p:ext>
+    </p:extLst>
+  </p:cSld>
+  <p:clrMapOvr>
+    <a:masterClrMapping/>
+  </p:clrMapOvr>
+</p:sld>
+</file>
+
+<file path=ppt/slides/slide7.xml><?xml version="1.0" encoding="utf-8"?>
+<p:sld xmlns:a="http://schemas.openxmlformats.org/drawingml/2006/main" xmlns:r="http://schemas.openxmlformats.org/officeDocument/2006/relationships" xmlns:p="http://schemas.openxmlformats.org/presentationml/2006/main">
+  <p:cSld>
+    <p:spTree>
+      <p:nvGrpSpPr>
+        <p:cNvPr id="1" name=""/>
+        <p:cNvGrpSpPr/>
+        <p:nvPr/>
+      </p:nvGrpSpPr>
+      <p:grpSpPr>
+        <a:xfrm>
+          <a:off x="0" y="0"/>
+          <a:ext cx="0" cy="0"/>
+          <a:chOff x="0" y="0"/>
+          <a:chExt cx="0" cy="0"/>
+        </a:xfrm>
+      </p:grpSpPr>
+      <p:sp>
+        <p:nvSpPr>
+          <p:cNvPr id="4098" name="タイトル 1"/>
+          <p:cNvSpPr>
+            <a:spLocks noGrp="1"/>
+          </p:cNvSpPr>
+          <p:nvPr>
+            <p:ph type="title" idx="4294967295"/>
+          </p:nvPr>
+        </p:nvSpPr>
+        <p:spPr>
+          <a:xfrm>
+            <a:off x="276894" y="273922"/>
+            <a:ext cx="8229600" cy="561975"/>
+          </a:xfrm>
+          <a:noFill/>
+          <a:ln>
+            <a:noFill/>
+          </a:ln>
+          <a:extLst>
+            <a:ext uri="{909E8E84-426E-40DD-AFC4-6F175D3DCCD1}">
+              <a14:hiddenFill xmlns:a14="http://schemas.microsoft.com/office/drawing/2010/main">
+                <a:solidFill>
+                  <a:srgbClr val="FFFFFF"/>
+                </a:solidFill>
+              </a14:hiddenFill>
+            </a:ext>
+            <a:ext uri="{91240B29-F687-4F45-9708-019B960494DF}">
+              <a14:hiddenLine xmlns:a14="http://schemas.microsoft.com/office/drawing/2010/main" w="9525">
+                <a:solidFill>
+                  <a:srgbClr val="000000"/>
+                </a:solidFill>
+                <a:miter lim="800000"/>
+                <a:headEnd/>
+                <a:tailEnd/>
+              </a14:hiddenLine>
+            </a:ext>
+          </a:extLst>
+        </p:spPr>
+        <p:txBody>
+          <a:bodyPr vert="horz" wrap="square" lIns="91440" tIns="45720" rIns="91440" bIns="45720" numCol="1" anchor="ctr" anchorCtr="0" compatLnSpc="1">
+            <a:prstTxWarp prst="textNoShape">
+              <a:avLst/>
+            </a:prstTxWarp>
+          </a:bodyPr>
+          <a:lstStyle/>
+          <a:p>
+            <a:pPr algn="l" eaLnBrk="1" latinLnBrk="1" hangingPunct="1">
+              <a:lnSpc>
+                <a:spcPct val="110000"/>
+              </a:lnSpc>
+              <a:spcBef>
+                <a:spcPct val="25000"/>
+              </a:spcBef>
+            </a:pPr>
+            <a:r>
+              <a:rPr lang="ja-JP" altLang="en-US" sz="2800" dirty="0">
+                <a:solidFill>
+                  <a:schemeClr val="tx2"/>
+                </a:solidFill>
+                <a:latin typeface="Meiryo UI" pitchFamily="50" charset="-128"/>
+                <a:ea typeface="Meiryo UI" pitchFamily="50" charset="-128"/>
+                <a:cs typeface="Meiryo UI" pitchFamily="50" charset="-128"/>
+              </a:rPr>
+              <a:t>６．パッケージのカスタマイズ</a:t>
+            </a:r>
+            <a:endParaRPr lang="ja-JP" altLang="en-US" sz="1600" dirty="0">
+              <a:solidFill>
+                <a:schemeClr val="tx2"/>
+              </a:solidFill>
+              <a:latin typeface="Meiryo UI" pitchFamily="50" charset="-128"/>
+              <a:ea typeface="Meiryo UI" pitchFamily="50" charset="-128"/>
+              <a:cs typeface="Meiryo UI" pitchFamily="50" charset="-128"/>
+            </a:endParaRPr>
+          </a:p>
+        </p:txBody>
+      </p:sp>
+      <p:sp>
+        <p:nvSpPr>
+          <p:cNvPr id="4099" name="スライド番号プレースホルダー 3"/>
+          <p:cNvSpPr txBox="1">
+            <a:spLocks/>
+          </p:cNvSpPr>
+          <p:nvPr/>
+        </p:nvSpPr>
+        <p:spPr bwMode="auto">
+          <a:xfrm>
+            <a:off x="6948488" y="6492875"/>
+            <a:ext cx="2133600" cy="365125"/>
+          </a:xfrm>
+          <a:prstGeom prst="rect">
+            <a:avLst/>
+          </a:prstGeom>
+          <a:noFill/>
+          <a:ln>
+            <a:noFill/>
+          </a:ln>
+          <a:extLst>
+            <a:ext uri="{909E8E84-426E-40DD-AFC4-6F175D3DCCD1}">
+              <a14:hiddenFill xmlns:a14="http://schemas.microsoft.com/office/drawing/2010/main">
+                <a:solidFill>
+                  <a:srgbClr val="FFFFFF"/>
+                </a:solidFill>
+              </a14:hiddenFill>
+            </a:ext>
+            <a:ext uri="{91240B29-F687-4F45-9708-019B960494DF}">
+              <a14:hiddenLine xmlns:a14="http://schemas.microsoft.com/office/drawing/2010/main" w="9525">
+                <a:solidFill>
+                  <a:srgbClr val="000000"/>
+                </a:solidFill>
+                <a:miter lim="800000"/>
+                <a:headEnd/>
+                <a:tailEnd/>
+              </a14:hiddenLine>
+            </a:ext>
+          </a:extLst>
+        </p:spPr>
+        <p:txBody>
+          <a:bodyPr anchor="ctr"/>
+          <a:lstStyle>
+            <a:lvl1pPr>
+              <a:spcBef>
+                <a:spcPct val="20000"/>
+              </a:spcBef>
+              <a:buFont typeface="Arial" charset="0"/>
+              <a:buChar char="•"/>
+              <a:defRPr kumimoji="1" sz="3200">
+                <a:solidFill>
+                  <a:schemeClr val="tx1"/>
+                </a:solidFill>
+                <a:latin typeface="Arial" charset="0"/>
+              </a:defRPr>
+            </a:lvl1pPr>
+            <a:lvl2pPr marL="742950" indent="-285750">
+              <a:spcBef>
+                <a:spcPct val="20000"/>
+              </a:spcBef>
+              <a:buFont typeface="Arial" charset="0"/>
+              <a:buChar char="–"/>
+              <a:defRPr kumimoji="1" sz="2800">
+                <a:solidFill>
+                  <a:schemeClr val="tx1"/>
+                </a:solidFill>
+                <a:latin typeface="Arial" charset="0"/>
+              </a:defRPr>
+            </a:lvl2pPr>
+            <a:lvl3pPr marL="1143000" indent="-228600">
+              <a:spcBef>
+                <a:spcPct val="20000"/>
+              </a:spcBef>
+              <a:buFont typeface="Arial" charset="0"/>
+              <a:buChar char="•"/>
+              <a:defRPr kumimoji="1" sz="2400">
+                <a:solidFill>
+                  <a:schemeClr val="tx1"/>
+                </a:solidFill>
+                <a:latin typeface="Arial" charset="0"/>
+              </a:defRPr>
+            </a:lvl3pPr>
+            <a:lvl4pPr marL="1600200" indent="-228600">
+              <a:spcBef>
+                <a:spcPct val="20000"/>
+              </a:spcBef>
+              <a:buFont typeface="Arial" charset="0"/>
+              <a:buChar char="–"/>
+              <a:defRPr kumimoji="1" sz="2000">
+                <a:solidFill>
+                  <a:schemeClr val="tx1"/>
+                </a:solidFill>
+                <a:latin typeface="Arial" charset="0"/>
+              </a:defRPr>
+            </a:lvl4pPr>
+            <a:lvl5pPr marL="2057400" indent="-228600">
+              <a:spcBef>
+                <a:spcPct val="20000"/>
+              </a:spcBef>
+              <a:buFont typeface="Arial" charset="0"/>
+              <a:buChar char="»"/>
+              <a:defRPr kumimoji="1" sz="2000">
+                <a:solidFill>
+                  <a:schemeClr val="tx1"/>
+                </a:solidFill>
+                <a:latin typeface="Arial" charset="0"/>
+              </a:defRPr>
+            </a:lvl5pPr>
+            <a:lvl6pPr marL="2514600" indent="-228600" eaLnBrk="0" fontAlgn="base" hangingPunct="0">
+              <a:spcBef>
+                <a:spcPct val="20000"/>
+              </a:spcBef>
+              <a:spcAft>
+                <a:spcPct val="0"/>
+              </a:spcAft>
+              <a:buFont typeface="Arial" charset="0"/>
+              <a:buChar char="»"/>
+              <a:defRPr kumimoji="1" sz="2000">
+                <a:solidFill>
+                  <a:schemeClr val="tx1"/>
+                </a:solidFill>
+                <a:latin typeface="Arial" charset="0"/>
+              </a:defRPr>
+            </a:lvl6pPr>
+            <a:lvl7pPr marL="2971800" indent="-228600" eaLnBrk="0" fontAlgn="base" hangingPunct="0">
+              <a:spcBef>
+                <a:spcPct val="20000"/>
+              </a:spcBef>
+              <a:spcAft>
+                <a:spcPct val="0"/>
+              </a:spcAft>
+              <a:buFont typeface="Arial" charset="0"/>
+              <a:buChar char="»"/>
+              <a:defRPr kumimoji="1" sz="2000">
+                <a:solidFill>
+                  <a:schemeClr val="tx1"/>
+                </a:solidFill>
+                <a:latin typeface="Arial" charset="0"/>
+              </a:defRPr>
+            </a:lvl7pPr>
+            <a:lvl8pPr marL="3429000" indent="-228600" eaLnBrk="0" fontAlgn="base" hangingPunct="0">
+              <a:spcBef>
+                <a:spcPct val="20000"/>
+              </a:spcBef>
+              <a:spcAft>
+                <a:spcPct val="0"/>
+              </a:spcAft>
+              <a:buFont typeface="Arial" charset="0"/>
+              <a:buChar char="»"/>
+              <a:defRPr kumimoji="1" sz="2000">
+                <a:solidFill>
+                  <a:schemeClr val="tx1"/>
+                </a:solidFill>
+                <a:latin typeface="Arial" charset="0"/>
+              </a:defRPr>
+            </a:lvl8pPr>
+            <a:lvl9pPr marL="3886200" indent="-228600" eaLnBrk="0" fontAlgn="base" hangingPunct="0">
+              <a:spcBef>
+                <a:spcPct val="20000"/>
+              </a:spcBef>
+              <a:spcAft>
+                <a:spcPct val="0"/>
+              </a:spcAft>
+              <a:buFont typeface="Arial" charset="0"/>
+              <a:buChar char="»"/>
+              <a:defRPr kumimoji="1" sz="2000">
+                <a:solidFill>
+                  <a:schemeClr val="tx1"/>
+                </a:solidFill>
+                <a:latin typeface="Arial" charset="0"/>
+              </a:defRPr>
+            </a:lvl9pPr>
+          </a:lstStyle>
+          <a:p>
+            <a:pPr algn="r" eaLnBrk="1" hangingPunct="1">
+              <a:spcBef>
+                <a:spcPct val="0"/>
+              </a:spcBef>
+              <a:buFontTx/>
+              <a:buNone/>
+            </a:pPr>
+            <a:fld id="{E58FAC8A-E6DC-4B55-B38E-E698B51BB229}" type="slidenum">
+              <a:rPr lang="ja-JP" altLang="en-US" sz="1200">
+                <a:solidFill>
+                  <a:srgbClr val="898989"/>
+                </a:solidFill>
+                <a:latin typeface="Meiryo UI" pitchFamily="50" charset="-128"/>
+                <a:ea typeface="Meiryo UI" pitchFamily="50" charset="-128"/>
+                <a:cs typeface="Meiryo UI" pitchFamily="50" charset="-128"/>
+              </a:rPr>
+              <a:pPr algn="r" eaLnBrk="1" hangingPunct="1">
+                <a:spcBef>
+                  <a:spcPct val="0"/>
+                </a:spcBef>
+                <a:buFontTx/>
+                <a:buNone/>
+              </a:pPr>
+              <a:t>6</a:t>
+            </a:fld>
+            <a:endParaRPr lang="en-US" altLang="ja-JP" sz="1200">
+              <a:solidFill>
+                <a:srgbClr val="898989"/>
+              </a:solidFill>
+              <a:latin typeface="Meiryo UI" pitchFamily="50" charset="-128"/>
+              <a:ea typeface="Meiryo UI" pitchFamily="50" charset="-128"/>
+              <a:cs typeface="Meiryo UI" pitchFamily="50" charset="-128"/>
+            </a:endParaRPr>
+          </a:p>
+        </p:txBody>
+      </p:sp>
+      <p:sp>
+        <p:nvSpPr>
+          <p:cNvPr id="3" name="AutoShape 6" descr="「我反正信了。」の画像検索結果"/>
+          <p:cNvSpPr>
+            <a:spLocks noChangeAspect="1" noChangeArrowheads="1"/>
+          </p:cNvSpPr>
+          <p:nvPr/>
+        </p:nvSpPr>
+        <p:spPr bwMode="auto">
+          <a:xfrm>
+            <a:off x="155575" y="-144463"/>
+            <a:ext cx="304800" cy="304801"/>
+          </a:xfrm>
+          <a:prstGeom prst="rect">
+            <a:avLst/>
+          </a:prstGeom>
+          <a:noFill/>
+          <a:extLst>
+            <a:ext uri="{909E8E84-426E-40DD-AFC4-6F175D3DCCD1}">
+              <a14:hiddenFill xmlns:a14="http://schemas.microsoft.com/office/drawing/2010/main">
+                <a:solidFill>
+                  <a:srgbClr val="FFFFFF"/>
+                </a:solidFill>
+              </a14:hiddenFill>
+            </a:ext>
+          </a:extLst>
+        </p:spPr>
+        <p:txBody>
+          <a:bodyPr vert="horz" wrap="square" lIns="91440" tIns="45720" rIns="91440" bIns="45720" numCol="1" anchor="t" anchorCtr="0" compatLnSpc="1">
+            <a:prstTxWarp prst="textNoShape">
+              <a:avLst/>
+            </a:prstTxWarp>
+          </a:bodyPr>
+          <a:lstStyle/>
+          <a:p>
+            <a:endParaRPr lang="ja-JP" altLang="en-US"/>
+          </a:p>
+        </p:txBody>
+      </p:sp>
+      <p:sp>
+        <p:nvSpPr>
+          <p:cNvPr id="2" name="テキスト ボックス 1">
+            <a:extLst>
+              <a:ext uri="{FF2B5EF4-FFF2-40B4-BE49-F238E27FC236}">
+                <a16:creationId xmlns:a16="http://schemas.microsoft.com/office/drawing/2014/main" id="{F3BBDA3D-26F4-4E20-BF3A-40B3A36AC675}"/>
+              </a:ext>
+            </a:extLst>
+          </p:cNvPr>
+          <p:cNvSpPr txBox="1"/>
+          <p:nvPr/>
+        </p:nvSpPr>
+        <p:spPr>
+          <a:xfrm>
+            <a:off x="219744" y="985366"/>
+            <a:ext cx="8573192" cy="523220"/>
+          </a:xfrm>
+          <a:prstGeom prst="rect">
+            <a:avLst/>
+          </a:prstGeom>
+          <a:noFill/>
+        </p:spPr>
+        <p:txBody>
+          <a:bodyPr wrap="square" rtlCol="0">
+            <a:spAutoFit/>
+          </a:bodyPr>
+          <a:lstStyle/>
+          <a:p>
+            <a:r>
+              <a:rPr lang="ja-JP" altLang="en-US" sz="1400" dirty="0">
+                <a:latin typeface="Meiryo UI" panose="020B0604030504040204" pitchFamily="50" charset="-128"/>
+                <a:ea typeface="Meiryo UI" panose="020B0604030504040204" pitchFamily="50" charset="-128"/>
+              </a:rPr>
+              <a:t>パッケージのカスタイマイズは、画面</a:t>
+            </a:r>
+            <a:r>
+              <a:rPr lang="en-US" altLang="ja-JP" sz="1400" dirty="0">
+                <a:latin typeface="Meiryo UI" panose="020B0604030504040204" pitchFamily="50" charset="-128"/>
+                <a:ea typeface="Meiryo UI" panose="020B0604030504040204" pitchFamily="50" charset="-128"/>
+              </a:rPr>
+              <a:t>JSP</a:t>
+            </a:r>
+            <a:r>
+              <a:rPr lang="ja-JP" altLang="en-US" sz="1400" dirty="0" err="1">
+                <a:latin typeface="Meiryo UI" panose="020B0604030504040204" pitchFamily="50" charset="-128"/>
+                <a:ea typeface="Meiryo UI" panose="020B0604030504040204" pitchFamily="50" charset="-128"/>
+              </a:rPr>
+              <a:t>、</a:t>
+            </a:r>
+            <a:r>
+              <a:rPr lang="ja-JP" altLang="en-US" sz="1400" dirty="0">
+                <a:latin typeface="Meiryo UI" panose="020B0604030504040204" pitchFamily="50" charset="-128"/>
+                <a:ea typeface="Meiryo UI" panose="020B0604030504040204" pitchFamily="50" charset="-128"/>
+              </a:rPr>
+              <a:t>イベント</a:t>
+            </a:r>
+            <a:r>
+              <a:rPr lang="en-US" altLang="ja-JP" sz="1400" dirty="0">
+                <a:latin typeface="Meiryo UI" panose="020B0604030504040204" pitchFamily="50" charset="-128"/>
+                <a:ea typeface="Meiryo UI" panose="020B0604030504040204" pitchFamily="50" charset="-128"/>
+              </a:rPr>
+              <a:t>JS</a:t>
+            </a:r>
+            <a:r>
+              <a:rPr lang="ja-JP" altLang="en-US" sz="1400" dirty="0" err="1">
+                <a:latin typeface="Meiryo UI" panose="020B0604030504040204" pitchFamily="50" charset="-128"/>
+                <a:ea typeface="Meiryo UI" panose="020B0604030504040204" pitchFamily="50" charset="-128"/>
+              </a:rPr>
+              <a:t>、</a:t>
+            </a:r>
+            <a:r>
+              <a:rPr lang="ja-JP" altLang="en-US" sz="1400" dirty="0">
+                <a:latin typeface="Meiryo UI" panose="020B0604030504040204" pitchFamily="50" charset="-128"/>
+                <a:ea typeface="Meiryo UI" panose="020B0604030504040204" pitchFamily="50" charset="-128"/>
+              </a:rPr>
+              <a:t>および外部</a:t>
+            </a:r>
+            <a:r>
+              <a:rPr lang="en-US" altLang="ja-JP" sz="1400" dirty="0">
+                <a:latin typeface="Meiryo UI" panose="020B0604030504040204" pitchFamily="50" charset="-128"/>
+                <a:ea typeface="Meiryo UI" panose="020B0604030504040204" pitchFamily="50" charset="-128"/>
+              </a:rPr>
+              <a:t>SQL</a:t>
+            </a:r>
+            <a:r>
+              <a:rPr lang="ja-JP" altLang="en-US" sz="1400" dirty="0">
+                <a:latin typeface="Meiryo UI" panose="020B0604030504040204" pitchFamily="50" charset="-128"/>
+                <a:ea typeface="Meiryo UI" panose="020B0604030504040204" pitchFamily="50" charset="-128"/>
+              </a:rPr>
+              <a:t>の</a:t>
+            </a:r>
+            <a:r>
+              <a:rPr lang="en-US" altLang="ja-JP" sz="1400" dirty="0">
+                <a:latin typeface="Meiryo UI" panose="020B0604030504040204" pitchFamily="50" charset="-128"/>
+                <a:ea typeface="Meiryo UI" panose="020B0604030504040204" pitchFamily="50" charset="-128"/>
+              </a:rPr>
+              <a:t>XML</a:t>
+            </a:r>
+            <a:r>
+              <a:rPr lang="ja-JP" altLang="en-US" sz="1400" dirty="0">
+                <a:latin typeface="Meiryo UI" panose="020B0604030504040204" pitchFamily="50" charset="-128"/>
+                <a:ea typeface="Meiryo UI" panose="020B0604030504040204" pitchFamily="50" charset="-128"/>
+              </a:rPr>
+              <a:t>ファイルの修正です。パッケージ版とお客様専用ファイルをしっかり分けたいです。</a:t>
+            </a:r>
+            <a:endParaRPr lang="en-US" altLang="ja-JP" sz="1400" dirty="0">
+              <a:latin typeface="Meiryo UI" panose="020B0604030504040204" pitchFamily="50" charset="-128"/>
+              <a:ea typeface="Meiryo UI" panose="020B0604030504040204" pitchFamily="50" charset="-128"/>
+            </a:endParaRPr>
+          </a:p>
+        </p:txBody>
+      </p:sp>
+      <p:sp>
+        <p:nvSpPr>
+          <p:cNvPr id="10" name="正方形/長方形 9">
+            <a:extLst>
+              <a:ext uri="{FF2B5EF4-FFF2-40B4-BE49-F238E27FC236}">
+                <a16:creationId xmlns:a16="http://schemas.microsoft.com/office/drawing/2014/main" id="{9E9E3B3D-DD30-4B05-B9B2-384A50A17646}"/>
+              </a:ext>
+            </a:extLst>
+          </p:cNvPr>
+          <p:cNvSpPr/>
+          <p:nvPr/>
+        </p:nvSpPr>
+        <p:spPr>
+          <a:xfrm>
+            <a:off x="3144157" y="1646937"/>
+            <a:ext cx="3142343" cy="5028500"/>
+          </a:xfrm>
+          <a:prstGeom prst="rect">
+            <a:avLst/>
+          </a:prstGeom>
+          <a:ln/>
+        </p:spPr>
+        <p:style>
+          <a:lnRef idx="3">
+            <a:schemeClr val="lt1"/>
+          </a:lnRef>
+          <a:fillRef idx="1">
+            <a:schemeClr val="accent5"/>
+          </a:fillRef>
+          <a:effectRef idx="1">
+            <a:schemeClr val="accent5"/>
+          </a:effectRef>
+          <a:fontRef idx="minor">
+            <a:schemeClr val="lt1"/>
+          </a:fontRef>
+        </p:style>
+        <p:txBody>
+          <a:bodyPr rtlCol="0" anchor="t" anchorCtr="0"/>
+          <a:lstStyle/>
+          <a:p>
+            <a:r>
+              <a:rPr lang="en-US" altLang="ja-JP" sz="1400" dirty="0" err="1">
+                <a:solidFill>
+                  <a:schemeClr val="bg1"/>
+                </a:solidFill>
+                <a:latin typeface="Meiryo UI" panose="020B0604030504040204" pitchFamily="50" charset="-128"/>
+                <a:ea typeface="Meiryo UI" panose="020B0604030504040204" pitchFamily="50" charset="-128"/>
+                <a:cs typeface="Meiryo UI" panose="020B0604030504040204" pitchFamily="50" charset="-128"/>
+              </a:rPr>
+              <a:t>myPkg</a:t>
+            </a:r>
+            <a:r>
+              <a:rPr lang="ja-JP" altLang="en-US" sz="1400" dirty="0">
+                <a:solidFill>
+                  <a:schemeClr val="bg1"/>
+                </a:solidFill>
+                <a:latin typeface="Meiryo UI" panose="020B0604030504040204" pitchFamily="50" charset="-128"/>
+                <a:ea typeface="Meiryo UI" panose="020B0604030504040204" pitchFamily="50" charset="-128"/>
+                <a:cs typeface="Meiryo UI" panose="020B0604030504040204" pitchFamily="50" charset="-128"/>
+              </a:rPr>
+              <a:t>（カスタマイズ）</a:t>
+            </a:r>
+            <a:endParaRPr lang="en-US" altLang="ja-JP" sz="1400" dirty="0">
+              <a:solidFill>
+                <a:schemeClr val="bg1"/>
+              </a:solidFill>
+              <a:latin typeface="Meiryo UI" panose="020B0604030504040204" pitchFamily="50" charset="-128"/>
+              <a:ea typeface="Meiryo UI" panose="020B0604030504040204" pitchFamily="50" charset="-128"/>
+              <a:cs typeface="Meiryo UI" panose="020B0604030504040204" pitchFamily="50" charset="-128"/>
+            </a:endParaRPr>
+          </a:p>
+          <a:p>
+            <a:r>
+              <a:rPr lang="en-US" altLang="ja-JP" sz="1400" dirty="0">
+                <a:solidFill>
+                  <a:srgbClr val="FF0000"/>
+                </a:solidFill>
+                <a:latin typeface="Meiryo UI" panose="020B0604030504040204" pitchFamily="50" charset="-128"/>
+                <a:ea typeface="Meiryo UI" panose="020B0604030504040204" pitchFamily="50" charset="-128"/>
+                <a:cs typeface="Meiryo UI" panose="020B0604030504040204" pitchFamily="50" charset="-128"/>
+              </a:rPr>
+              <a:t>│  </a:t>
+            </a:r>
+            <a:r>
+              <a:rPr lang="en-US" altLang="ja-JP" sz="1400" dirty="0" err="1">
+                <a:solidFill>
+                  <a:srgbClr val="FF0000"/>
+                </a:solidFill>
+                <a:latin typeface="Meiryo UI" panose="020B0604030504040204" pitchFamily="50" charset="-128"/>
+                <a:ea typeface="Meiryo UI" panose="020B0604030504040204" pitchFamily="50" charset="-128"/>
+                <a:cs typeface="Meiryo UI" panose="020B0604030504040204" pitchFamily="50" charset="-128"/>
+              </a:rPr>
+              <a:t>InputTest.jsp</a:t>
+            </a:r>
+            <a:endParaRPr lang="en-US" altLang="ja-JP" sz="1400" dirty="0">
+              <a:solidFill>
+                <a:srgbClr val="FF0000"/>
+              </a:solidFill>
+              <a:latin typeface="Meiryo UI" panose="020B0604030504040204" pitchFamily="50" charset="-128"/>
+              <a:ea typeface="Meiryo UI" panose="020B0604030504040204" pitchFamily="50" charset="-128"/>
+              <a:cs typeface="Meiryo UI" panose="020B0604030504040204" pitchFamily="50" charset="-128"/>
+            </a:endParaRPr>
+          </a:p>
+          <a:p>
+            <a:r>
+              <a:rPr lang="en-US" altLang="ja-JP" sz="1400" dirty="0">
+                <a:solidFill>
+                  <a:schemeClr val="bg1"/>
+                </a:solidFill>
+                <a:latin typeface="Meiryo UI" panose="020B0604030504040204" pitchFamily="50" charset="-128"/>
+                <a:ea typeface="Meiryo UI" panose="020B0604030504040204" pitchFamily="50" charset="-128"/>
+                <a:cs typeface="Meiryo UI" panose="020B0604030504040204" pitchFamily="50" charset="-128"/>
+              </a:rPr>
+              <a:t>├─META-INF</a:t>
+            </a:r>
+          </a:p>
+          <a:p>
+            <a:r>
+              <a:rPr lang="en-US" altLang="ja-JP" sz="1400" dirty="0">
+                <a:solidFill>
+                  <a:schemeClr val="bg1"/>
+                </a:solidFill>
+                <a:latin typeface="Meiryo UI" panose="020B0604030504040204" pitchFamily="50" charset="-128"/>
+                <a:ea typeface="Meiryo UI" panose="020B0604030504040204" pitchFamily="50" charset="-128"/>
+                <a:cs typeface="Meiryo UI" panose="020B0604030504040204" pitchFamily="50" charset="-128"/>
+              </a:rPr>
+              <a:t>│      </a:t>
+            </a:r>
+            <a:r>
+              <a:rPr lang="en-US" altLang="ja-JP" sz="1400" dirty="0">
+                <a:solidFill>
+                  <a:srgbClr val="FFC000"/>
+                </a:solidFill>
+                <a:latin typeface="Meiryo UI" panose="020B0604030504040204" pitchFamily="50" charset="-128"/>
+                <a:ea typeface="Meiryo UI" panose="020B0604030504040204" pitchFamily="50" charset="-128"/>
+                <a:cs typeface="Meiryo UI" panose="020B0604030504040204" pitchFamily="50" charset="-128"/>
+              </a:rPr>
+              <a:t>context.xml</a:t>
+            </a:r>
+          </a:p>
+          <a:p>
+            <a:r>
+              <a:rPr lang="en-US" altLang="ja-JP" sz="1400" dirty="0">
+                <a:solidFill>
+                  <a:schemeClr val="bg1"/>
+                </a:solidFill>
+                <a:latin typeface="Meiryo UI" panose="020B0604030504040204" pitchFamily="50" charset="-128"/>
+                <a:ea typeface="Meiryo UI" panose="020B0604030504040204" pitchFamily="50" charset="-128"/>
+                <a:cs typeface="Meiryo UI" panose="020B0604030504040204" pitchFamily="50" charset="-128"/>
+              </a:rPr>
+              <a:t>└─WEB-INF</a:t>
+            </a:r>
+          </a:p>
+          <a:p>
+            <a:r>
+              <a:rPr lang="en-US" altLang="ja-JP" sz="1400" dirty="0">
+                <a:solidFill>
+                  <a:schemeClr val="bg1"/>
+                </a:solidFill>
+                <a:latin typeface="Meiryo UI" panose="020B0604030504040204" pitchFamily="50" charset="-128"/>
+                <a:ea typeface="Meiryo UI" panose="020B0604030504040204" pitchFamily="50" charset="-128"/>
+                <a:cs typeface="Meiryo UI" panose="020B0604030504040204" pitchFamily="50" charset="-128"/>
+              </a:rPr>
+              <a:t>    ├─classes</a:t>
+            </a:r>
+          </a:p>
+          <a:p>
+            <a:r>
+              <a:rPr lang="en-US" altLang="ja-JP" sz="1400" dirty="0">
+                <a:solidFill>
+                  <a:schemeClr val="bg1"/>
+                </a:solidFill>
+                <a:latin typeface="Meiryo UI" panose="020B0604030504040204" pitchFamily="50" charset="-128"/>
+                <a:ea typeface="Meiryo UI" panose="020B0604030504040204" pitchFamily="50" charset="-128"/>
+                <a:cs typeface="Meiryo UI" panose="020B0604030504040204" pitchFamily="50" charset="-128"/>
+              </a:rPr>
+              <a:t>    │      </a:t>
+            </a:r>
+            <a:r>
+              <a:rPr lang="en-US" altLang="ja-JP" sz="1400" dirty="0" err="1">
+                <a:solidFill>
+                  <a:srgbClr val="FFC000"/>
+                </a:solidFill>
+                <a:latin typeface="Meiryo UI" panose="020B0604030504040204" pitchFamily="50" charset="-128"/>
+                <a:ea typeface="Meiryo UI" panose="020B0604030504040204" pitchFamily="50" charset="-128"/>
+                <a:cs typeface="Meiryo UI" panose="020B0604030504040204" pitchFamily="50" charset="-128"/>
+              </a:rPr>
+              <a:t>batch.properties</a:t>
+            </a:r>
+            <a:endParaRPr lang="en-US" altLang="ja-JP" sz="1400" dirty="0">
+              <a:solidFill>
+                <a:srgbClr val="FFC000"/>
+              </a:solidFill>
+              <a:latin typeface="Meiryo UI" panose="020B0604030504040204" pitchFamily="50" charset="-128"/>
+              <a:ea typeface="Meiryo UI" panose="020B0604030504040204" pitchFamily="50" charset="-128"/>
+              <a:cs typeface="Meiryo UI" panose="020B0604030504040204" pitchFamily="50" charset="-128"/>
+            </a:endParaRPr>
+          </a:p>
+          <a:p>
+            <a:r>
+              <a:rPr lang="en-US" altLang="ja-JP" sz="1400" dirty="0">
+                <a:solidFill>
+                  <a:schemeClr val="bg1"/>
+                </a:solidFill>
+                <a:latin typeface="Meiryo UI" panose="020B0604030504040204" pitchFamily="50" charset="-128"/>
+                <a:ea typeface="Meiryo UI" panose="020B0604030504040204" pitchFamily="50" charset="-128"/>
+                <a:cs typeface="Meiryo UI" panose="020B0604030504040204" pitchFamily="50" charset="-128"/>
+              </a:rPr>
+              <a:t>    │      </a:t>
+            </a:r>
+            <a:r>
+              <a:rPr lang="en-US" altLang="ja-JP" sz="1400" dirty="0" err="1">
+                <a:solidFill>
+                  <a:srgbClr val="FFC000"/>
+                </a:solidFill>
+                <a:latin typeface="Meiryo UI" panose="020B0604030504040204" pitchFamily="50" charset="-128"/>
+                <a:ea typeface="Meiryo UI" panose="020B0604030504040204" pitchFamily="50" charset="-128"/>
+                <a:cs typeface="Meiryo UI" panose="020B0604030504040204" pitchFamily="50" charset="-128"/>
+              </a:rPr>
+              <a:t>efw.properties</a:t>
+            </a:r>
+            <a:endParaRPr lang="en-US" altLang="ja-JP" sz="1400" dirty="0">
+              <a:solidFill>
+                <a:srgbClr val="FFC000"/>
+              </a:solidFill>
+              <a:latin typeface="Meiryo UI" panose="020B0604030504040204" pitchFamily="50" charset="-128"/>
+              <a:ea typeface="Meiryo UI" panose="020B0604030504040204" pitchFamily="50" charset="-128"/>
+              <a:cs typeface="Meiryo UI" panose="020B0604030504040204" pitchFamily="50" charset="-128"/>
+            </a:endParaRPr>
+          </a:p>
+          <a:p>
+            <a:r>
+              <a:rPr lang="en-US" altLang="ja-JP" sz="1400" dirty="0">
+                <a:solidFill>
+                  <a:schemeClr val="bg1"/>
+                </a:solidFill>
+                <a:latin typeface="Meiryo UI" panose="020B0604030504040204" pitchFamily="50" charset="-128"/>
+                <a:ea typeface="Meiryo UI" panose="020B0604030504040204" pitchFamily="50" charset="-128"/>
+                <a:cs typeface="Meiryo UI" panose="020B0604030504040204" pitchFamily="50" charset="-128"/>
+              </a:rPr>
+              <a:t>    ├─</a:t>
+            </a:r>
+            <a:r>
+              <a:rPr lang="en-US" altLang="ja-JP" sz="1400" dirty="0" err="1">
+                <a:solidFill>
+                  <a:schemeClr val="bg1"/>
+                </a:solidFill>
+                <a:latin typeface="Meiryo UI" panose="020B0604030504040204" pitchFamily="50" charset="-128"/>
+                <a:ea typeface="Meiryo UI" panose="020B0604030504040204" pitchFamily="50" charset="-128"/>
+                <a:cs typeface="Meiryo UI" panose="020B0604030504040204" pitchFamily="50" charset="-128"/>
+              </a:rPr>
+              <a:t>efw</a:t>
+            </a:r>
+            <a:endParaRPr lang="en-US" altLang="ja-JP" sz="1400" dirty="0">
+              <a:solidFill>
+                <a:schemeClr val="bg1"/>
+              </a:solidFill>
+              <a:latin typeface="Meiryo UI" panose="020B0604030504040204" pitchFamily="50" charset="-128"/>
+              <a:ea typeface="Meiryo UI" panose="020B0604030504040204" pitchFamily="50" charset="-128"/>
+              <a:cs typeface="Meiryo UI" panose="020B0604030504040204" pitchFamily="50" charset="-128"/>
+            </a:endParaRPr>
+          </a:p>
+          <a:p>
+            <a:r>
+              <a:rPr lang="en-US" altLang="ja-JP" sz="1400" dirty="0">
+                <a:solidFill>
+                  <a:schemeClr val="bg1"/>
+                </a:solidFill>
+                <a:latin typeface="Meiryo UI" panose="020B0604030504040204" pitchFamily="50" charset="-128"/>
+                <a:ea typeface="Meiryo UI" panose="020B0604030504040204" pitchFamily="50" charset="-128"/>
+                <a:cs typeface="Meiryo UI" panose="020B0604030504040204" pitchFamily="50" charset="-128"/>
+              </a:rPr>
+              <a:t>    │  ├─batch</a:t>
+            </a:r>
+          </a:p>
+          <a:p>
+            <a:r>
+              <a:rPr lang="en-US" altLang="ja-JP" sz="1400" dirty="0">
+                <a:solidFill>
+                  <a:schemeClr val="bg1"/>
+                </a:solidFill>
+                <a:latin typeface="Meiryo UI" panose="020B0604030504040204" pitchFamily="50" charset="-128"/>
+                <a:ea typeface="Meiryo UI" panose="020B0604030504040204" pitchFamily="50" charset="-128"/>
+                <a:cs typeface="Meiryo UI" panose="020B0604030504040204" pitchFamily="50" charset="-128"/>
+              </a:rPr>
+              <a:t>    │  │      </a:t>
+            </a:r>
+            <a:r>
+              <a:rPr lang="en-US" altLang="ja-JP" sz="1400" dirty="0">
+                <a:solidFill>
+                  <a:srgbClr val="FFC000"/>
+                </a:solidFill>
+                <a:latin typeface="Meiryo UI" panose="020B0604030504040204" pitchFamily="50" charset="-128"/>
+                <a:ea typeface="Meiryo UI" panose="020B0604030504040204" pitchFamily="50" charset="-128"/>
+                <a:cs typeface="Meiryo UI" panose="020B0604030504040204" pitchFamily="50" charset="-128"/>
+              </a:rPr>
+              <a:t>helloBatch.bat</a:t>
+            </a:r>
+          </a:p>
+          <a:p>
+            <a:r>
+              <a:rPr lang="en-US" altLang="ja-JP" sz="1400" dirty="0">
+                <a:solidFill>
+                  <a:schemeClr val="bg1"/>
+                </a:solidFill>
+                <a:latin typeface="Meiryo UI" panose="020B0604030504040204" pitchFamily="50" charset="-128"/>
+                <a:ea typeface="Meiryo UI" panose="020B0604030504040204" pitchFamily="50" charset="-128"/>
+                <a:cs typeface="Meiryo UI" panose="020B0604030504040204" pitchFamily="50" charset="-128"/>
+              </a:rPr>
+              <a:t>    │  ├─event</a:t>
+            </a:r>
+          </a:p>
+          <a:p>
+            <a:r>
+              <a:rPr lang="en-US" altLang="ja-JP" sz="1400" dirty="0">
+                <a:solidFill>
+                  <a:srgbClr val="FF0000"/>
+                </a:solidFill>
+                <a:latin typeface="Meiryo UI" panose="020B0604030504040204" pitchFamily="50" charset="-128"/>
+                <a:ea typeface="Meiryo UI" panose="020B0604030504040204" pitchFamily="50" charset="-128"/>
+                <a:cs typeface="Meiryo UI" panose="020B0604030504040204" pitchFamily="50" charset="-128"/>
+              </a:rPr>
+              <a:t> </a:t>
+            </a:r>
+            <a:r>
+              <a:rPr lang="ja-JP" altLang="en-US" sz="1400" dirty="0">
+                <a:solidFill>
+                  <a:srgbClr val="FF0000"/>
+                </a:solidFill>
+                <a:latin typeface="Meiryo UI" panose="020B0604030504040204" pitchFamily="50" charset="-128"/>
+                <a:ea typeface="Meiryo UI" panose="020B0604030504040204" pitchFamily="50" charset="-128"/>
+                <a:cs typeface="Meiryo UI" panose="020B0604030504040204" pitchFamily="50" charset="-128"/>
+              </a:rPr>
+              <a:t>   </a:t>
+            </a:r>
+            <a:r>
+              <a:rPr lang="en-US" altLang="ja-JP" sz="1400" dirty="0">
+                <a:solidFill>
+                  <a:srgbClr val="FF0000"/>
+                </a:solidFill>
+                <a:latin typeface="Meiryo UI" panose="020B0604030504040204" pitchFamily="50" charset="-128"/>
+                <a:ea typeface="Meiryo UI" panose="020B0604030504040204" pitchFamily="50" charset="-128"/>
+                <a:cs typeface="Meiryo UI" panose="020B0604030504040204" pitchFamily="50" charset="-128"/>
+              </a:rPr>
+              <a:t>│  │      helloBatch.js</a:t>
+            </a:r>
+          </a:p>
+          <a:p>
+            <a:r>
+              <a:rPr lang="en-US" altLang="ja-JP" sz="1400" dirty="0">
+                <a:solidFill>
+                  <a:srgbClr val="FF0000"/>
+                </a:solidFill>
+                <a:latin typeface="Meiryo UI" panose="020B0604030504040204" pitchFamily="50" charset="-128"/>
+                <a:ea typeface="Meiryo UI" panose="020B0604030504040204" pitchFamily="50" charset="-128"/>
+                <a:cs typeface="Meiryo UI" panose="020B0604030504040204" pitchFamily="50" charset="-128"/>
+              </a:rPr>
+              <a:t>    │  │      InputTest_submit.js</a:t>
+            </a:r>
+          </a:p>
+          <a:p>
+            <a:r>
+              <a:rPr lang="en-US" altLang="ja-JP" sz="1400" dirty="0">
+                <a:solidFill>
+                  <a:schemeClr val="bg1"/>
+                </a:solidFill>
+                <a:latin typeface="Meiryo UI" panose="020B0604030504040204" pitchFamily="50" charset="-128"/>
+                <a:ea typeface="Meiryo UI" panose="020B0604030504040204" pitchFamily="50" charset="-128"/>
+                <a:cs typeface="Meiryo UI" panose="020B0604030504040204" pitchFamily="50" charset="-128"/>
+              </a:rPr>
+              <a:t>    │  ├─mail</a:t>
+            </a:r>
+          </a:p>
+          <a:p>
+            <a:r>
+              <a:rPr lang="en-US" altLang="ja-JP" sz="1400" dirty="0">
+                <a:solidFill>
+                  <a:schemeClr val="bg1"/>
+                </a:solidFill>
+                <a:latin typeface="Meiryo UI" panose="020B0604030504040204" pitchFamily="50" charset="-128"/>
+                <a:ea typeface="Meiryo UI" panose="020B0604030504040204" pitchFamily="50" charset="-128"/>
+                <a:cs typeface="Meiryo UI" panose="020B0604030504040204" pitchFamily="50" charset="-128"/>
+              </a:rPr>
+              <a:t>    │  │      mails.xml</a:t>
+            </a:r>
+          </a:p>
+          <a:p>
+            <a:r>
+              <a:rPr lang="en-US" altLang="ja-JP" sz="1400" dirty="0">
+                <a:solidFill>
+                  <a:schemeClr val="bg1"/>
+                </a:solidFill>
+                <a:latin typeface="Meiryo UI" panose="020B0604030504040204" pitchFamily="50" charset="-128"/>
+                <a:ea typeface="Meiryo UI" panose="020B0604030504040204" pitchFamily="50" charset="-128"/>
+                <a:cs typeface="Meiryo UI" panose="020B0604030504040204" pitchFamily="50" charset="-128"/>
+              </a:rPr>
+              <a:t>    │  └─</a:t>
+            </a:r>
+            <a:r>
+              <a:rPr lang="en-US" altLang="ja-JP" sz="1400" dirty="0" err="1">
+                <a:solidFill>
+                  <a:schemeClr val="bg1"/>
+                </a:solidFill>
+                <a:latin typeface="Meiryo UI" panose="020B0604030504040204" pitchFamily="50" charset="-128"/>
+                <a:ea typeface="Meiryo UI" panose="020B0604030504040204" pitchFamily="50" charset="-128"/>
+                <a:cs typeface="Meiryo UI" panose="020B0604030504040204" pitchFamily="50" charset="-128"/>
+              </a:rPr>
+              <a:t>sql</a:t>
+            </a:r>
+            <a:endParaRPr lang="en-US" altLang="ja-JP" sz="1400" dirty="0">
+              <a:solidFill>
+                <a:schemeClr val="bg1"/>
+              </a:solidFill>
+              <a:latin typeface="Meiryo UI" panose="020B0604030504040204" pitchFamily="50" charset="-128"/>
+              <a:ea typeface="Meiryo UI" panose="020B0604030504040204" pitchFamily="50" charset="-128"/>
+              <a:cs typeface="Meiryo UI" panose="020B0604030504040204" pitchFamily="50" charset="-128"/>
+            </a:endParaRPr>
+          </a:p>
+          <a:p>
+            <a:r>
+              <a:rPr lang="en-US" altLang="ja-JP" sz="1400" dirty="0">
+                <a:solidFill>
+                  <a:srgbClr val="FF0000"/>
+                </a:solidFill>
+                <a:latin typeface="Meiryo UI" panose="020B0604030504040204" pitchFamily="50" charset="-128"/>
+                <a:ea typeface="Meiryo UI" panose="020B0604030504040204" pitchFamily="50" charset="-128"/>
+                <a:cs typeface="Meiryo UI" panose="020B0604030504040204" pitchFamily="50" charset="-128"/>
+              </a:rPr>
+              <a:t>    │          helloDB1.xml</a:t>
+            </a:r>
+          </a:p>
+          <a:p>
+            <a:r>
+              <a:rPr lang="en-US" altLang="ja-JP" sz="1400" dirty="0">
+                <a:solidFill>
+                  <a:schemeClr val="bg1"/>
+                </a:solidFill>
+                <a:latin typeface="Meiryo UI" panose="020B0604030504040204" pitchFamily="50" charset="-128"/>
+                <a:ea typeface="Meiryo UI" panose="020B0604030504040204" pitchFamily="50" charset="-128"/>
+                <a:cs typeface="Meiryo UI" panose="020B0604030504040204" pitchFamily="50" charset="-128"/>
+              </a:rPr>
+              <a:t>    └─lib</a:t>
+            </a:r>
+          </a:p>
+          <a:p>
+            <a:r>
+              <a:rPr lang="en-US" altLang="ja-JP" sz="1400" dirty="0">
+                <a:solidFill>
+                  <a:schemeClr val="bg1"/>
+                </a:solidFill>
+                <a:latin typeface="Meiryo UI" panose="020B0604030504040204" pitchFamily="50" charset="-128"/>
+                <a:ea typeface="Meiryo UI" panose="020B0604030504040204" pitchFamily="50" charset="-128"/>
+                <a:cs typeface="Meiryo UI" panose="020B0604030504040204" pitchFamily="50" charset="-128"/>
+              </a:rPr>
+              <a:t>            efw-4.XX.XXX.jar</a:t>
+            </a:r>
+          </a:p>
+          <a:p>
+            <a:r>
+              <a:rPr lang="en-US" altLang="ja-JP" sz="1400" dirty="0">
+                <a:solidFill>
+                  <a:schemeClr val="bg1"/>
+                </a:solidFill>
+                <a:latin typeface="Meiryo UI" panose="020B0604030504040204" pitchFamily="50" charset="-128"/>
+                <a:ea typeface="Meiryo UI" panose="020B0604030504040204" pitchFamily="50" charset="-128"/>
+                <a:cs typeface="Meiryo UI" panose="020B0604030504040204" pitchFamily="50" charset="-128"/>
+              </a:rPr>
+              <a:t>            </a:t>
+            </a:r>
+            <a:r>
+              <a:rPr lang="en-US" altLang="ja-JP" sz="1400" dirty="0">
+                <a:solidFill>
+                  <a:srgbClr val="FFFF00"/>
+                </a:solidFill>
+                <a:latin typeface="Meiryo UI" panose="020B0604030504040204" pitchFamily="50" charset="-128"/>
+                <a:ea typeface="Meiryo UI" panose="020B0604030504040204" pitchFamily="50" charset="-128"/>
+                <a:cs typeface="Meiryo UI" panose="020B0604030504040204" pitchFamily="50" charset="-128"/>
+              </a:rPr>
+              <a:t>myPkg-1.0.0.jar</a:t>
+            </a:r>
+          </a:p>
+          <a:p>
+            <a:r>
+              <a:rPr lang="en-US" altLang="ja-JP" sz="1400" dirty="0">
+                <a:solidFill>
+                  <a:schemeClr val="bg1"/>
+                </a:solidFill>
+                <a:latin typeface="Meiryo UI" panose="020B0604030504040204" pitchFamily="50" charset="-128"/>
+                <a:ea typeface="Meiryo UI" panose="020B0604030504040204" pitchFamily="50" charset="-128"/>
+                <a:cs typeface="Meiryo UI" panose="020B0604030504040204" pitchFamily="50" charset="-128"/>
+              </a:rPr>
+              <a:t>            </a:t>
+            </a:r>
+            <a:r>
+              <a:rPr lang="ja-JP" altLang="en-US" sz="1400" dirty="0">
+                <a:solidFill>
+                  <a:schemeClr val="bg1"/>
+                </a:solidFill>
+                <a:latin typeface="Meiryo UI" panose="020B0604030504040204" pitchFamily="50" charset="-128"/>
+                <a:ea typeface="Meiryo UI" panose="020B0604030504040204" pitchFamily="50" charset="-128"/>
+                <a:cs typeface="Meiryo UI" panose="020B0604030504040204" pitchFamily="50" charset="-128"/>
+              </a:rPr>
+              <a:t>・・・</a:t>
+            </a:r>
+          </a:p>
+          <a:p>
+            <a:endParaRPr kumimoji="1" lang="ja-JP" altLang="en-US" sz="1400" dirty="0">
+              <a:solidFill>
+                <a:schemeClr val="bg1"/>
+              </a:solidFill>
+              <a:latin typeface="Meiryo UI" panose="020B0604030504040204" pitchFamily="50" charset="-128"/>
+              <a:ea typeface="Meiryo UI" panose="020B0604030504040204" pitchFamily="50" charset="-128"/>
+              <a:cs typeface="Meiryo UI" panose="020B0604030504040204" pitchFamily="50" charset="-128"/>
+            </a:endParaRPr>
+          </a:p>
+        </p:txBody>
+      </p:sp>
+      <p:sp>
+        <p:nvSpPr>
+          <p:cNvPr id="14" name="矢印: 右 13">
+            <a:extLst>
+              <a:ext uri="{FF2B5EF4-FFF2-40B4-BE49-F238E27FC236}">
+                <a16:creationId xmlns:a16="http://schemas.microsoft.com/office/drawing/2014/main" id="{BE858290-1E0C-448E-B273-BE65FD8AE8A0}"/>
+              </a:ext>
+            </a:extLst>
+          </p:cNvPr>
+          <p:cNvSpPr/>
+          <p:nvPr/>
+        </p:nvSpPr>
+        <p:spPr>
+          <a:xfrm>
+            <a:off x="6545941" y="4986665"/>
+            <a:ext cx="449035" cy="523220"/>
+          </a:xfrm>
+          <a:prstGeom prst="rightArrow">
+            <a:avLst/>
+          </a:prstGeom>
+          <a:ln/>
+        </p:spPr>
+        <p:style>
+          <a:lnRef idx="3">
+            <a:schemeClr val="lt1"/>
+          </a:lnRef>
+          <a:fillRef idx="1">
+            <a:schemeClr val="accent6"/>
+          </a:fillRef>
+          <a:effectRef idx="1">
+            <a:schemeClr val="accent6"/>
+          </a:effectRef>
+          <a:fontRef idx="minor">
+            <a:schemeClr val="lt1"/>
+          </a:fontRef>
+        </p:style>
+        <p:txBody>
+          <a:bodyPr rtlCol="0" anchor="ctr"/>
+          <a:lstStyle/>
+          <a:p>
+            <a:pPr algn="ctr"/>
+            <a:endParaRPr kumimoji="1" lang="ja-JP" altLang="en-US" sz="1400" dirty="0">
+              <a:solidFill>
+                <a:schemeClr val="tx1"/>
+              </a:solidFill>
+              <a:latin typeface="Meiryo UI" panose="020B0604030504040204" pitchFamily="50" charset="-128"/>
+              <a:ea typeface="Meiryo UI" panose="020B0604030504040204" pitchFamily="50" charset="-128"/>
+              <a:cs typeface="Meiryo UI" panose="020B0604030504040204" pitchFamily="50" charset="-128"/>
+            </a:endParaRPr>
+          </a:p>
+        </p:txBody>
+      </p:sp>
+      <p:pic>
+        <p:nvPicPr>
+          <p:cNvPr id="1026" name="Picture 2" descr="War File アイコン - SVG・PNGで無料ダウンロード">
+            <a:extLst>
+              <a:ext uri="{FF2B5EF4-FFF2-40B4-BE49-F238E27FC236}">
+                <a16:creationId xmlns:a16="http://schemas.microsoft.com/office/drawing/2014/main" id="{759E174F-734C-4CC1-93B5-DBFBBA7E4B67}"/>
+              </a:ext>
+            </a:extLst>
+          </p:cNvPr>
+          <p:cNvPicPr>
+            <a:picLocks noChangeAspect="1" noChangeArrowheads="1"/>
+          </p:cNvPicPr>
+          <p:nvPr/>
+        </p:nvPicPr>
+        <p:blipFill>
+          <a:blip r:embed="rId4" cstate="print">
+            <a:extLst>
+              <a:ext uri="{28A0092B-C50C-407E-A947-70E740481C1C}">
+                <a14:useLocalDpi xmlns:a14="http://schemas.microsoft.com/office/drawing/2010/main" val="0"/>
+              </a:ext>
+            </a:extLst>
+          </a:blip>
+          <a:srcRect/>
+          <a:stretch>
+            <a:fillRect/>
+          </a:stretch>
+        </p:blipFill>
+        <p:spPr bwMode="auto">
+          <a:xfrm>
+            <a:off x="7199085" y="4789714"/>
+            <a:ext cx="917122" cy="917122"/>
+          </a:xfrm>
+          <a:prstGeom prst="rect">
+            <a:avLst/>
+          </a:prstGeom>
+          <a:solidFill>
+            <a:schemeClr val="bg1"/>
+          </a:solidFill>
+          <a:ln>
+            <a:solidFill>
+              <a:schemeClr val="lt1"/>
+            </a:solidFill>
+          </a:ln>
+        </p:spPr>
+      </p:pic>
+      <p:sp>
+        <p:nvSpPr>
+          <p:cNvPr id="16" name="テキスト ボックス 15">
+            <a:extLst>
+              <a:ext uri="{FF2B5EF4-FFF2-40B4-BE49-F238E27FC236}">
+                <a16:creationId xmlns:a16="http://schemas.microsoft.com/office/drawing/2014/main" id="{740ECA85-9E40-43DD-BE1D-8088A4EA16C4}"/>
+              </a:ext>
+            </a:extLst>
+          </p:cNvPr>
+          <p:cNvSpPr txBox="1"/>
+          <p:nvPr/>
+        </p:nvSpPr>
+        <p:spPr>
+          <a:xfrm>
+            <a:off x="7109277" y="5816545"/>
+            <a:ext cx="1282702" cy="523220"/>
+          </a:xfrm>
+          <a:prstGeom prst="rect">
+            <a:avLst/>
+          </a:prstGeom>
+          <a:noFill/>
+        </p:spPr>
+        <p:txBody>
+          <a:bodyPr wrap="square" rtlCol="0">
+            <a:spAutoFit/>
+          </a:bodyPr>
+          <a:lstStyle/>
+          <a:p>
+            <a:r>
+              <a:rPr lang="en-US" altLang="ja-JP" sz="1400" dirty="0" err="1">
+                <a:latin typeface="Meiryo UI" panose="020B0604030504040204" pitchFamily="50" charset="-128"/>
+                <a:ea typeface="Meiryo UI" panose="020B0604030504040204" pitchFamily="50" charset="-128"/>
+              </a:rPr>
+              <a:t>myPkg</a:t>
+            </a:r>
+            <a:r>
+              <a:rPr lang="en-US" altLang="ja-JP" sz="1400" dirty="0">
+                <a:latin typeface="Meiryo UI" panose="020B0604030504040204" pitchFamily="50" charset="-128"/>
+                <a:ea typeface="Meiryo UI" panose="020B0604030504040204" pitchFamily="50" charset="-128"/>
+              </a:rPr>
+              <a:t>(</a:t>
+            </a:r>
+            <a:r>
+              <a:rPr lang="ja-JP" altLang="en-US" sz="1400" dirty="0">
+                <a:latin typeface="Meiryo UI" panose="020B0604030504040204" pitchFamily="50" charset="-128"/>
+                <a:ea typeface="Meiryo UI" panose="020B0604030504040204" pitchFamily="50" charset="-128"/>
+              </a:rPr>
+              <a:t>カスタマイズ版</a:t>
+            </a:r>
+            <a:r>
+              <a:rPr lang="en-US" altLang="ja-JP" sz="1400" dirty="0">
+                <a:latin typeface="Meiryo UI" panose="020B0604030504040204" pitchFamily="50" charset="-128"/>
+                <a:ea typeface="Meiryo UI" panose="020B0604030504040204" pitchFamily="50" charset="-128"/>
+              </a:rPr>
+              <a:t>).war</a:t>
+            </a:r>
+          </a:p>
+        </p:txBody>
+      </p:sp>
+      <p:sp>
+        <p:nvSpPr>
+          <p:cNvPr id="17" name="テキスト ボックス 16">
+            <a:extLst>
+              <a:ext uri="{FF2B5EF4-FFF2-40B4-BE49-F238E27FC236}">
+                <a16:creationId xmlns:a16="http://schemas.microsoft.com/office/drawing/2014/main" id="{0EC5D440-CA78-4DE2-9F14-F67181A53FD9}"/>
+              </a:ext>
+            </a:extLst>
+          </p:cNvPr>
+          <p:cNvSpPr txBox="1"/>
+          <p:nvPr/>
+        </p:nvSpPr>
+        <p:spPr>
+          <a:xfrm>
+            <a:off x="6425293" y="1915244"/>
+            <a:ext cx="2466641" cy="2031325"/>
+          </a:xfrm>
+          <a:prstGeom prst="rect">
+            <a:avLst/>
+          </a:prstGeom>
+          <a:noFill/>
+        </p:spPr>
+        <p:txBody>
+          <a:bodyPr wrap="square" rtlCol="0">
+            <a:spAutoFit/>
+          </a:bodyPr>
+          <a:lstStyle/>
+          <a:p>
+            <a:r>
+              <a:rPr lang="ja-JP" altLang="en-US" sz="1400" dirty="0">
+                <a:latin typeface="Meiryo UI" panose="020B0604030504040204" pitchFamily="50" charset="-128"/>
+                <a:ea typeface="Meiryo UI" panose="020B0604030504040204" pitchFamily="50" charset="-128"/>
+              </a:rPr>
+              <a:t>・</a:t>
+            </a:r>
+            <a:r>
+              <a:rPr lang="en-US" altLang="ja-JP" sz="1400" dirty="0">
+                <a:latin typeface="Meiryo UI" panose="020B0604030504040204" pitchFamily="50" charset="-128"/>
+                <a:ea typeface="Meiryo UI" panose="020B0604030504040204" pitchFamily="50" charset="-128"/>
+              </a:rPr>
+              <a:t>myPkg.jar</a:t>
+            </a:r>
+            <a:r>
+              <a:rPr lang="ja-JP" altLang="en-US" sz="1400" dirty="0">
+                <a:latin typeface="Meiryo UI" panose="020B0604030504040204" pitchFamily="50" charset="-128"/>
+                <a:ea typeface="Meiryo UI" panose="020B0604030504040204" pitchFamily="50" charset="-128"/>
+              </a:rPr>
+              <a:t>の中にパッケージ版の資材をそのまま</a:t>
+            </a:r>
+            <a:r>
+              <a:rPr lang="ja-JP" altLang="en-US" sz="1400" dirty="0" err="1">
+                <a:latin typeface="Meiryo UI" panose="020B0604030504040204" pitchFamily="50" charset="-128"/>
+                <a:ea typeface="Meiryo UI" panose="020B0604030504040204" pitchFamily="50" charset="-128"/>
+              </a:rPr>
+              <a:t>ん</a:t>
+            </a:r>
+            <a:r>
+              <a:rPr lang="ja-JP" altLang="en-US" sz="1400" dirty="0">
+                <a:latin typeface="Meiryo UI" panose="020B0604030504040204" pitchFamily="50" charset="-128"/>
+                <a:ea typeface="Meiryo UI" panose="020B0604030504040204" pitchFamily="50" charset="-128"/>
+              </a:rPr>
+              <a:t>します。</a:t>
+            </a:r>
+            <a:endParaRPr lang="en-US" altLang="ja-JP" sz="1400" dirty="0">
+              <a:latin typeface="Meiryo UI" panose="020B0604030504040204" pitchFamily="50" charset="-128"/>
+              <a:ea typeface="Meiryo UI" panose="020B0604030504040204" pitchFamily="50" charset="-128"/>
+            </a:endParaRPr>
+          </a:p>
+          <a:p>
+            <a:r>
+              <a:rPr lang="ja-JP" altLang="en-US" sz="1400" dirty="0">
+                <a:latin typeface="Meiryo UI" panose="020B0604030504040204" pitchFamily="50" charset="-128"/>
+                <a:ea typeface="Meiryo UI" panose="020B0604030504040204" pitchFamily="50" charset="-128"/>
+              </a:rPr>
+              <a:t>・カスタマイズ部分を個別にそれぞれのフォルダに配置します。</a:t>
+            </a:r>
+            <a:endParaRPr lang="en-US" altLang="ja-JP" sz="1400" dirty="0">
+              <a:latin typeface="Meiryo UI" panose="020B0604030504040204" pitchFamily="50" charset="-128"/>
+              <a:ea typeface="Meiryo UI" panose="020B0604030504040204" pitchFamily="50" charset="-128"/>
+            </a:endParaRPr>
+          </a:p>
+          <a:p>
+            <a:r>
+              <a:rPr lang="ja-JP" altLang="en-US" sz="1400" dirty="0">
+                <a:latin typeface="Meiryo UI" panose="020B0604030504040204" pitchFamily="50" charset="-128"/>
+                <a:ea typeface="Meiryo UI" panose="020B0604030504040204" pitchFamily="50" charset="-128"/>
+              </a:rPr>
+              <a:t>・この状態で</a:t>
+            </a:r>
+            <a:r>
+              <a:rPr lang="en-US" altLang="ja-JP" sz="1400" dirty="0">
+                <a:latin typeface="Meiryo UI" panose="020B0604030504040204" pitchFamily="50" charset="-128"/>
+                <a:ea typeface="Meiryo UI" panose="020B0604030504040204" pitchFamily="50" charset="-128"/>
+              </a:rPr>
+              <a:t>war</a:t>
+            </a:r>
+            <a:r>
+              <a:rPr lang="ja-JP" altLang="en-US" sz="1400" dirty="0">
+                <a:latin typeface="Meiryo UI" panose="020B0604030504040204" pitchFamily="50" charset="-128"/>
+                <a:ea typeface="Meiryo UI" panose="020B0604030504040204" pitchFamily="50" charset="-128"/>
+              </a:rPr>
+              <a:t>ファイル作成します。</a:t>
+            </a:r>
+            <a:endParaRPr lang="en-US" altLang="ja-JP" sz="1400" dirty="0">
+              <a:latin typeface="Meiryo UI" panose="020B0604030504040204" pitchFamily="50" charset="-128"/>
+              <a:ea typeface="Meiryo UI" panose="020B0604030504040204" pitchFamily="50" charset="-128"/>
+            </a:endParaRPr>
+          </a:p>
+          <a:p>
+            <a:r>
+              <a:rPr lang="ja-JP" altLang="en-US" sz="1400" dirty="0">
+                <a:latin typeface="Meiryo UI" panose="020B0604030504040204" pitchFamily="50" charset="-128"/>
+                <a:ea typeface="Meiryo UI" panose="020B0604030504040204" pitchFamily="50" charset="-128"/>
+              </a:rPr>
+              <a:t>・アプリフォルダに配置するものは、</a:t>
+            </a:r>
+            <a:r>
+              <a:rPr lang="en-US" altLang="ja-JP" sz="1400" dirty="0">
+                <a:latin typeface="Meiryo UI" panose="020B0604030504040204" pitchFamily="50" charset="-128"/>
+                <a:ea typeface="Meiryo UI" panose="020B0604030504040204" pitchFamily="50" charset="-128"/>
+              </a:rPr>
+              <a:t>jar</a:t>
+            </a:r>
+            <a:r>
+              <a:rPr lang="ja-JP" altLang="en-US" sz="1400" dirty="0">
+                <a:latin typeface="Meiryo UI" panose="020B0604030504040204" pitchFamily="50" charset="-128"/>
+                <a:ea typeface="Meiryo UI" panose="020B0604030504040204" pitchFamily="50" charset="-128"/>
+              </a:rPr>
+              <a:t>ファイル内より優先にさせるようにすれば実現できます。</a:t>
+            </a:r>
+            <a:endParaRPr lang="en-US" altLang="ja-JP" sz="1400" dirty="0">
+              <a:latin typeface="Meiryo UI" panose="020B0604030504040204" pitchFamily="50" charset="-128"/>
+              <a:ea typeface="Meiryo UI" panose="020B0604030504040204" pitchFamily="50" charset="-128"/>
+            </a:endParaRPr>
+          </a:p>
+        </p:txBody>
+      </p:sp>
+      <p:sp>
+        <p:nvSpPr>
+          <p:cNvPr id="13" name="正方形/長方形 12">
+            <a:extLst>
+              <a:ext uri="{FF2B5EF4-FFF2-40B4-BE49-F238E27FC236}">
+                <a16:creationId xmlns:a16="http://schemas.microsoft.com/office/drawing/2014/main" id="{5C029DD5-A1D5-4964-90BD-3816F1FF98E7}"/>
+              </a:ext>
+            </a:extLst>
+          </p:cNvPr>
+          <p:cNvSpPr/>
+          <p:nvPr/>
+        </p:nvSpPr>
+        <p:spPr>
+          <a:xfrm>
+            <a:off x="141062" y="1666217"/>
+            <a:ext cx="2805792" cy="5028500"/>
+          </a:xfrm>
+          <a:prstGeom prst="rect">
+            <a:avLst/>
+          </a:prstGeom>
+          <a:ln/>
+        </p:spPr>
+        <p:style>
+          <a:lnRef idx="3">
+            <a:schemeClr val="lt1"/>
+          </a:lnRef>
+          <a:fillRef idx="1">
+            <a:schemeClr val="accent5"/>
+          </a:fillRef>
+          <a:effectRef idx="1">
+            <a:schemeClr val="accent5"/>
+          </a:effectRef>
+          <a:fontRef idx="minor">
+            <a:schemeClr val="lt1"/>
+          </a:fontRef>
+        </p:style>
+        <p:txBody>
+          <a:bodyPr rtlCol="0" anchor="t" anchorCtr="0"/>
+          <a:lstStyle/>
+          <a:p>
+            <a:r>
+              <a:rPr lang="en-US" altLang="ja-JP" sz="1400" dirty="0" err="1">
+                <a:solidFill>
+                  <a:schemeClr val="bg1"/>
+                </a:solidFill>
+                <a:latin typeface="Meiryo UI" panose="020B0604030504040204" pitchFamily="50" charset="-128"/>
+                <a:ea typeface="Meiryo UI" panose="020B0604030504040204" pitchFamily="50" charset="-128"/>
+                <a:cs typeface="Meiryo UI" panose="020B0604030504040204" pitchFamily="50" charset="-128"/>
+              </a:rPr>
+              <a:t>myPkg</a:t>
+            </a:r>
+            <a:endParaRPr lang="en-US" altLang="ja-JP" sz="1400" dirty="0">
+              <a:solidFill>
+                <a:schemeClr val="bg1"/>
+              </a:solidFill>
+              <a:latin typeface="Meiryo UI" panose="020B0604030504040204" pitchFamily="50" charset="-128"/>
+              <a:ea typeface="Meiryo UI" panose="020B0604030504040204" pitchFamily="50" charset="-128"/>
+              <a:cs typeface="Meiryo UI" panose="020B0604030504040204" pitchFamily="50" charset="-128"/>
+            </a:endParaRPr>
+          </a:p>
+          <a:p>
+            <a:r>
+              <a:rPr lang="en-US" altLang="ja-JP" sz="1400" dirty="0">
+                <a:solidFill>
+                  <a:schemeClr val="bg1"/>
+                </a:solidFill>
+                <a:latin typeface="Meiryo UI" panose="020B0604030504040204" pitchFamily="50" charset="-128"/>
+                <a:ea typeface="Meiryo UI" panose="020B0604030504040204" pitchFamily="50" charset="-128"/>
+                <a:cs typeface="Meiryo UI" panose="020B0604030504040204" pitchFamily="50" charset="-128"/>
+              </a:rPr>
+              <a:t>├─META-INF</a:t>
+            </a:r>
+          </a:p>
+          <a:p>
+            <a:r>
+              <a:rPr lang="en-US" altLang="ja-JP" sz="1400" dirty="0">
+                <a:solidFill>
+                  <a:schemeClr val="bg1"/>
+                </a:solidFill>
+                <a:latin typeface="Meiryo UI" panose="020B0604030504040204" pitchFamily="50" charset="-128"/>
+                <a:ea typeface="Meiryo UI" panose="020B0604030504040204" pitchFamily="50" charset="-128"/>
+                <a:cs typeface="Meiryo UI" panose="020B0604030504040204" pitchFamily="50" charset="-128"/>
+              </a:rPr>
+              <a:t>│      </a:t>
+            </a:r>
+            <a:r>
+              <a:rPr lang="en-US" altLang="ja-JP" sz="1400" dirty="0">
+                <a:solidFill>
+                  <a:srgbClr val="FFC000"/>
+                </a:solidFill>
+                <a:latin typeface="Meiryo UI" panose="020B0604030504040204" pitchFamily="50" charset="-128"/>
+                <a:ea typeface="Meiryo UI" panose="020B0604030504040204" pitchFamily="50" charset="-128"/>
+                <a:cs typeface="Meiryo UI" panose="020B0604030504040204" pitchFamily="50" charset="-128"/>
+              </a:rPr>
+              <a:t>context.xml</a:t>
+            </a:r>
+          </a:p>
+          <a:p>
+            <a:r>
+              <a:rPr lang="en-US" altLang="ja-JP" sz="1400" dirty="0">
+                <a:solidFill>
+                  <a:schemeClr val="bg1"/>
+                </a:solidFill>
+                <a:latin typeface="Meiryo UI" panose="020B0604030504040204" pitchFamily="50" charset="-128"/>
+                <a:ea typeface="Meiryo UI" panose="020B0604030504040204" pitchFamily="50" charset="-128"/>
+                <a:cs typeface="Meiryo UI" panose="020B0604030504040204" pitchFamily="50" charset="-128"/>
+              </a:rPr>
+              <a:t>└─WEB-INF</a:t>
+            </a:r>
+          </a:p>
+          <a:p>
+            <a:r>
+              <a:rPr lang="en-US" altLang="ja-JP" sz="1400" dirty="0">
+                <a:solidFill>
+                  <a:schemeClr val="bg1"/>
+                </a:solidFill>
+                <a:latin typeface="Meiryo UI" panose="020B0604030504040204" pitchFamily="50" charset="-128"/>
+                <a:ea typeface="Meiryo UI" panose="020B0604030504040204" pitchFamily="50" charset="-128"/>
+                <a:cs typeface="Meiryo UI" panose="020B0604030504040204" pitchFamily="50" charset="-128"/>
+              </a:rPr>
+              <a:t>    ├─classes</a:t>
+            </a:r>
+          </a:p>
+          <a:p>
+            <a:r>
+              <a:rPr lang="en-US" altLang="ja-JP" sz="1400" dirty="0">
+                <a:solidFill>
+                  <a:schemeClr val="bg1"/>
+                </a:solidFill>
+                <a:latin typeface="Meiryo UI" panose="020B0604030504040204" pitchFamily="50" charset="-128"/>
+                <a:ea typeface="Meiryo UI" panose="020B0604030504040204" pitchFamily="50" charset="-128"/>
+                <a:cs typeface="Meiryo UI" panose="020B0604030504040204" pitchFamily="50" charset="-128"/>
+              </a:rPr>
+              <a:t>    │      </a:t>
+            </a:r>
+            <a:r>
+              <a:rPr lang="en-US" altLang="ja-JP" sz="1400" dirty="0" err="1">
+                <a:solidFill>
+                  <a:srgbClr val="FFC000"/>
+                </a:solidFill>
+                <a:latin typeface="Meiryo UI" panose="020B0604030504040204" pitchFamily="50" charset="-128"/>
+                <a:ea typeface="Meiryo UI" panose="020B0604030504040204" pitchFamily="50" charset="-128"/>
+                <a:cs typeface="Meiryo UI" panose="020B0604030504040204" pitchFamily="50" charset="-128"/>
+              </a:rPr>
+              <a:t>batch.properties</a:t>
+            </a:r>
+            <a:endParaRPr lang="en-US" altLang="ja-JP" sz="1400" dirty="0">
+              <a:solidFill>
+                <a:srgbClr val="FFC000"/>
+              </a:solidFill>
+              <a:latin typeface="Meiryo UI" panose="020B0604030504040204" pitchFamily="50" charset="-128"/>
+              <a:ea typeface="Meiryo UI" panose="020B0604030504040204" pitchFamily="50" charset="-128"/>
+              <a:cs typeface="Meiryo UI" panose="020B0604030504040204" pitchFamily="50" charset="-128"/>
+            </a:endParaRPr>
+          </a:p>
+          <a:p>
+            <a:r>
+              <a:rPr lang="en-US" altLang="ja-JP" sz="1400" dirty="0">
+                <a:solidFill>
+                  <a:schemeClr val="bg1"/>
+                </a:solidFill>
+                <a:latin typeface="Meiryo UI" panose="020B0604030504040204" pitchFamily="50" charset="-128"/>
+                <a:ea typeface="Meiryo UI" panose="020B0604030504040204" pitchFamily="50" charset="-128"/>
+                <a:cs typeface="Meiryo UI" panose="020B0604030504040204" pitchFamily="50" charset="-128"/>
+              </a:rPr>
+              <a:t>    │      </a:t>
+            </a:r>
+            <a:r>
+              <a:rPr lang="en-US" altLang="ja-JP" sz="1400" dirty="0" err="1">
+                <a:solidFill>
+                  <a:srgbClr val="FFC000"/>
+                </a:solidFill>
+                <a:latin typeface="Meiryo UI" panose="020B0604030504040204" pitchFamily="50" charset="-128"/>
+                <a:ea typeface="Meiryo UI" panose="020B0604030504040204" pitchFamily="50" charset="-128"/>
+                <a:cs typeface="Meiryo UI" panose="020B0604030504040204" pitchFamily="50" charset="-128"/>
+              </a:rPr>
+              <a:t>efw.properties</a:t>
+            </a:r>
+            <a:endParaRPr lang="en-US" altLang="ja-JP" sz="1400" dirty="0">
+              <a:solidFill>
+                <a:srgbClr val="FFC000"/>
+              </a:solidFill>
+              <a:latin typeface="Meiryo UI" panose="020B0604030504040204" pitchFamily="50" charset="-128"/>
+              <a:ea typeface="Meiryo UI" panose="020B0604030504040204" pitchFamily="50" charset="-128"/>
+              <a:cs typeface="Meiryo UI" panose="020B0604030504040204" pitchFamily="50" charset="-128"/>
+            </a:endParaRPr>
+          </a:p>
+          <a:p>
+            <a:r>
+              <a:rPr lang="en-US" altLang="ja-JP" sz="1400" dirty="0">
+                <a:solidFill>
+                  <a:schemeClr val="bg1"/>
+                </a:solidFill>
+                <a:latin typeface="Meiryo UI" panose="020B0604030504040204" pitchFamily="50" charset="-128"/>
+                <a:ea typeface="Meiryo UI" panose="020B0604030504040204" pitchFamily="50" charset="-128"/>
+                <a:cs typeface="Meiryo UI" panose="020B0604030504040204" pitchFamily="50" charset="-128"/>
+              </a:rPr>
+              <a:t>    ├─</a:t>
+            </a:r>
+            <a:r>
+              <a:rPr lang="en-US" altLang="ja-JP" sz="1400" dirty="0" err="1">
+                <a:solidFill>
+                  <a:schemeClr val="bg1"/>
+                </a:solidFill>
+                <a:latin typeface="Meiryo UI" panose="020B0604030504040204" pitchFamily="50" charset="-128"/>
+                <a:ea typeface="Meiryo UI" panose="020B0604030504040204" pitchFamily="50" charset="-128"/>
+                <a:cs typeface="Meiryo UI" panose="020B0604030504040204" pitchFamily="50" charset="-128"/>
+              </a:rPr>
+              <a:t>efw</a:t>
+            </a:r>
+            <a:endParaRPr lang="en-US" altLang="ja-JP" sz="1400" dirty="0">
+              <a:solidFill>
+                <a:schemeClr val="bg1"/>
+              </a:solidFill>
+              <a:latin typeface="Meiryo UI" panose="020B0604030504040204" pitchFamily="50" charset="-128"/>
+              <a:ea typeface="Meiryo UI" panose="020B0604030504040204" pitchFamily="50" charset="-128"/>
+              <a:cs typeface="Meiryo UI" panose="020B0604030504040204" pitchFamily="50" charset="-128"/>
+            </a:endParaRPr>
+          </a:p>
+          <a:p>
+            <a:r>
+              <a:rPr lang="en-US" altLang="ja-JP" sz="1400" dirty="0">
+                <a:solidFill>
+                  <a:schemeClr val="bg1"/>
+                </a:solidFill>
+                <a:latin typeface="Meiryo UI" panose="020B0604030504040204" pitchFamily="50" charset="-128"/>
+                <a:ea typeface="Meiryo UI" panose="020B0604030504040204" pitchFamily="50" charset="-128"/>
+                <a:cs typeface="Meiryo UI" panose="020B0604030504040204" pitchFamily="50" charset="-128"/>
+              </a:rPr>
+              <a:t>    │  ├─batch</a:t>
+            </a:r>
+          </a:p>
+          <a:p>
+            <a:r>
+              <a:rPr lang="en-US" altLang="ja-JP" sz="1400" dirty="0">
+                <a:solidFill>
+                  <a:schemeClr val="bg1"/>
+                </a:solidFill>
+                <a:latin typeface="Meiryo UI" panose="020B0604030504040204" pitchFamily="50" charset="-128"/>
+                <a:ea typeface="Meiryo UI" panose="020B0604030504040204" pitchFamily="50" charset="-128"/>
+                <a:cs typeface="Meiryo UI" panose="020B0604030504040204" pitchFamily="50" charset="-128"/>
+              </a:rPr>
+              <a:t>    │  │      </a:t>
+            </a:r>
+            <a:r>
+              <a:rPr lang="en-US" altLang="ja-JP" sz="1400" dirty="0">
+                <a:solidFill>
+                  <a:srgbClr val="FFC000"/>
+                </a:solidFill>
+                <a:latin typeface="Meiryo UI" panose="020B0604030504040204" pitchFamily="50" charset="-128"/>
+                <a:ea typeface="Meiryo UI" panose="020B0604030504040204" pitchFamily="50" charset="-128"/>
+                <a:cs typeface="Meiryo UI" panose="020B0604030504040204" pitchFamily="50" charset="-128"/>
+              </a:rPr>
+              <a:t>helloBatch.bat</a:t>
+            </a:r>
+          </a:p>
+          <a:p>
+            <a:r>
+              <a:rPr lang="en-US" altLang="ja-JP" sz="1400" dirty="0">
+                <a:solidFill>
+                  <a:schemeClr val="bg1"/>
+                </a:solidFill>
+                <a:latin typeface="Meiryo UI" panose="020B0604030504040204" pitchFamily="50" charset="-128"/>
+                <a:ea typeface="Meiryo UI" panose="020B0604030504040204" pitchFamily="50" charset="-128"/>
+                <a:cs typeface="Meiryo UI" panose="020B0604030504040204" pitchFamily="50" charset="-128"/>
+              </a:rPr>
+              <a:t>    │  ├─event</a:t>
+            </a:r>
+          </a:p>
+          <a:p>
+            <a:r>
+              <a:rPr lang="en-US" altLang="ja-JP" sz="1400" dirty="0">
+                <a:solidFill>
+                  <a:schemeClr val="bg1"/>
+                </a:solidFill>
+                <a:latin typeface="Meiryo UI" panose="020B0604030504040204" pitchFamily="50" charset="-128"/>
+                <a:ea typeface="Meiryo UI" panose="020B0604030504040204" pitchFamily="50" charset="-128"/>
+                <a:cs typeface="Meiryo UI" panose="020B0604030504040204" pitchFamily="50" charset="-128"/>
+              </a:rPr>
+              <a:t>    │  ├─mail</a:t>
+            </a:r>
+          </a:p>
+          <a:p>
+            <a:r>
+              <a:rPr lang="en-US" altLang="ja-JP" sz="1400" dirty="0">
+                <a:solidFill>
+                  <a:schemeClr val="bg1"/>
+                </a:solidFill>
+                <a:latin typeface="Meiryo UI" panose="020B0604030504040204" pitchFamily="50" charset="-128"/>
+                <a:ea typeface="Meiryo UI" panose="020B0604030504040204" pitchFamily="50" charset="-128"/>
+                <a:cs typeface="Meiryo UI" panose="020B0604030504040204" pitchFamily="50" charset="-128"/>
+              </a:rPr>
+              <a:t>    │  │      mails.xml</a:t>
+            </a:r>
+          </a:p>
+          <a:p>
+            <a:r>
+              <a:rPr lang="en-US" altLang="ja-JP" sz="1400" dirty="0">
+                <a:solidFill>
+                  <a:schemeClr val="bg1"/>
+                </a:solidFill>
+                <a:latin typeface="Meiryo UI" panose="020B0604030504040204" pitchFamily="50" charset="-128"/>
+                <a:ea typeface="Meiryo UI" panose="020B0604030504040204" pitchFamily="50" charset="-128"/>
+                <a:cs typeface="Meiryo UI" panose="020B0604030504040204" pitchFamily="50" charset="-128"/>
+              </a:rPr>
+              <a:t>    │  └─</a:t>
+            </a:r>
+            <a:r>
+              <a:rPr lang="en-US" altLang="ja-JP" sz="1400" dirty="0" err="1">
+                <a:solidFill>
+                  <a:schemeClr val="bg1"/>
+                </a:solidFill>
+                <a:latin typeface="Meiryo UI" panose="020B0604030504040204" pitchFamily="50" charset="-128"/>
+                <a:ea typeface="Meiryo UI" panose="020B0604030504040204" pitchFamily="50" charset="-128"/>
+                <a:cs typeface="Meiryo UI" panose="020B0604030504040204" pitchFamily="50" charset="-128"/>
+              </a:rPr>
+              <a:t>sql</a:t>
+            </a:r>
+            <a:endParaRPr lang="en-US" altLang="ja-JP" sz="1400" dirty="0">
+              <a:solidFill>
+                <a:schemeClr val="bg1"/>
+              </a:solidFill>
+              <a:latin typeface="Meiryo UI" panose="020B0604030504040204" pitchFamily="50" charset="-128"/>
+              <a:ea typeface="Meiryo UI" panose="020B0604030504040204" pitchFamily="50" charset="-128"/>
+              <a:cs typeface="Meiryo UI" panose="020B0604030504040204" pitchFamily="50" charset="-128"/>
+            </a:endParaRPr>
+          </a:p>
+          <a:p>
+            <a:r>
+              <a:rPr lang="en-US" altLang="ja-JP" sz="1400" dirty="0">
+                <a:solidFill>
+                  <a:schemeClr val="bg1"/>
+                </a:solidFill>
+                <a:latin typeface="Meiryo UI" panose="020B0604030504040204" pitchFamily="50" charset="-128"/>
+                <a:ea typeface="Meiryo UI" panose="020B0604030504040204" pitchFamily="50" charset="-128"/>
+                <a:cs typeface="Meiryo UI" panose="020B0604030504040204" pitchFamily="50" charset="-128"/>
+              </a:rPr>
+              <a:t>    └─lib</a:t>
+            </a:r>
+          </a:p>
+          <a:p>
+            <a:r>
+              <a:rPr lang="en-US" altLang="ja-JP" sz="1400" dirty="0">
+                <a:solidFill>
+                  <a:schemeClr val="bg1"/>
+                </a:solidFill>
+                <a:latin typeface="Meiryo UI" panose="020B0604030504040204" pitchFamily="50" charset="-128"/>
+                <a:ea typeface="Meiryo UI" panose="020B0604030504040204" pitchFamily="50" charset="-128"/>
+                <a:cs typeface="Meiryo UI" panose="020B0604030504040204" pitchFamily="50" charset="-128"/>
+              </a:rPr>
+              <a:t>            efw-4.XX.XXX.jar</a:t>
+            </a:r>
+          </a:p>
+          <a:p>
+            <a:r>
+              <a:rPr lang="en-US" altLang="ja-JP" sz="1400" dirty="0">
+                <a:solidFill>
+                  <a:schemeClr val="bg1"/>
+                </a:solidFill>
+                <a:latin typeface="Meiryo UI" panose="020B0604030504040204" pitchFamily="50" charset="-128"/>
+                <a:ea typeface="Meiryo UI" panose="020B0604030504040204" pitchFamily="50" charset="-128"/>
+                <a:cs typeface="Meiryo UI" panose="020B0604030504040204" pitchFamily="50" charset="-128"/>
+              </a:rPr>
+              <a:t>            </a:t>
+            </a:r>
+            <a:r>
+              <a:rPr lang="en-US" altLang="ja-JP" sz="1400" dirty="0">
+                <a:solidFill>
+                  <a:srgbClr val="FFFF00"/>
+                </a:solidFill>
+                <a:latin typeface="Meiryo UI" panose="020B0604030504040204" pitchFamily="50" charset="-128"/>
+                <a:ea typeface="Meiryo UI" panose="020B0604030504040204" pitchFamily="50" charset="-128"/>
+                <a:cs typeface="Meiryo UI" panose="020B0604030504040204" pitchFamily="50" charset="-128"/>
+              </a:rPr>
+              <a:t>myPkg-1.0.0.jar</a:t>
+            </a:r>
+          </a:p>
+          <a:p>
+            <a:r>
+              <a:rPr lang="en-US" altLang="ja-JP" sz="1400" dirty="0">
+                <a:solidFill>
+                  <a:schemeClr val="bg1"/>
+                </a:solidFill>
+                <a:latin typeface="Meiryo UI" panose="020B0604030504040204" pitchFamily="50" charset="-128"/>
+                <a:ea typeface="Meiryo UI" panose="020B0604030504040204" pitchFamily="50" charset="-128"/>
+                <a:cs typeface="Meiryo UI" panose="020B0604030504040204" pitchFamily="50" charset="-128"/>
+              </a:rPr>
+              <a:t>            </a:t>
+            </a:r>
+            <a:r>
+              <a:rPr lang="ja-JP" altLang="en-US" sz="1400" dirty="0">
+                <a:solidFill>
+                  <a:schemeClr val="bg1"/>
+                </a:solidFill>
+                <a:latin typeface="Meiryo UI" panose="020B0604030504040204" pitchFamily="50" charset="-128"/>
+                <a:ea typeface="Meiryo UI" panose="020B0604030504040204" pitchFamily="50" charset="-128"/>
+                <a:cs typeface="Meiryo UI" panose="020B0604030504040204" pitchFamily="50" charset="-128"/>
+              </a:rPr>
+              <a:t>・・・</a:t>
+            </a:r>
+          </a:p>
+          <a:p>
+            <a:endParaRPr kumimoji="1" lang="ja-JP" altLang="en-US" sz="1400" dirty="0">
+              <a:solidFill>
+                <a:schemeClr val="bg1"/>
+              </a:solidFill>
+              <a:latin typeface="Meiryo UI" panose="020B0604030504040204" pitchFamily="50" charset="-128"/>
+              <a:ea typeface="Meiryo UI" panose="020B0604030504040204" pitchFamily="50" charset="-128"/>
+              <a:cs typeface="Meiryo UI" panose="020B0604030504040204" pitchFamily="50" charset="-128"/>
+            </a:endParaRPr>
+          </a:p>
+        </p:txBody>
+      </p:sp>
+      <p:sp>
+        <p:nvSpPr>
+          <p:cNvPr id="5" name="矢印: 右 4">
+            <a:extLst>
+              <a:ext uri="{FF2B5EF4-FFF2-40B4-BE49-F238E27FC236}">
+                <a16:creationId xmlns:a16="http://schemas.microsoft.com/office/drawing/2014/main" id="{632BC8AB-1389-4FDB-9FA4-4DDA26E060F0}"/>
+              </a:ext>
+            </a:extLst>
+          </p:cNvPr>
+          <p:cNvSpPr/>
+          <p:nvPr/>
+        </p:nvSpPr>
+        <p:spPr>
+          <a:xfrm>
+            <a:off x="2841623" y="3810000"/>
+            <a:ext cx="449035" cy="523220"/>
+          </a:xfrm>
+          <a:prstGeom prst="rightArrow">
+            <a:avLst/>
+          </a:prstGeom>
+          <a:ln/>
+        </p:spPr>
+        <p:style>
+          <a:lnRef idx="3">
+            <a:schemeClr val="lt1"/>
+          </a:lnRef>
+          <a:fillRef idx="1">
+            <a:schemeClr val="accent6"/>
+          </a:fillRef>
+          <a:effectRef idx="1">
+            <a:schemeClr val="accent6"/>
+          </a:effectRef>
+          <a:fontRef idx="minor">
+            <a:schemeClr val="lt1"/>
+          </a:fontRef>
+        </p:style>
+        <p:txBody>
+          <a:bodyPr rtlCol="0" anchor="ctr"/>
+          <a:lstStyle/>
+          <a:p>
+            <a:pPr algn="ctr"/>
+            <a:endParaRPr kumimoji="1" lang="ja-JP" altLang="en-US" sz="1400" dirty="0">
+              <a:solidFill>
+                <a:schemeClr val="tx1"/>
+              </a:solidFill>
+              <a:latin typeface="Meiryo UI" panose="020B0604030504040204" pitchFamily="50" charset="-128"/>
+              <a:ea typeface="Meiryo UI" panose="020B0604030504040204" pitchFamily="50" charset="-128"/>
+              <a:cs typeface="Meiryo UI" panose="020B0604030504040204" pitchFamily="50" charset="-128"/>
+            </a:endParaRPr>
+          </a:p>
+        </p:txBody>
+      </p:sp>
+    </p:spTree>
+    <p:custDataLst>
+      <p:tags r:id="rId1"/>
+    </p:custDataLst>
+    <p:extLst>
+      <p:ext uri="{BB962C8B-B14F-4D97-AF65-F5344CB8AC3E}">
+        <p14:creationId xmlns:p14="http://schemas.microsoft.com/office/powerpoint/2010/main" val="12627451"/>
+      </p:ext>
+    </p:extLst>
+  </p:cSld>
+  <p:clrMapOvr>
+    <a:masterClrMapping/>
+  </p:clrMapOvr>
+</p:sld>
+</file>
+
 <file path=ppt/tags/tag1.xml><?xml version="1.0" encoding="utf-8"?>
 <p:tagLst xmlns:a="http://schemas.openxmlformats.org/drawingml/2006/main" xmlns:r="http://schemas.openxmlformats.org/officeDocument/2006/relationships" xmlns:p="http://schemas.openxmlformats.org/presentationml/2006/main">
   <p:tag name="ISPRING_FIRST_PUBLISH" val="1"/>
@@ -9547,6 +13575,18 @@
 </file>
 
 <file path=ppt/tags/tag6.xml><?xml version="1.0" encoding="utf-8"?>
+<p:tagLst xmlns:a="http://schemas.openxmlformats.org/drawingml/2006/main" xmlns:r="http://schemas.openxmlformats.org/officeDocument/2006/relationships" xmlns:p="http://schemas.openxmlformats.org/presentationml/2006/main">
+  <p:tag name="GENSWF_SLIDE_UID" val="{E28D5E27-CD7A-456A-B456-6C194625E10D}:434"/>
+</p:tagLst>
+</file>
+
+<file path=ppt/tags/tag7.xml><?xml version="1.0" encoding="utf-8"?>
+<p:tagLst xmlns:a="http://schemas.openxmlformats.org/drawingml/2006/main" xmlns:r="http://schemas.openxmlformats.org/officeDocument/2006/relationships" xmlns:p="http://schemas.openxmlformats.org/presentationml/2006/main">
+  <p:tag name="GENSWF_SLIDE_UID" val="{E28D5E27-CD7A-456A-B456-6C194625E10D}:434"/>
+</p:tagLst>
+</file>
+
+<file path=ppt/tags/tag8.xml><?xml version="1.0" encoding="utf-8"?>
 <p:tagLst xmlns:a="http://schemas.openxmlformats.org/drawingml/2006/main" xmlns:r="http://schemas.openxmlformats.org/officeDocument/2006/relationships" xmlns:p="http://schemas.openxmlformats.org/presentationml/2006/main">
   <p:tag name="GENSWF_SLIDE_UID" val="{E28D5E27-CD7A-456A-B456-6C194625E10D}:434"/>
 </p:tagLst>
